--- a/bwp_study/CSS.pptx
+++ b/bwp_study/CSS.pptx
@@ -5,54 +5,54 @@
     <p:sldMasterId id="2147483648" r:id="rId1"/>
   </p:sldMasterIdLst>
   <p:sldIdLst>
-    <p:sldId id="256" r:id="rId3"/>
-    <p:sldId id="260" r:id="rId4"/>
-    <p:sldId id="257" r:id="rId5"/>
-    <p:sldId id="259" r:id="rId6"/>
-    <p:sldId id="261" r:id="rId7"/>
-    <p:sldId id="258" r:id="rId8"/>
-    <p:sldId id="262" r:id="rId9"/>
-    <p:sldId id="263" r:id="rId10"/>
-    <p:sldId id="264" r:id="rId11"/>
-    <p:sldId id="282" r:id="rId12"/>
-    <p:sldId id="284" r:id="rId13"/>
-    <p:sldId id="285" r:id="rId14"/>
-    <p:sldId id="279" r:id="rId15"/>
-    <p:sldId id="280" r:id="rId16"/>
-    <p:sldId id="281" r:id="rId17"/>
-    <p:sldId id="265" r:id="rId18"/>
-    <p:sldId id="266" r:id="rId19"/>
-    <p:sldId id="267" r:id="rId20"/>
-    <p:sldId id="268" r:id="rId21"/>
-    <p:sldId id="287" r:id="rId22"/>
-    <p:sldId id="269" r:id="rId23"/>
-    <p:sldId id="270" r:id="rId24"/>
-    <p:sldId id="272" r:id="rId25"/>
-    <p:sldId id="273" r:id="rId26"/>
-    <p:sldId id="274" r:id="rId27"/>
-    <p:sldId id="288" r:id="rId28"/>
-    <p:sldId id="289" r:id="rId29"/>
-    <p:sldId id="275" r:id="rId30"/>
-    <p:sldId id="276" r:id="rId31"/>
-    <p:sldId id="277" r:id="rId32"/>
-    <p:sldId id="290" r:id="rId33"/>
-    <p:sldId id="291" r:id="rId34"/>
-    <p:sldId id="292" r:id="rId35"/>
-    <p:sldId id="293" r:id="rId36"/>
-    <p:sldId id="294" r:id="rId37"/>
-    <p:sldId id="295" r:id="rId38"/>
-    <p:sldId id="296" r:id="rId39"/>
-    <p:sldId id="297" r:id="rId40"/>
-    <p:sldId id="298" r:id="rId41"/>
-    <p:sldId id="299" r:id="rId42"/>
-    <p:sldId id="300" r:id="rId43"/>
-    <p:sldId id="301" r:id="rId44"/>
-    <p:sldId id="302" r:id="rId45"/>
-    <p:sldId id="303" r:id="rId46"/>
-    <p:sldId id="304" r:id="rId47"/>
-    <p:sldId id="305" r:id="rId48"/>
-    <p:sldId id="306" r:id="rId49"/>
-    <p:sldId id="307" r:id="rId50"/>
+    <p:sldId id="256" r:id="rId2"/>
+    <p:sldId id="260" r:id="rId3"/>
+    <p:sldId id="257" r:id="rId4"/>
+    <p:sldId id="259" r:id="rId5"/>
+    <p:sldId id="261" r:id="rId6"/>
+    <p:sldId id="258" r:id="rId7"/>
+    <p:sldId id="262" r:id="rId8"/>
+    <p:sldId id="263" r:id="rId9"/>
+    <p:sldId id="264" r:id="rId10"/>
+    <p:sldId id="282" r:id="rId11"/>
+    <p:sldId id="284" r:id="rId12"/>
+    <p:sldId id="285" r:id="rId13"/>
+    <p:sldId id="279" r:id="rId14"/>
+    <p:sldId id="280" r:id="rId15"/>
+    <p:sldId id="281" r:id="rId16"/>
+    <p:sldId id="265" r:id="rId17"/>
+    <p:sldId id="266" r:id="rId18"/>
+    <p:sldId id="267" r:id="rId19"/>
+    <p:sldId id="268" r:id="rId20"/>
+    <p:sldId id="287" r:id="rId21"/>
+    <p:sldId id="269" r:id="rId22"/>
+    <p:sldId id="270" r:id="rId23"/>
+    <p:sldId id="272" r:id="rId24"/>
+    <p:sldId id="273" r:id="rId25"/>
+    <p:sldId id="274" r:id="rId26"/>
+    <p:sldId id="288" r:id="rId27"/>
+    <p:sldId id="289" r:id="rId28"/>
+    <p:sldId id="275" r:id="rId29"/>
+    <p:sldId id="276" r:id="rId30"/>
+    <p:sldId id="277" r:id="rId31"/>
+    <p:sldId id="290" r:id="rId32"/>
+    <p:sldId id="291" r:id="rId33"/>
+    <p:sldId id="292" r:id="rId34"/>
+    <p:sldId id="293" r:id="rId35"/>
+    <p:sldId id="294" r:id="rId36"/>
+    <p:sldId id="295" r:id="rId37"/>
+    <p:sldId id="296" r:id="rId38"/>
+    <p:sldId id="297" r:id="rId39"/>
+    <p:sldId id="298" r:id="rId40"/>
+    <p:sldId id="299" r:id="rId41"/>
+    <p:sldId id="300" r:id="rId42"/>
+    <p:sldId id="301" r:id="rId43"/>
+    <p:sldId id="302" r:id="rId44"/>
+    <p:sldId id="303" r:id="rId45"/>
+    <p:sldId id="304" r:id="rId46"/>
+    <p:sldId id="305" r:id="rId47"/>
+    <p:sldId id="306" r:id="rId48"/>
+    <p:sldId id="307" r:id="rId49"/>
   </p:sldIdLst>
   <p:sldSz cx="9144000" cy="6858000" type="screen4x3"/>
   <p:notesSz cx="6858000" cy="9144000"/>
@@ -151,6 +151,22 @@
       </a:defRPr>
     </a:lvl9pPr>
   </p:defaultTextStyle>
+  <p:extLst>
+    <p:ext uri="{EFAFB233-063F-42B5-8137-9DF3F51BA10A}">
+      <p15:sldGuideLst xmlns:p15="http://schemas.microsoft.com/office/powerpoint/2012/main">
+        <p15:guide id="1" orient="horz" pos="2160">
+          <p15:clr>
+            <a:srgbClr val="A4A3A4"/>
+          </p15:clr>
+        </p15:guide>
+        <p15:guide id="2" pos="2880">
+          <p15:clr>
+            <a:srgbClr val="A4A3A4"/>
+          </p15:clr>
+        </p15:guide>
+      </p15:sldGuideLst>
+    </p:ext>
+  </p:extLst>
 </p:presentation>
 </file>
 
@@ -192,10 +208,9 @@
           <a:lstStyle/>
           <a:p>
             <a:r>
-              <a:rPr lang="en-US" smtClean="0"/>
+              <a:rPr lang="en-US"/>
               <a:t>Click to edit Master title style</a:t>
             </a:r>
-            <a:endParaRPr lang="en-US"/>
           </a:p>
         </p:txBody>
       </p:sp>
@@ -311,10 +326,9 @@
           </a:lstStyle>
           <a:p>
             <a:r>
-              <a:rPr lang="en-US" smtClean="0"/>
+              <a:rPr lang="en-US"/>
               <a:t>Click to edit Master subtitle style</a:t>
             </a:r>
-            <a:endParaRPr lang="en-US"/>
           </a:p>
         </p:txBody>
       </p:sp>
@@ -335,6 +349,7 @@
           <a:p>
             <a:fld id="{4CC66857-61A6-48E3-AD79-DA7BEC54B20C}" type="datetimeFigureOut">
               <a:rPr lang="en-US" smtClean="0"/>
+              <a:t>10/18/2024</a:t>
             </a:fld>
             <a:endParaRPr lang="en-US"/>
           </a:p>
@@ -376,6 +391,7 @@
           <a:p>
             <a:fld id="{57DF275B-DCAF-44BF-8051-8B3679918315}" type="slidenum">
               <a:rPr lang="en-US" smtClean="0"/>
+              <a:t>‹#›</a:t>
             </a:fld>
             <a:endParaRPr lang="en-US"/>
           </a:p>
@@ -422,10 +438,9 @@
           <a:lstStyle/>
           <a:p>
             <a:r>
-              <a:rPr lang="en-US" smtClean="0"/>
+              <a:rPr lang="en-US"/>
               <a:t>Click to edit Master title style</a:t>
             </a:r>
-            <a:endParaRPr lang="en-US"/>
           </a:p>
         </p:txBody>
       </p:sp>
@@ -446,42 +461,37 @@
           <a:p>
             <a:pPr lvl="0"/>
             <a:r>
-              <a:rPr lang="en-US" smtClean="0"/>
+              <a:rPr lang="en-US"/>
               <a:t>Click to edit Master text styles</a:t>
             </a:r>
-            <a:endParaRPr lang="en-US" smtClean="0"/>
           </a:p>
           <a:p>
             <a:pPr lvl="1"/>
             <a:r>
-              <a:rPr lang="en-US" smtClean="0"/>
+              <a:rPr lang="en-US"/>
               <a:t>Second level</a:t>
             </a:r>
-            <a:endParaRPr lang="en-US" smtClean="0"/>
           </a:p>
           <a:p>
             <a:pPr lvl="2"/>
             <a:r>
-              <a:rPr lang="en-US" smtClean="0"/>
+              <a:rPr lang="en-US"/>
               <a:t>Third level</a:t>
             </a:r>
-            <a:endParaRPr lang="en-US" smtClean="0"/>
           </a:p>
           <a:p>
             <a:pPr lvl="3"/>
             <a:r>
-              <a:rPr lang="en-US" smtClean="0"/>
+              <a:rPr lang="en-US"/>
               <a:t>Fourth level</a:t>
             </a:r>
-            <a:endParaRPr lang="en-US" smtClean="0"/>
           </a:p>
           <a:p>
             <a:pPr lvl="4"/>
             <a:r>
-              <a:rPr lang="en-US" smtClean="0"/>
+              <a:rPr lang="en-US"/>
               <a:t>Fifth level</a:t>
             </a:r>
-            <a:endParaRPr lang="en-US"/>
           </a:p>
         </p:txBody>
       </p:sp>
@@ -502,6 +512,7 @@
           <a:p>
             <a:fld id="{4CC66857-61A6-48E3-AD79-DA7BEC54B20C}" type="datetimeFigureOut">
               <a:rPr lang="en-US" smtClean="0"/>
+              <a:t>10/18/2024</a:t>
             </a:fld>
             <a:endParaRPr lang="en-US"/>
           </a:p>
@@ -543,6 +554,7 @@
           <a:p>
             <a:fld id="{57DF275B-DCAF-44BF-8051-8B3679918315}" type="slidenum">
               <a:rPr lang="en-US" smtClean="0"/>
+              <a:t>‹#›</a:t>
             </a:fld>
             <a:endParaRPr lang="en-US"/>
           </a:p>
@@ -594,10 +606,9 @@
           <a:lstStyle/>
           <a:p>
             <a:r>
-              <a:rPr lang="en-US" smtClean="0"/>
+              <a:rPr lang="en-US"/>
               <a:t>Click to edit Master title style</a:t>
             </a:r>
-            <a:endParaRPr lang="en-US"/>
           </a:p>
         </p:txBody>
       </p:sp>
@@ -623,42 +634,37 @@
           <a:p>
             <a:pPr lvl="0"/>
             <a:r>
-              <a:rPr lang="en-US" smtClean="0"/>
+              <a:rPr lang="en-US"/>
               <a:t>Click to edit Master text styles</a:t>
             </a:r>
-            <a:endParaRPr lang="en-US" smtClean="0"/>
           </a:p>
           <a:p>
             <a:pPr lvl="1"/>
             <a:r>
-              <a:rPr lang="en-US" smtClean="0"/>
+              <a:rPr lang="en-US"/>
               <a:t>Second level</a:t>
             </a:r>
-            <a:endParaRPr lang="en-US" smtClean="0"/>
           </a:p>
           <a:p>
             <a:pPr lvl="2"/>
             <a:r>
-              <a:rPr lang="en-US" smtClean="0"/>
+              <a:rPr lang="en-US"/>
               <a:t>Third level</a:t>
             </a:r>
-            <a:endParaRPr lang="en-US" smtClean="0"/>
           </a:p>
           <a:p>
             <a:pPr lvl="3"/>
             <a:r>
-              <a:rPr lang="en-US" smtClean="0"/>
+              <a:rPr lang="en-US"/>
               <a:t>Fourth level</a:t>
             </a:r>
-            <a:endParaRPr lang="en-US" smtClean="0"/>
           </a:p>
           <a:p>
             <a:pPr lvl="4"/>
             <a:r>
-              <a:rPr lang="en-US" smtClean="0"/>
+              <a:rPr lang="en-US"/>
               <a:t>Fifth level</a:t>
             </a:r>
-            <a:endParaRPr lang="en-US"/>
           </a:p>
         </p:txBody>
       </p:sp>
@@ -679,6 +685,7 @@
           <a:p>
             <a:fld id="{4CC66857-61A6-48E3-AD79-DA7BEC54B20C}" type="datetimeFigureOut">
               <a:rPr lang="en-US" smtClean="0"/>
+              <a:t>10/18/2024</a:t>
             </a:fld>
             <a:endParaRPr lang="en-US"/>
           </a:p>
@@ -720,6 +727,7 @@
           <a:p>
             <a:fld id="{57DF275B-DCAF-44BF-8051-8B3679918315}" type="slidenum">
               <a:rPr lang="en-US" smtClean="0"/>
+              <a:t>‹#›</a:t>
             </a:fld>
             <a:endParaRPr lang="en-US"/>
           </a:p>
@@ -766,10 +774,9 @@
           <a:lstStyle/>
           <a:p>
             <a:r>
-              <a:rPr lang="en-US" smtClean="0"/>
+              <a:rPr lang="en-US"/>
               <a:t>Click to edit Master title style</a:t>
             </a:r>
-            <a:endParaRPr lang="en-US"/>
           </a:p>
         </p:txBody>
       </p:sp>
@@ -790,42 +797,37 @@
           <a:p>
             <a:pPr lvl="0"/>
             <a:r>
-              <a:rPr lang="en-US" smtClean="0"/>
+              <a:rPr lang="en-US"/>
               <a:t>Click to edit Master text styles</a:t>
             </a:r>
-            <a:endParaRPr lang="en-US" smtClean="0"/>
           </a:p>
           <a:p>
             <a:pPr lvl="1"/>
             <a:r>
-              <a:rPr lang="en-US" smtClean="0"/>
+              <a:rPr lang="en-US"/>
               <a:t>Second level</a:t>
             </a:r>
-            <a:endParaRPr lang="en-US" smtClean="0"/>
           </a:p>
           <a:p>
             <a:pPr lvl="2"/>
             <a:r>
-              <a:rPr lang="en-US" smtClean="0"/>
+              <a:rPr lang="en-US"/>
               <a:t>Third level</a:t>
             </a:r>
-            <a:endParaRPr lang="en-US" smtClean="0"/>
           </a:p>
           <a:p>
             <a:pPr lvl="3"/>
             <a:r>
-              <a:rPr lang="en-US" smtClean="0"/>
+              <a:rPr lang="en-US"/>
               <a:t>Fourth level</a:t>
             </a:r>
-            <a:endParaRPr lang="en-US" smtClean="0"/>
           </a:p>
           <a:p>
             <a:pPr lvl="4"/>
             <a:r>
-              <a:rPr lang="en-US" smtClean="0"/>
+              <a:rPr lang="en-US"/>
               <a:t>Fifth level</a:t>
             </a:r>
-            <a:endParaRPr lang="en-US"/>
           </a:p>
         </p:txBody>
       </p:sp>
@@ -846,6 +848,7 @@
           <a:p>
             <a:fld id="{4CC66857-61A6-48E3-AD79-DA7BEC54B20C}" type="datetimeFigureOut">
               <a:rPr lang="en-US" smtClean="0"/>
+              <a:t>10/18/2024</a:t>
             </a:fld>
             <a:endParaRPr lang="en-US"/>
           </a:p>
@@ -887,6 +890,7 @@
           <a:p>
             <a:fld id="{57DF275B-DCAF-44BF-8051-8B3679918315}" type="slidenum">
               <a:rPr lang="en-US" smtClean="0"/>
+              <a:t>‹#›</a:t>
             </a:fld>
             <a:endParaRPr lang="en-US"/>
           </a:p>
@@ -942,10 +946,9 @@
           </a:lstStyle>
           <a:p>
             <a:r>
-              <a:rPr lang="en-US" smtClean="0"/>
+              <a:rPr lang="en-US"/>
               <a:t>Click to edit Master title style</a:t>
             </a:r>
-            <a:endParaRPr lang="en-US"/>
           </a:p>
         </p:txBody>
       </p:sp>
@@ -1062,10 +1065,9 @@
           <a:p>
             <a:pPr lvl="0"/>
             <a:r>
-              <a:rPr lang="en-US" smtClean="0"/>
+              <a:rPr lang="en-US"/>
               <a:t>Click to edit Master text styles</a:t>
             </a:r>
-            <a:endParaRPr lang="en-US" smtClean="0"/>
           </a:p>
         </p:txBody>
       </p:sp>
@@ -1086,6 +1088,7 @@
           <a:p>
             <a:fld id="{4CC66857-61A6-48E3-AD79-DA7BEC54B20C}" type="datetimeFigureOut">
               <a:rPr lang="en-US" smtClean="0"/>
+              <a:t>10/18/2024</a:t>
             </a:fld>
             <a:endParaRPr lang="en-US"/>
           </a:p>
@@ -1127,6 +1130,7 @@
           <a:p>
             <a:fld id="{57DF275B-DCAF-44BF-8051-8B3679918315}" type="slidenum">
               <a:rPr lang="en-US" smtClean="0"/>
+              <a:t>‹#›</a:t>
             </a:fld>
             <a:endParaRPr lang="en-US"/>
           </a:p>
@@ -1173,10 +1177,9 @@
           <a:lstStyle/>
           <a:p>
             <a:r>
-              <a:rPr lang="en-US" smtClean="0"/>
+              <a:rPr lang="en-US"/>
               <a:t>Click to edit Master title style</a:t>
             </a:r>
-            <a:endParaRPr lang="en-US"/>
           </a:p>
         </p:txBody>
       </p:sp>
@@ -1230,42 +1233,37 @@
           <a:p>
             <a:pPr lvl="0"/>
             <a:r>
-              <a:rPr lang="en-US" smtClean="0"/>
+              <a:rPr lang="en-US"/>
               <a:t>Click to edit Master text styles</a:t>
             </a:r>
-            <a:endParaRPr lang="en-US" smtClean="0"/>
           </a:p>
           <a:p>
             <a:pPr lvl="1"/>
             <a:r>
-              <a:rPr lang="en-US" smtClean="0"/>
+              <a:rPr lang="en-US"/>
               <a:t>Second level</a:t>
             </a:r>
-            <a:endParaRPr lang="en-US" smtClean="0"/>
           </a:p>
           <a:p>
             <a:pPr lvl="2"/>
             <a:r>
-              <a:rPr lang="en-US" smtClean="0"/>
+              <a:rPr lang="en-US"/>
               <a:t>Third level</a:t>
             </a:r>
-            <a:endParaRPr lang="en-US" smtClean="0"/>
           </a:p>
           <a:p>
             <a:pPr lvl="3"/>
             <a:r>
-              <a:rPr lang="en-US" smtClean="0"/>
+              <a:rPr lang="en-US"/>
               <a:t>Fourth level</a:t>
             </a:r>
-            <a:endParaRPr lang="en-US" smtClean="0"/>
           </a:p>
           <a:p>
             <a:pPr lvl="4"/>
             <a:r>
-              <a:rPr lang="en-US" smtClean="0"/>
+              <a:rPr lang="en-US"/>
               <a:t>Fifth level</a:t>
             </a:r>
-            <a:endParaRPr lang="en-US"/>
           </a:p>
         </p:txBody>
       </p:sp>
@@ -1319,42 +1317,37 @@
           <a:p>
             <a:pPr lvl="0"/>
             <a:r>
-              <a:rPr lang="en-US" smtClean="0"/>
+              <a:rPr lang="en-US"/>
               <a:t>Click to edit Master text styles</a:t>
             </a:r>
-            <a:endParaRPr lang="en-US" smtClean="0"/>
           </a:p>
           <a:p>
             <a:pPr lvl="1"/>
             <a:r>
-              <a:rPr lang="en-US" smtClean="0"/>
+              <a:rPr lang="en-US"/>
               <a:t>Second level</a:t>
             </a:r>
-            <a:endParaRPr lang="en-US" smtClean="0"/>
           </a:p>
           <a:p>
             <a:pPr lvl="2"/>
             <a:r>
-              <a:rPr lang="en-US" smtClean="0"/>
+              <a:rPr lang="en-US"/>
               <a:t>Third level</a:t>
             </a:r>
-            <a:endParaRPr lang="en-US" smtClean="0"/>
           </a:p>
           <a:p>
             <a:pPr lvl="3"/>
             <a:r>
-              <a:rPr lang="en-US" smtClean="0"/>
+              <a:rPr lang="en-US"/>
               <a:t>Fourth level</a:t>
             </a:r>
-            <a:endParaRPr lang="en-US" smtClean="0"/>
           </a:p>
           <a:p>
             <a:pPr lvl="4"/>
             <a:r>
-              <a:rPr lang="en-US" smtClean="0"/>
+              <a:rPr lang="en-US"/>
               <a:t>Fifth level</a:t>
             </a:r>
-            <a:endParaRPr lang="en-US"/>
           </a:p>
         </p:txBody>
       </p:sp>
@@ -1375,6 +1368,7 @@
           <a:p>
             <a:fld id="{4CC66857-61A6-48E3-AD79-DA7BEC54B20C}" type="datetimeFigureOut">
               <a:rPr lang="en-US" smtClean="0"/>
+              <a:t>10/18/2024</a:t>
             </a:fld>
             <a:endParaRPr lang="en-US"/>
           </a:p>
@@ -1416,6 +1410,7 @@
           <a:p>
             <a:fld id="{57DF275B-DCAF-44BF-8051-8B3679918315}" type="slidenum">
               <a:rPr lang="en-US" smtClean="0"/>
+              <a:t>‹#›</a:t>
             </a:fld>
             <a:endParaRPr lang="en-US"/>
           </a:p>
@@ -1466,10 +1461,9 @@
           </a:lstStyle>
           <a:p>
             <a:r>
-              <a:rPr lang="en-US" smtClean="0"/>
+              <a:rPr lang="en-US"/>
               <a:t>Click to edit Master title style</a:t>
             </a:r>
-            <a:endParaRPr lang="en-US"/>
           </a:p>
         </p:txBody>
       </p:sp>
@@ -1532,10 +1526,9 @@
           <a:p>
             <a:pPr lvl="0"/>
             <a:r>
-              <a:rPr lang="en-US" smtClean="0"/>
+              <a:rPr lang="en-US"/>
               <a:t>Click to edit Master text styles</a:t>
             </a:r>
-            <a:endParaRPr lang="en-US" smtClean="0"/>
           </a:p>
         </p:txBody>
       </p:sp>
@@ -1589,42 +1582,37 @@
           <a:p>
             <a:pPr lvl="0"/>
             <a:r>
-              <a:rPr lang="en-US" smtClean="0"/>
+              <a:rPr lang="en-US"/>
               <a:t>Click to edit Master text styles</a:t>
             </a:r>
-            <a:endParaRPr lang="en-US" smtClean="0"/>
           </a:p>
           <a:p>
             <a:pPr lvl="1"/>
             <a:r>
-              <a:rPr lang="en-US" smtClean="0"/>
+              <a:rPr lang="en-US"/>
               <a:t>Second level</a:t>
             </a:r>
-            <a:endParaRPr lang="en-US" smtClean="0"/>
           </a:p>
           <a:p>
             <a:pPr lvl="2"/>
             <a:r>
-              <a:rPr lang="en-US" smtClean="0"/>
+              <a:rPr lang="en-US"/>
               <a:t>Third level</a:t>
             </a:r>
-            <a:endParaRPr lang="en-US" smtClean="0"/>
           </a:p>
           <a:p>
             <a:pPr lvl="3"/>
             <a:r>
-              <a:rPr lang="en-US" smtClean="0"/>
+              <a:rPr lang="en-US"/>
               <a:t>Fourth level</a:t>
             </a:r>
-            <a:endParaRPr lang="en-US" smtClean="0"/>
           </a:p>
           <a:p>
             <a:pPr lvl="4"/>
             <a:r>
-              <a:rPr lang="en-US" smtClean="0"/>
+              <a:rPr lang="en-US"/>
               <a:t>Fifth level</a:t>
             </a:r>
-            <a:endParaRPr lang="en-US"/>
           </a:p>
         </p:txBody>
       </p:sp>
@@ -1687,10 +1675,9 @@
           <a:p>
             <a:pPr lvl="0"/>
             <a:r>
-              <a:rPr lang="en-US" smtClean="0"/>
+              <a:rPr lang="en-US"/>
               <a:t>Click to edit Master text styles</a:t>
             </a:r>
-            <a:endParaRPr lang="en-US" smtClean="0"/>
           </a:p>
         </p:txBody>
       </p:sp>
@@ -1744,42 +1731,37 @@
           <a:p>
             <a:pPr lvl="0"/>
             <a:r>
-              <a:rPr lang="en-US" smtClean="0"/>
+              <a:rPr lang="en-US"/>
               <a:t>Click to edit Master text styles</a:t>
             </a:r>
-            <a:endParaRPr lang="en-US" smtClean="0"/>
           </a:p>
           <a:p>
             <a:pPr lvl="1"/>
             <a:r>
-              <a:rPr lang="en-US" smtClean="0"/>
+              <a:rPr lang="en-US"/>
               <a:t>Second level</a:t>
             </a:r>
-            <a:endParaRPr lang="en-US" smtClean="0"/>
           </a:p>
           <a:p>
             <a:pPr lvl="2"/>
             <a:r>
-              <a:rPr lang="en-US" smtClean="0"/>
+              <a:rPr lang="en-US"/>
               <a:t>Third level</a:t>
             </a:r>
-            <a:endParaRPr lang="en-US" smtClean="0"/>
           </a:p>
           <a:p>
             <a:pPr lvl="3"/>
             <a:r>
-              <a:rPr lang="en-US" smtClean="0"/>
+              <a:rPr lang="en-US"/>
               <a:t>Fourth level</a:t>
             </a:r>
-            <a:endParaRPr lang="en-US" smtClean="0"/>
           </a:p>
           <a:p>
             <a:pPr lvl="4"/>
             <a:r>
-              <a:rPr lang="en-US" smtClean="0"/>
+              <a:rPr lang="en-US"/>
               <a:t>Fifth level</a:t>
             </a:r>
-            <a:endParaRPr lang="en-US"/>
           </a:p>
         </p:txBody>
       </p:sp>
@@ -1800,6 +1782,7 @@
           <a:p>
             <a:fld id="{4CC66857-61A6-48E3-AD79-DA7BEC54B20C}" type="datetimeFigureOut">
               <a:rPr lang="en-US" smtClean="0"/>
+              <a:t>10/18/2024</a:t>
             </a:fld>
             <a:endParaRPr lang="en-US"/>
           </a:p>
@@ -1841,6 +1824,7 @@
           <a:p>
             <a:fld id="{57DF275B-DCAF-44BF-8051-8B3679918315}" type="slidenum">
               <a:rPr lang="en-US" smtClean="0"/>
+              <a:t>‹#›</a:t>
             </a:fld>
             <a:endParaRPr lang="en-US"/>
           </a:p>
@@ -1887,10 +1871,9 @@
           <a:lstStyle/>
           <a:p>
             <a:r>
-              <a:rPr lang="en-US" smtClean="0"/>
+              <a:rPr lang="en-US"/>
               <a:t>Click to edit Master title style</a:t>
             </a:r>
-            <a:endParaRPr lang="en-US"/>
           </a:p>
         </p:txBody>
       </p:sp>
@@ -1911,6 +1894,7 @@
           <a:p>
             <a:fld id="{4CC66857-61A6-48E3-AD79-DA7BEC54B20C}" type="datetimeFigureOut">
               <a:rPr lang="en-US" smtClean="0"/>
+              <a:t>10/18/2024</a:t>
             </a:fld>
             <a:endParaRPr lang="en-US"/>
           </a:p>
@@ -1952,6 +1936,7 @@
           <a:p>
             <a:fld id="{57DF275B-DCAF-44BF-8051-8B3679918315}" type="slidenum">
               <a:rPr lang="en-US" smtClean="0"/>
+              <a:t>‹#›</a:t>
             </a:fld>
             <a:endParaRPr lang="en-US"/>
           </a:p>
@@ -1999,6 +1984,7 @@
           <a:p>
             <a:fld id="{4CC66857-61A6-48E3-AD79-DA7BEC54B20C}" type="datetimeFigureOut">
               <a:rPr lang="en-US" smtClean="0"/>
+              <a:t>10/18/2024</a:t>
             </a:fld>
             <a:endParaRPr lang="en-US"/>
           </a:p>
@@ -2040,6 +2026,7 @@
           <a:p>
             <a:fld id="{57DF275B-DCAF-44BF-8051-8B3679918315}" type="slidenum">
               <a:rPr lang="en-US" smtClean="0"/>
+              <a:t>‹#›</a:t>
             </a:fld>
             <a:endParaRPr lang="en-US"/>
           </a:p>
@@ -2095,10 +2082,9 @@
           </a:lstStyle>
           <a:p>
             <a:r>
-              <a:rPr lang="en-US" smtClean="0"/>
+              <a:rPr lang="en-US"/>
               <a:t>Click to edit Master title style</a:t>
             </a:r>
-            <a:endParaRPr lang="en-US"/>
           </a:p>
         </p:txBody>
       </p:sp>
@@ -2152,42 +2138,37 @@
           <a:p>
             <a:pPr lvl="0"/>
             <a:r>
-              <a:rPr lang="en-US" smtClean="0"/>
+              <a:rPr lang="en-US"/>
               <a:t>Click to edit Master text styles</a:t>
             </a:r>
-            <a:endParaRPr lang="en-US" smtClean="0"/>
           </a:p>
           <a:p>
             <a:pPr lvl="1"/>
             <a:r>
-              <a:rPr lang="en-US" smtClean="0"/>
+              <a:rPr lang="en-US"/>
               <a:t>Second level</a:t>
             </a:r>
-            <a:endParaRPr lang="en-US" smtClean="0"/>
           </a:p>
           <a:p>
             <a:pPr lvl="2"/>
             <a:r>
-              <a:rPr lang="en-US" smtClean="0"/>
+              <a:rPr lang="en-US"/>
               <a:t>Third level</a:t>
             </a:r>
-            <a:endParaRPr lang="en-US" smtClean="0"/>
           </a:p>
           <a:p>
             <a:pPr lvl="3"/>
             <a:r>
-              <a:rPr lang="en-US" smtClean="0"/>
+              <a:rPr lang="en-US"/>
               <a:t>Fourth level</a:t>
             </a:r>
-            <a:endParaRPr lang="en-US" smtClean="0"/>
           </a:p>
           <a:p>
             <a:pPr lvl="4"/>
             <a:r>
-              <a:rPr lang="en-US" smtClean="0"/>
+              <a:rPr lang="en-US"/>
               <a:t>Fifth level</a:t>
             </a:r>
-            <a:endParaRPr lang="en-US"/>
           </a:p>
         </p:txBody>
       </p:sp>
@@ -2250,10 +2231,9 @@
           <a:p>
             <a:pPr lvl="0"/>
             <a:r>
-              <a:rPr lang="en-US" smtClean="0"/>
+              <a:rPr lang="en-US"/>
               <a:t>Click to edit Master text styles</a:t>
             </a:r>
-            <a:endParaRPr lang="en-US" smtClean="0"/>
           </a:p>
         </p:txBody>
       </p:sp>
@@ -2274,6 +2254,7 @@
           <a:p>
             <a:fld id="{4CC66857-61A6-48E3-AD79-DA7BEC54B20C}" type="datetimeFigureOut">
               <a:rPr lang="en-US" smtClean="0"/>
+              <a:t>10/18/2024</a:t>
             </a:fld>
             <a:endParaRPr lang="en-US"/>
           </a:p>
@@ -2315,6 +2296,7 @@
           <a:p>
             <a:fld id="{57DF275B-DCAF-44BF-8051-8B3679918315}" type="slidenum">
               <a:rPr lang="en-US" smtClean="0"/>
+              <a:t>‹#›</a:t>
             </a:fld>
             <a:endParaRPr lang="en-US"/>
           </a:p>
@@ -2370,10 +2352,9 @@
           </a:lstStyle>
           <a:p>
             <a:r>
-              <a:rPr lang="en-US" smtClean="0"/>
+              <a:rPr lang="en-US"/>
               <a:t>Click to edit Master title style</a:t>
             </a:r>
-            <a:endParaRPr lang="en-US"/>
           </a:p>
         </p:txBody>
       </p:sp>
@@ -2497,10 +2478,9 @@
           <a:p>
             <a:pPr lvl="0"/>
             <a:r>
-              <a:rPr lang="en-US" smtClean="0"/>
+              <a:rPr lang="en-US"/>
               <a:t>Click to edit Master text styles</a:t>
             </a:r>
-            <a:endParaRPr lang="en-US" smtClean="0"/>
           </a:p>
         </p:txBody>
       </p:sp>
@@ -2521,6 +2501,7 @@
           <a:p>
             <a:fld id="{4CC66857-61A6-48E3-AD79-DA7BEC54B20C}" type="datetimeFigureOut">
               <a:rPr lang="en-US" smtClean="0"/>
+              <a:t>10/18/2024</a:t>
             </a:fld>
             <a:endParaRPr lang="en-US"/>
           </a:p>
@@ -2562,6 +2543,7 @@
           <a:p>
             <a:fld id="{57DF275B-DCAF-44BF-8051-8B3679918315}" type="slidenum">
               <a:rPr lang="en-US" smtClean="0"/>
+              <a:t>‹#›</a:t>
             </a:fld>
             <a:endParaRPr lang="en-US"/>
           </a:p>
@@ -2623,10 +2605,9 @@
           <a:lstStyle/>
           <a:p>
             <a:r>
-              <a:rPr lang="en-US" smtClean="0"/>
+              <a:rPr lang="en-US"/>
               <a:t>Click to edit Master title style</a:t>
             </a:r>
-            <a:endParaRPr lang="en-US"/>
           </a:p>
         </p:txBody>
       </p:sp>
@@ -2657,42 +2638,37 @@
           <a:p>
             <a:pPr lvl="0"/>
             <a:r>
-              <a:rPr lang="en-US" smtClean="0"/>
+              <a:rPr lang="en-US"/>
               <a:t>Click to edit Master text styles</a:t>
             </a:r>
-            <a:endParaRPr lang="en-US" smtClean="0"/>
           </a:p>
           <a:p>
             <a:pPr lvl="1"/>
             <a:r>
-              <a:rPr lang="en-US" smtClean="0"/>
+              <a:rPr lang="en-US"/>
               <a:t>Second level</a:t>
             </a:r>
-            <a:endParaRPr lang="en-US" smtClean="0"/>
           </a:p>
           <a:p>
             <a:pPr lvl="2"/>
             <a:r>
-              <a:rPr lang="en-US" smtClean="0"/>
+              <a:rPr lang="en-US"/>
               <a:t>Third level</a:t>
             </a:r>
-            <a:endParaRPr lang="en-US" smtClean="0"/>
           </a:p>
           <a:p>
             <a:pPr lvl="3"/>
             <a:r>
-              <a:rPr lang="en-US" smtClean="0"/>
+              <a:rPr lang="en-US"/>
               <a:t>Fourth level</a:t>
             </a:r>
-            <a:endParaRPr lang="en-US" smtClean="0"/>
           </a:p>
           <a:p>
             <a:pPr lvl="4"/>
             <a:r>
-              <a:rPr lang="en-US" smtClean="0"/>
+              <a:rPr lang="en-US"/>
               <a:t>Fifth level</a:t>
             </a:r>
-            <a:endParaRPr lang="en-US"/>
           </a:p>
         </p:txBody>
       </p:sp>
@@ -2731,6 +2707,7 @@
           <a:p>
             <a:fld id="{4CC66857-61A6-48E3-AD79-DA7BEC54B20C}" type="datetimeFigureOut">
               <a:rPr lang="en-US" smtClean="0"/>
+              <a:t>10/18/2024</a:t>
             </a:fld>
             <a:endParaRPr lang="en-US"/>
           </a:p>
@@ -2808,6 +2785,7 @@
           <a:p>
             <a:fld id="{57DF275B-DCAF-44BF-8051-8B3679918315}" type="slidenum">
               <a:rPr lang="en-US" smtClean="0"/>
+              <a:t>‹#›</a:t>
             </a:fld>
             <a:endParaRPr lang="en-US"/>
           </a:p>
@@ -3115,17 +3093,16 @@
           <a:lstStyle/>
           <a:p>
             <a:r>
-              <a:rPr lang="en-US" dirty="0" smtClean="0"/>
+              <a:rPr lang="en-US" dirty="0"/>
               <a:t>CSS</a:t>
             </a:r>
             <a:br>
-              <a:rPr lang="en-US" dirty="0" smtClean="0"/>
-            </a:br>
-            <a:r>
-              <a:rPr lang="en-US" dirty="0" smtClean="0"/>
+              <a:rPr lang="en-US" dirty="0"/>
+            </a:br>
+            <a:r>
+              <a:rPr lang="en-US" dirty="0"/>
               <a:t>(cascaded style sheet)</a:t>
             </a:r>
-            <a:endParaRPr lang="en-US" dirty="0"/>
           </a:p>
         </p:txBody>
       </p:sp>
@@ -3134,13 +3111,6 @@
   <p:clrMapOvr>
     <a:masterClrMapping/>
   </p:clrMapOvr>
-  <p:timing>
-    <p:tnLst>
-      <p:par>
-        <p:cTn id="1" dur="indefinite" restart="never" nodeType="tmRoot"/>
-      </p:par>
-    </p:tnLst>
-  </p:timing>
 </p:sld>
 </file>
 
@@ -3184,170 +3154,155 @@
           <a:lstStyle/>
           <a:p>
             <a:r>
-              <a:rPr lang="en-US" dirty="0" smtClean="0"/>
+              <a:rPr lang="en-US" dirty="0"/>
               <a:t>Example : internal style sheet</a:t>
             </a:r>
-            <a:endParaRPr lang="en-US" dirty="0" smtClean="0"/>
-          </a:p>
-          <a:p>
-            <a:pPr>
-              <a:buNone/>
-            </a:pPr>
-            <a:r>
-              <a:rPr lang="en-US" dirty="0" smtClean="0"/>
+          </a:p>
+          <a:p>
+            <a:pPr>
+              <a:buNone/>
+            </a:pPr>
+            <a:r>
+              <a:rPr lang="en-US" dirty="0"/>
               <a:t>&lt;html&gt;</a:t>
             </a:r>
-            <a:endParaRPr lang="en-US" dirty="0" smtClean="0"/>
           </a:p>
           <a:p>
             <a:pPr lvl="1">
               <a:buNone/>
             </a:pPr>
             <a:r>
-              <a:rPr lang="en-US" dirty="0" smtClean="0"/>
+              <a:rPr lang="en-US" dirty="0"/>
               <a:t>&lt;head&gt;</a:t>
             </a:r>
-            <a:endParaRPr lang="en-US" dirty="0" smtClean="0"/>
           </a:p>
           <a:p>
             <a:pPr lvl="2">
               <a:buNone/>
             </a:pPr>
             <a:r>
-              <a:rPr lang="en-US" dirty="0" smtClean="0"/>
+              <a:rPr lang="en-US" dirty="0"/>
               <a:t>&lt;style type="text/</a:t>
             </a:r>
             <a:r>
-              <a:rPr lang="en-US" dirty="0" err="1" smtClean="0"/>
+              <a:rPr lang="en-US" dirty="0" err="1"/>
               <a:t>css</a:t>
             </a:r>
             <a:r>
-              <a:rPr lang="en-US" dirty="0" smtClean="0"/>
+              <a:rPr lang="en-US" dirty="0"/>
               <a:t>"&gt;</a:t>
             </a:r>
-            <a:endParaRPr lang="en-US" dirty="0" smtClean="0"/>
           </a:p>
           <a:p>
             <a:pPr lvl="3">
               <a:buNone/>
             </a:pPr>
             <a:r>
-              <a:rPr lang="en-US" dirty="0" smtClean="0"/>
+              <a:rPr lang="en-US" dirty="0"/>
               <a:t>body</a:t>
             </a:r>
-            <a:endParaRPr lang="en-US" dirty="0" smtClean="0"/>
           </a:p>
           <a:p>
             <a:pPr lvl="3">
               <a:buNone/>
             </a:pPr>
             <a:r>
-              <a:rPr lang="en-US" dirty="0" smtClean="0"/>
+              <a:rPr lang="en-US" dirty="0"/>
               <a:t>{</a:t>
             </a:r>
-            <a:endParaRPr lang="en-US" dirty="0" smtClean="0"/>
           </a:p>
           <a:p>
             <a:pPr lvl="3">
               <a:buNone/>
             </a:pPr>
             <a:r>
-              <a:rPr lang="en-US" dirty="0" smtClean="0"/>
+              <a:rPr lang="en-US" dirty="0"/>
               <a:t>background-color:#b0c4de;</a:t>
             </a:r>
-            <a:endParaRPr lang="en-US" dirty="0" smtClean="0"/>
           </a:p>
           <a:p>
             <a:pPr lvl="3">
               <a:buNone/>
             </a:pPr>
             <a:r>
-              <a:rPr lang="en-US" dirty="0" smtClean="0"/>
+              <a:rPr lang="en-US" dirty="0"/>
               <a:t>}</a:t>
             </a:r>
-            <a:endParaRPr lang="en-US" dirty="0" smtClean="0"/>
           </a:p>
           <a:p>
             <a:pPr lvl="2">
               <a:buNone/>
             </a:pPr>
             <a:r>
-              <a:rPr lang="en-US" dirty="0" smtClean="0"/>
+              <a:rPr lang="en-US" dirty="0"/>
               <a:t>&lt;/style&gt;</a:t>
             </a:r>
-            <a:endParaRPr lang="en-US" dirty="0" smtClean="0"/>
           </a:p>
           <a:p>
             <a:pPr lvl="1">
               <a:buNone/>
             </a:pPr>
             <a:r>
-              <a:rPr lang="en-US" dirty="0" smtClean="0"/>
+              <a:rPr lang="en-US" dirty="0"/>
               <a:t>&lt;/head&gt;</a:t>
             </a:r>
-            <a:endParaRPr lang="en-US" dirty="0" smtClean="0"/>
           </a:p>
           <a:p>
             <a:pPr lvl="1">
               <a:buNone/>
             </a:pPr>
             <a:r>
-              <a:rPr lang="en-US" dirty="0" smtClean="0"/>
+              <a:rPr lang="en-US" dirty="0"/>
               <a:t>&lt;body&gt;</a:t>
             </a:r>
-            <a:endParaRPr lang="en-US" dirty="0" smtClean="0"/>
           </a:p>
           <a:p>
             <a:pPr lvl="2">
               <a:buNone/>
             </a:pPr>
             <a:r>
-              <a:rPr lang="en-US" dirty="0" smtClean="0"/>
+              <a:rPr lang="en-US" dirty="0"/>
               <a:t>&lt;h1&gt;My CSS web page!&lt;/h1&gt;</a:t>
             </a:r>
-            <a:endParaRPr lang="en-US" dirty="0" smtClean="0"/>
           </a:p>
           <a:p>
             <a:pPr lvl="2">
               <a:buNone/>
             </a:pPr>
             <a:r>
-              <a:rPr lang="en-US" dirty="0" smtClean="0"/>
+              <a:rPr lang="en-US" dirty="0"/>
               <a:t>&lt;p&gt;Hello world! This is a W3Schools.com example.&lt;/p&gt;</a:t>
             </a:r>
-            <a:endParaRPr lang="en-US" dirty="0" smtClean="0"/>
           </a:p>
           <a:p>
             <a:pPr lvl="1">
               <a:buNone/>
             </a:pPr>
             <a:r>
-              <a:rPr lang="en-US" dirty="0" smtClean="0"/>
+              <a:rPr lang="en-US" dirty="0"/>
               <a:t>&lt;/body&gt;</a:t>
             </a:r>
-            <a:endParaRPr lang="en-US" dirty="0" smtClean="0"/>
-          </a:p>
-          <a:p>
-            <a:pPr>
-              <a:buNone/>
-            </a:pPr>
-            <a:r>
-              <a:rPr lang="en-US" dirty="0" smtClean="0"/>
+          </a:p>
+          <a:p>
+            <a:pPr>
+              <a:buNone/>
+            </a:pPr>
+            <a:r>
+              <a:rPr lang="en-US" dirty="0"/>
               <a:t>&lt;/html&gt;</a:t>
             </a:r>
-            <a:endParaRPr lang="en-US" dirty="0" smtClean="0"/>
-          </a:p>
-          <a:p>
-            <a:pPr>
-              <a:buNone/>
-            </a:pPr>
-            <a:endParaRPr lang="en-US" dirty="0" smtClean="0"/>
-          </a:p>
-          <a:p>
-            <a:pPr>
-              <a:buNone/>
-            </a:pPr>
-            <a:endParaRPr lang="en-US" dirty="0" smtClean="0"/>
+          </a:p>
+          <a:p>
+            <a:pPr>
+              <a:buNone/>
+            </a:pPr>
+            <a:endParaRPr lang="en-US" dirty="0"/>
+          </a:p>
+          <a:p>
+            <a:pPr>
+              <a:buNone/>
+            </a:pPr>
+            <a:endParaRPr lang="en-US" dirty="0"/>
           </a:p>
           <a:p>
             <a:endParaRPr lang="en-US" dirty="0"/>
@@ -3359,13 +3314,6 @@
   <p:clrMapOvr>
     <a:masterClrMapping/>
   </p:clrMapOvr>
-  <p:timing>
-    <p:tnLst>
-      <p:par>
-        <p:cTn id="1" dur="indefinite" restart="never" nodeType="tmRoot"/>
-      </p:par>
-    </p:tnLst>
-  </p:timing>
 </p:sld>
 </file>
 
@@ -3402,10 +3350,9 @@
           <a:lstStyle/>
           <a:p>
             <a:r>
-              <a:rPr lang="en-US" dirty="0" smtClean="0"/>
+              <a:rPr lang="en-US" dirty="0"/>
               <a:t>External style sheet</a:t>
             </a:r>
-            <a:endParaRPr lang="en-US" dirty="0"/>
           </a:p>
         </p:txBody>
       </p:sp>
@@ -3435,50 +3382,45 @@
               <a:buNone/>
             </a:pPr>
             <a:r>
-              <a:rPr lang="en-US" dirty="0" smtClean="0"/>
+              <a:rPr lang="en-US" dirty="0"/>
               <a:t>First.css</a:t>
             </a:r>
-            <a:endParaRPr lang="en-US" dirty="0" smtClean="0"/>
           </a:p>
           <a:p>
             <a:pPr lvl="2">
               <a:buNone/>
             </a:pPr>
             <a:r>
-              <a:rPr lang="en-US" dirty="0" smtClean="0"/>
+              <a:rPr lang="en-US" dirty="0"/>
               <a:t>body</a:t>
             </a:r>
-            <a:endParaRPr lang="en-US" dirty="0" smtClean="0"/>
           </a:p>
           <a:p>
             <a:pPr lvl="2">
               <a:buNone/>
             </a:pPr>
             <a:r>
-              <a:rPr lang="en-US" dirty="0" smtClean="0"/>
+              <a:rPr lang="en-US" dirty="0"/>
               <a:t>{</a:t>
             </a:r>
-            <a:endParaRPr lang="en-US" dirty="0" smtClean="0"/>
           </a:p>
           <a:p>
             <a:pPr lvl="2">
               <a:buNone/>
             </a:pPr>
             <a:r>
-              <a:rPr lang="en-US" dirty="0" smtClean="0"/>
+              <a:rPr lang="en-US" dirty="0"/>
               <a:t>background-color:#b0c4de;</a:t>
             </a:r>
-            <a:endParaRPr lang="en-US" dirty="0" smtClean="0"/>
           </a:p>
           <a:p>
             <a:pPr lvl="2">
               <a:buNone/>
             </a:pPr>
             <a:r>
-              <a:rPr lang="en-US" dirty="0" smtClean="0"/>
+              <a:rPr lang="en-US" dirty="0"/>
               <a:t>}</a:t>
             </a:r>
-            <a:endParaRPr lang="en-US" dirty="0" smtClean="0"/>
           </a:p>
           <a:p>
             <a:endParaRPr lang="en-US" dirty="0"/>
@@ -3503,143 +3445,135 @@
           <a:lstStyle/>
           <a:p>
             <a:r>
-              <a:rPr lang="en-US" dirty="0" smtClean="0">
-                <a:hlinkClick r:id="rId1" action="ppaction://hlinkfile"/>
+              <a:rPr lang="en-US" dirty="0">
+                <a:hlinkClick r:id="rId2" action="ppaction://hlinkfile"/>
               </a:rPr>
               <a:t>Cssex2.html</a:t>
             </a:r>
-            <a:endParaRPr lang="en-US" dirty="0" smtClean="0"/>
-          </a:p>
-          <a:p>
-            <a:pPr>
-              <a:buNone/>
-            </a:pPr>
-            <a:r>
-              <a:rPr lang="en-US" sz="1900" dirty="0" smtClean="0"/>
+            <a:endParaRPr lang="en-US" dirty="0"/>
+          </a:p>
+          <a:p>
+            <a:pPr>
+              <a:buNone/>
+            </a:pPr>
+            <a:r>
+              <a:rPr lang="en-US" sz="1900" dirty="0"/>
               <a:t>&lt;html&gt;</a:t>
             </a:r>
-            <a:endParaRPr lang="en-US" sz="1900" dirty="0" smtClean="0"/>
-          </a:p>
-          <a:p>
-            <a:pPr>
-              <a:buNone/>
-            </a:pPr>
-            <a:r>
-              <a:rPr lang="en-US" sz="1900" dirty="0" smtClean="0"/>
+          </a:p>
+          <a:p>
+            <a:pPr>
+              <a:buNone/>
+            </a:pPr>
+            <a:r>
+              <a:rPr lang="en-US" sz="1900" dirty="0"/>
               <a:t>  &lt;head&gt;</a:t>
             </a:r>
             <a:br>
-              <a:rPr lang="en-US" sz="1900" dirty="0" smtClean="0"/>
-            </a:br>
-            <a:r>
-              <a:rPr lang="en-US" sz="1900" dirty="0" smtClean="0"/>
+              <a:rPr lang="en-US" sz="1900" dirty="0"/>
+            </a:br>
+            <a:r>
+              <a:rPr lang="en-US" sz="1900" dirty="0"/>
               <a:t>&lt;link </a:t>
             </a:r>
             <a:r>
-              <a:rPr lang="en-US" sz="1900" dirty="0" err="1" smtClean="0"/>
+              <a:rPr lang="en-US" sz="1900" dirty="0" err="1"/>
               <a:t>rel</a:t>
             </a:r>
             <a:r>
-              <a:rPr lang="en-US" sz="1900" dirty="0" smtClean="0"/>
+              <a:rPr lang="en-US" sz="1900" dirty="0"/>
               <a:t>="</a:t>
             </a:r>
             <a:r>
-              <a:rPr lang="en-US" sz="1900" dirty="0" err="1" smtClean="0"/>
+              <a:rPr lang="en-US" sz="1900" dirty="0" err="1"/>
               <a:t>stylesheet</a:t>
             </a:r>
             <a:r>
-              <a:rPr lang="en-US" sz="1900" dirty="0" smtClean="0"/>
+              <a:rPr lang="en-US" sz="1900" dirty="0"/>
               <a:t>" type="text/</a:t>
             </a:r>
             <a:r>
-              <a:rPr lang="en-US" sz="1900" dirty="0" err="1" smtClean="0"/>
+              <a:rPr lang="en-US" sz="1900" dirty="0" err="1"/>
               <a:t>css</a:t>
             </a:r>
             <a:r>
-              <a:rPr lang="en-US" sz="1900" dirty="0" smtClean="0"/>
+              <a:rPr lang="en-US" sz="1900" dirty="0"/>
               <a:t>" </a:t>
             </a:r>
             <a:r>
-              <a:rPr lang="en-US" sz="1900" dirty="0" err="1" smtClean="0"/>
+              <a:rPr lang="en-US" sz="1900" dirty="0" err="1"/>
               <a:t>href</a:t>
             </a:r>
             <a:r>
-              <a:rPr lang="en-US" sz="1900" dirty="0" smtClean="0"/>
+              <a:rPr lang="en-US" sz="1900" dirty="0"/>
               <a:t>=“first.css" /&gt;</a:t>
             </a:r>
-            <a:endParaRPr lang="en-US" sz="1900" dirty="0" smtClean="0"/>
-          </a:p>
-          <a:p>
-            <a:pPr>
-              <a:buNone/>
-            </a:pPr>
-            <a:r>
-              <a:rPr lang="en-US" sz="1900" dirty="0" smtClean="0"/>
+          </a:p>
+          <a:p>
+            <a:pPr>
+              <a:buNone/>
+            </a:pPr>
+            <a:r>
+              <a:rPr lang="en-US" sz="1900" dirty="0"/>
               <a:t>  &lt;/head&gt; </a:t>
             </a:r>
-            <a:endParaRPr lang="en-US" sz="1900" dirty="0" smtClean="0"/>
-          </a:p>
-          <a:p>
-            <a:pPr>
-              <a:buNone/>
-            </a:pPr>
-            <a:r>
-              <a:rPr lang="en-US" dirty="0" smtClean="0"/>
+          </a:p>
+          <a:p>
+            <a:pPr>
+              <a:buNone/>
+            </a:pPr>
+            <a:r>
+              <a:rPr lang="en-US" dirty="0"/>
               <a:t>&lt;body&gt;</a:t>
             </a:r>
-            <a:endParaRPr lang="en-US" dirty="0" smtClean="0"/>
-          </a:p>
-          <a:p>
-            <a:pPr>
-              <a:buNone/>
-            </a:pPr>
-            <a:r>
-              <a:rPr lang="en-US" dirty="0" smtClean="0"/>
+          </a:p>
+          <a:p>
+            <a:pPr>
+              <a:buNone/>
+            </a:pPr>
+            <a:r>
+              <a:rPr lang="en-US" dirty="0"/>
               <a:t>&lt;h1&gt;My CSS web page!&lt;/h1&gt;</a:t>
             </a:r>
-            <a:endParaRPr lang="en-US" dirty="0" smtClean="0"/>
-          </a:p>
-          <a:p>
-            <a:pPr>
-              <a:buNone/>
-            </a:pPr>
-            <a:r>
-              <a:rPr lang="en-US" dirty="0" smtClean="0"/>
+          </a:p>
+          <a:p>
+            <a:pPr>
+              <a:buNone/>
+            </a:pPr>
+            <a:r>
+              <a:rPr lang="en-US" dirty="0"/>
               <a:t>&lt;p&gt;Hello world! This is a W3Schools.com example.&lt;/p&gt;</a:t>
             </a:r>
-            <a:endParaRPr lang="en-US" dirty="0" smtClean="0"/>
-          </a:p>
-          <a:p>
-            <a:pPr>
-              <a:buNone/>
-            </a:pPr>
-            <a:endParaRPr lang="en-US" dirty="0" smtClean="0"/>
-          </a:p>
-          <a:p>
-            <a:pPr>
-              <a:buNone/>
-            </a:pPr>
-            <a:r>
-              <a:rPr lang="en-US" dirty="0" smtClean="0"/>
+          </a:p>
+          <a:p>
+            <a:pPr>
+              <a:buNone/>
+            </a:pPr>
+            <a:endParaRPr lang="en-US" dirty="0"/>
+          </a:p>
+          <a:p>
+            <a:pPr>
+              <a:buNone/>
+            </a:pPr>
+            <a:r>
+              <a:rPr lang="en-US" dirty="0"/>
               <a:t>&lt;/body&gt;</a:t>
             </a:r>
-            <a:endParaRPr lang="en-US" dirty="0" smtClean="0"/>
-          </a:p>
-          <a:p>
-            <a:pPr>
-              <a:buNone/>
-            </a:pPr>
-            <a:r>
-              <a:rPr lang="en-US" dirty="0" smtClean="0"/>
+          </a:p>
+          <a:p>
+            <a:pPr>
+              <a:buNone/>
+            </a:pPr>
+            <a:r>
+              <a:rPr lang="en-US" dirty="0"/>
               <a:t>&lt;/html&gt;</a:t>
             </a:r>
-            <a:endParaRPr lang="en-US" dirty="0" smtClean="0"/>
           </a:p>
           <a:p>
             <a:pPr lvl="3">
               <a:buNone/>
             </a:pPr>
-            <a:endParaRPr lang="en-US" sz="1900" dirty="0" smtClean="0"/>
+            <a:endParaRPr lang="en-US" sz="1900" dirty="0"/>
           </a:p>
           <a:p>
             <a:endParaRPr lang="en-US" dirty="0"/>
@@ -3651,13 +3585,6 @@
   <p:clrMapOvr>
     <a:masterClrMapping/>
   </p:clrMapOvr>
-  <p:timing>
-    <p:tnLst>
-      <p:par>
-        <p:cTn id="1" dur="indefinite" restart="never" nodeType="tmRoot"/>
-      </p:par>
-    </p:tnLst>
-  </p:timing>
 </p:sld>
 </file>
 
@@ -3701,14 +3628,14 @@
           <a:lstStyle/>
           <a:p>
             <a:br>
-              <a:rPr lang="en-US" b="1" dirty="0" smtClean="0"/>
-            </a:br>
-            <a:r>
-              <a:rPr lang="en-US" b="1" dirty="0" smtClean="0"/>
+              <a:rPr lang="en-US" b="1" dirty="0"/>
+            </a:br>
+            <a:r>
+              <a:rPr lang="en-US" b="1" dirty="0"/>
               <a:t>Inline Styles</a:t>
             </a:r>
             <a:br>
-              <a:rPr lang="en-US" b="1" dirty="0" smtClean="0"/>
+              <a:rPr lang="en-US" b="1" dirty="0"/>
             </a:br>
             <a:endParaRPr lang="en-US" dirty="0"/>
           </a:p>
@@ -3740,60 +3667,54 @@
               <a:buNone/>
             </a:pPr>
             <a:r>
-              <a:rPr lang="en-US" dirty="0" smtClean="0"/>
+              <a:rPr lang="en-US" dirty="0"/>
               <a:t>&lt;html&gt;</a:t>
             </a:r>
-            <a:endParaRPr lang="en-US" dirty="0" smtClean="0"/>
           </a:p>
           <a:p>
             <a:pPr lvl="1">
               <a:buNone/>
             </a:pPr>
             <a:r>
-              <a:rPr lang="en-US" dirty="0" smtClean="0"/>
+              <a:rPr lang="en-US" dirty="0"/>
               <a:t>&lt;body style=“background-color:#b0c4de” &gt;</a:t>
             </a:r>
-            <a:endParaRPr lang="en-US" dirty="0" smtClean="0"/>
           </a:p>
           <a:p>
             <a:pPr lvl="2">
               <a:buNone/>
             </a:pPr>
             <a:r>
-              <a:rPr lang="en-US" dirty="0" smtClean="0"/>
+              <a:rPr lang="en-US" dirty="0"/>
               <a:t>&lt;h1&gt;My CSS web page!&lt;/h1&gt;</a:t>
             </a:r>
-            <a:endParaRPr lang="en-US" dirty="0" smtClean="0"/>
           </a:p>
           <a:p>
             <a:pPr lvl="2">
               <a:buNone/>
             </a:pPr>
             <a:r>
-              <a:rPr lang="en-US" dirty="0" smtClean="0"/>
+              <a:rPr lang="en-US" dirty="0"/>
               <a:t>&lt;p&gt;Hello world! This is a W3Schools.com example.&lt;/p&gt;</a:t>
             </a:r>
-            <a:endParaRPr lang="en-US" dirty="0" smtClean="0"/>
           </a:p>
           <a:p>
             <a:pPr lvl="1">
               <a:buNone/>
             </a:pPr>
             <a:r>
-              <a:rPr lang="en-US" dirty="0" smtClean="0"/>
+              <a:rPr lang="en-US" dirty="0"/>
               <a:t>&lt;/body&gt;</a:t>
             </a:r>
-            <a:endParaRPr lang="en-US" dirty="0" smtClean="0"/>
-          </a:p>
-          <a:p>
-            <a:pPr>
-              <a:buNone/>
-            </a:pPr>
-            <a:r>
-              <a:rPr lang="en-US" dirty="0" smtClean="0"/>
+          </a:p>
+          <a:p>
+            <a:pPr>
+              <a:buNone/>
+            </a:pPr>
+            <a:r>
+              <a:rPr lang="en-US" dirty="0"/>
               <a:t>&lt;/html&gt;</a:t>
             </a:r>
-            <a:endParaRPr lang="en-US" dirty="0" smtClean="0"/>
           </a:p>
           <a:p>
             <a:pPr>
@@ -3806,12 +3727,12 @@
               <a:buNone/>
             </a:pPr>
             <a:r>
-              <a:rPr lang="en-US" dirty="0" smtClean="0">
-                <a:hlinkClick r:id="rId1" action="ppaction://hlinkfile"/>
+              <a:rPr lang="en-US" dirty="0">
+                <a:hlinkClick r:id="rId2" action="ppaction://hlinkfile"/>
               </a:rPr>
               <a:t>Cssex3.html</a:t>
             </a:r>
-            <a:endParaRPr lang="en-US" dirty="0" smtClean="0"/>
+            <a:endParaRPr lang="en-US" dirty="0"/>
           </a:p>
           <a:p>
             <a:endParaRPr lang="en-US" dirty="0"/>
@@ -3823,13 +3744,6 @@
   <p:clrMapOvr>
     <a:masterClrMapping/>
   </p:clrMapOvr>
-  <p:timing>
-    <p:tnLst>
-      <p:par>
-        <p:cTn id="1" dur="indefinite" restart="never" nodeType="tmRoot"/>
-      </p:par>
-    </p:tnLst>
-  </p:timing>
 </p:sld>
 </file>
 
@@ -3871,10 +3785,9 @@
           <a:lstStyle/>
           <a:p>
             <a:r>
-              <a:rPr lang="en-US" dirty="0" smtClean="0"/>
+              <a:rPr lang="en-US" dirty="0"/>
               <a:t>Id selector</a:t>
             </a:r>
-            <a:endParaRPr lang="en-US" dirty="0"/>
           </a:p>
         </p:txBody>
       </p:sp>
@@ -3901,78 +3814,73 @@
           <a:lstStyle/>
           <a:p>
             <a:r>
-              <a:rPr lang="en-US" dirty="0" smtClean="0"/>
+              <a:rPr lang="en-US" dirty="0"/>
               <a:t>The id selector is used to specify a style for a single, unique element.</a:t>
             </a:r>
-            <a:endParaRPr lang="en-US" dirty="0" smtClean="0"/>
-          </a:p>
-          <a:p>
-            <a:r>
-              <a:rPr lang="en-US" dirty="0" smtClean="0"/>
+          </a:p>
+          <a:p>
+            <a:r>
+              <a:rPr lang="en-US" dirty="0"/>
               <a:t>The id selector uses the id attribute of the HTML element, and is defined with a "#".</a:t>
             </a:r>
-            <a:endParaRPr lang="en-US" dirty="0" smtClean="0"/>
-          </a:p>
-          <a:p>
-            <a:r>
-              <a:rPr lang="en-US" dirty="0" smtClean="0"/>
+          </a:p>
+          <a:p>
+            <a:r>
+              <a:rPr lang="en-US" dirty="0"/>
               <a:t>The style rule below will be applied to the element with id="para1":</a:t>
             </a:r>
-            <a:endParaRPr lang="en-US" dirty="0" smtClean="0"/>
-          </a:p>
-          <a:p>
-            <a:r>
-              <a:rPr lang="en-US" b="1" dirty="0" smtClean="0"/>
+          </a:p>
+          <a:p>
+            <a:r>
+              <a:rPr lang="en-US" b="1" dirty="0"/>
               <a:t>Example</a:t>
             </a:r>
-            <a:endParaRPr lang="en-US" b="1" dirty="0" smtClean="0"/>
-          </a:p>
-          <a:p>
-            <a:r>
-              <a:rPr lang="en-US" dirty="0" smtClean="0"/>
+          </a:p>
+          <a:p>
+            <a:r>
+              <a:rPr lang="en-US" dirty="0"/>
               <a:t>#para1</a:t>
             </a:r>
             <a:br>
-              <a:rPr lang="en-US" dirty="0" smtClean="0"/>
-            </a:br>
-            <a:r>
-              <a:rPr lang="en-US" dirty="0" smtClean="0"/>
+              <a:rPr lang="en-US" dirty="0"/>
+            </a:br>
+            <a:r>
+              <a:rPr lang="en-US" dirty="0"/>
               <a:t>{</a:t>
             </a:r>
             <a:br>
-              <a:rPr lang="en-US" dirty="0" smtClean="0"/>
-            </a:br>
-            <a:r>
-              <a:rPr lang="en-US" dirty="0" smtClean="0"/>
+              <a:rPr lang="en-US" dirty="0"/>
+            </a:br>
+            <a:r>
+              <a:rPr lang="en-US" dirty="0"/>
               <a:t>text-</a:t>
             </a:r>
             <a:r>
-              <a:rPr lang="en-US" dirty="0" err="1" smtClean="0"/>
+              <a:rPr lang="en-US" dirty="0" err="1"/>
               <a:t>align:center</a:t>
             </a:r>
             <a:r>
-              <a:rPr lang="en-US" dirty="0" smtClean="0"/>
+              <a:rPr lang="en-US" dirty="0"/>
               <a:t>;</a:t>
             </a:r>
             <a:br>
-              <a:rPr lang="en-US" dirty="0" smtClean="0"/>
-            </a:br>
-            <a:r>
-              <a:rPr lang="en-US" dirty="0" err="1" smtClean="0"/>
+              <a:rPr lang="en-US" dirty="0"/>
+            </a:br>
+            <a:r>
+              <a:rPr lang="en-US" dirty="0" err="1"/>
               <a:t>color:red</a:t>
             </a:r>
             <a:r>
-              <a:rPr lang="en-US" dirty="0" smtClean="0"/>
+              <a:rPr lang="en-US" dirty="0"/>
               <a:t>;</a:t>
             </a:r>
             <a:br>
-              <a:rPr lang="en-US" dirty="0" smtClean="0"/>
-            </a:br>
-            <a:r>
-              <a:rPr lang="en-US" dirty="0" smtClean="0"/>
+              <a:rPr lang="en-US" dirty="0"/>
+            </a:br>
+            <a:r>
+              <a:rPr lang="en-US" dirty="0"/>
               <a:t>} </a:t>
             </a:r>
-            <a:endParaRPr lang="en-US" dirty="0"/>
           </a:p>
         </p:txBody>
       </p:sp>
@@ -3981,13 +3889,6 @@
   <p:clrMapOvr>
     <a:masterClrMapping/>
   </p:clrMapOvr>
-  <p:timing>
-    <p:tnLst>
-      <p:par>
-        <p:cTn id="1" dur="indefinite" restart="never" nodeType="tmRoot"/>
-      </p:par>
-    </p:tnLst>
-  </p:timing>
 </p:sld>
 </file>
 
@@ -4029,10 +3930,9 @@
           <a:lstStyle/>
           <a:p>
             <a:r>
-              <a:rPr lang="en-US" dirty="0" smtClean="0"/>
+              <a:rPr lang="en-US" dirty="0"/>
               <a:t>Class selector</a:t>
             </a:r>
-            <a:endParaRPr lang="en-US" dirty="0"/>
           </a:p>
         </p:txBody>
       </p:sp>
@@ -4059,60 +3959,53 @@
           <a:lstStyle/>
           <a:p>
             <a:r>
-              <a:rPr lang="en-US" dirty="0" smtClean="0"/>
+              <a:rPr lang="en-US" dirty="0"/>
               <a:t>The class selector is used to specify a style for a group of elements.</a:t>
             </a:r>
-            <a:endParaRPr lang="en-US" dirty="0" smtClean="0"/>
-          </a:p>
-          <a:p>
-            <a:r>
-              <a:rPr lang="en-US" dirty="0" smtClean="0"/>
+          </a:p>
+          <a:p>
+            <a:r>
+              <a:rPr lang="en-US" dirty="0"/>
               <a:t> Unlike the id selector, the class selector is most often used on several elements. </a:t>
             </a:r>
-            <a:endParaRPr lang="en-US" dirty="0" smtClean="0"/>
-          </a:p>
-          <a:p>
-            <a:r>
-              <a:rPr lang="en-US" dirty="0" smtClean="0"/>
+          </a:p>
+          <a:p>
+            <a:r>
+              <a:rPr lang="en-US" dirty="0"/>
               <a:t>This allows you to set a particular style for any HTML elements with the same class. </a:t>
             </a:r>
-            <a:endParaRPr lang="en-US" dirty="0" smtClean="0"/>
-          </a:p>
-          <a:p>
-            <a:r>
-              <a:rPr lang="en-US" dirty="0" smtClean="0"/>
+          </a:p>
+          <a:p>
+            <a:r>
+              <a:rPr lang="en-US" dirty="0"/>
               <a:t>The class selector uses the HTML class attribute, and is defined with a "."</a:t>
             </a:r>
-            <a:endParaRPr lang="en-US" dirty="0" smtClean="0"/>
-          </a:p>
-          <a:p>
-            <a:r>
-              <a:rPr lang="en-US" dirty="0" smtClean="0"/>
+          </a:p>
+          <a:p>
+            <a:r>
+              <a:rPr lang="en-US" dirty="0"/>
               <a:t>In the example below, all HTML elements with class="center" will be center-aligned:</a:t>
             </a:r>
-            <a:endParaRPr lang="en-US" dirty="0" smtClean="0"/>
-          </a:p>
-          <a:p>
-            <a:r>
-              <a:rPr lang="en-US" b="1" dirty="0" smtClean="0"/>
+          </a:p>
+          <a:p>
+            <a:r>
+              <a:rPr lang="en-US" b="1" dirty="0"/>
               <a:t>Example</a:t>
             </a:r>
-            <a:endParaRPr lang="en-US" b="1" dirty="0" smtClean="0"/>
-          </a:p>
-          <a:p>
-            <a:r>
-              <a:rPr lang="en-US" dirty="0" smtClean="0"/>
+          </a:p>
+          <a:p>
+            <a:r>
+              <a:rPr lang="en-US" dirty="0"/>
               <a:t>.center {text-</a:t>
             </a:r>
             <a:r>
-              <a:rPr lang="en-US" dirty="0" err="1" smtClean="0"/>
+              <a:rPr lang="en-US" dirty="0" err="1"/>
               <a:t>align:center</a:t>
             </a:r>
             <a:r>
-              <a:rPr lang="en-US" dirty="0" smtClean="0"/>
+              <a:rPr lang="en-US" dirty="0"/>
               <a:t>;} </a:t>
             </a:r>
-            <a:endParaRPr lang="en-US" dirty="0"/>
           </a:p>
         </p:txBody>
       </p:sp>
@@ -4121,13 +4014,6 @@
   <p:clrMapOvr>
     <a:masterClrMapping/>
   </p:clrMapOvr>
-  <p:timing>
-    <p:tnLst>
-      <p:par>
-        <p:cTn id="1" dur="indefinite" restart="never" nodeType="tmRoot"/>
-      </p:par>
-    </p:tnLst>
-  </p:timing>
 </p:sld>
 </file>
 
@@ -4171,53 +4057,47 @@
           <a:lstStyle/>
           <a:p>
             <a:r>
-              <a:rPr lang="en-US" dirty="0" err="1" smtClean="0"/>
+              <a:rPr lang="en-US" dirty="0" err="1"/>
               <a:t>P.right</a:t>
             </a:r>
             <a:r>
               <a:rPr lang="en-US" dirty="0"/>
-              <a:t> </a:t>
-            </a:r>
-            <a:r>
-              <a:rPr lang="en-US" dirty="0" smtClean="0"/>
+              <a:t> {text-</a:t>
+            </a:r>
+            <a:r>
+              <a:rPr lang="en-US" dirty="0" err="1"/>
+              <a:t>align:right</a:t>
+            </a:r>
+            <a:r>
+              <a:rPr lang="en-US" dirty="0"/>
+              <a:t>}</a:t>
+            </a:r>
+          </a:p>
+          <a:p>
+            <a:r>
+              <a:rPr lang="en-US" dirty="0" err="1"/>
+              <a:t>P.left</a:t>
+            </a:r>
+            <a:r>
+              <a:rPr lang="en-US" dirty="0"/>
               <a:t>{text-</a:t>
             </a:r>
             <a:r>
-              <a:rPr lang="en-US" dirty="0" err="1" smtClean="0"/>
-              <a:t>align:right</a:t>
-            </a:r>
-            <a:r>
-              <a:rPr lang="en-US" dirty="0" smtClean="0"/>
+              <a:rPr lang="en-US" dirty="0" err="1"/>
+              <a:t>align:left</a:t>
+            </a:r>
+            <a:r>
+              <a:rPr lang="en-US" dirty="0"/>
               <a:t>}</a:t>
             </a:r>
-            <a:endParaRPr lang="en-US" dirty="0" smtClean="0"/>
-          </a:p>
-          <a:p>
-            <a:r>
-              <a:rPr lang="en-US" dirty="0" err="1" smtClean="0"/>
-              <a:t>P.left</a:t>
-            </a:r>
-            <a:r>
-              <a:rPr lang="en-US" dirty="0" smtClean="0"/>
-              <a:t>{text-</a:t>
-            </a:r>
-            <a:r>
-              <a:rPr lang="en-US" dirty="0" err="1" smtClean="0"/>
-              <a:t>align:left</a:t>
-            </a:r>
-            <a:r>
-              <a:rPr lang="en-US" dirty="0" smtClean="0"/>
-              <a:t>}</a:t>
-            </a:r>
-            <a:endParaRPr lang="en-US" dirty="0" smtClean="0"/>
-          </a:p>
-          <a:p>
-            <a:r>
-              <a:rPr lang="en-US" dirty="0" smtClean="0"/>
+          </a:p>
+          <a:p>
+            <a:r>
+              <a:rPr lang="en-US" dirty="0"/>
               <a:t>To actually use this within HTML document use </a:t>
             </a:r>
             <a:r>
-              <a:rPr lang="en-US" dirty="0" smtClean="0">
+              <a:rPr lang="en-US" dirty="0">
                 <a:solidFill>
                   <a:srgbClr val="FF0000"/>
                 </a:solidFill>
@@ -4225,29 +4105,24 @@
               <a:t>class</a:t>
             </a:r>
             <a:r>
-              <a:rPr lang="en-US" dirty="0" smtClean="0"/>
+              <a:rPr lang="en-US" dirty="0"/>
               <a:t> attribute:</a:t>
             </a:r>
-            <a:endParaRPr lang="en-US" dirty="0" smtClean="0"/>
-          </a:p>
-          <a:p>
-            <a:pPr>
-              <a:buNone/>
-            </a:pPr>
-            <a:r>
-              <a:rPr lang="en-US" dirty="0"/>
-              <a:t>	</a:t>
-            </a:r>
-            <a:r>
-              <a:rPr lang="en-US" dirty="0" smtClean="0"/>
-              <a:t>	</a:t>
-            </a:r>
-            <a:r>
-              <a:rPr lang="en-US" sz="2400" dirty="0" smtClean="0"/>
+          </a:p>
+          <a:p>
+            <a:pPr>
+              <a:buNone/>
+            </a:pPr>
+            <a:r>
+              <a:rPr lang="en-US" dirty="0"/>
+              <a:t>		</a:t>
+            </a:r>
+            <a:r>
+              <a:rPr lang="en-US" sz="2400" dirty="0"/>
               <a:t>&lt;p class=“</a:t>
             </a:r>
             <a:r>
-              <a:rPr lang="en-US" sz="2400" dirty="0" smtClean="0">
+              <a:rPr lang="en-US" sz="2400" dirty="0">
                 <a:solidFill>
                   <a:srgbClr val="FF0000"/>
                 </a:solidFill>
@@ -4255,18 +4130,17 @@
               <a:t>right</a:t>
             </a:r>
             <a:r>
-              <a:rPr lang="en-US" sz="2400" dirty="0" smtClean="0"/>
+              <a:rPr lang="en-US" sz="2400" dirty="0"/>
               <a:t>”&gt; This </a:t>
             </a:r>
             <a:r>
-              <a:rPr lang="en-US" sz="2400" dirty="0" err="1" smtClean="0"/>
+              <a:rPr lang="en-US" sz="2400" dirty="0" err="1"/>
               <a:t>para</a:t>
             </a:r>
             <a:r>
-              <a:rPr lang="en-US" sz="2400" dirty="0" smtClean="0"/>
+              <a:rPr lang="en-US" sz="2400" dirty="0"/>
               <a:t> will be right aligned&lt;/p&gt;</a:t>
             </a:r>
-            <a:endParaRPr lang="en-US" sz="2400" dirty="0" smtClean="0"/>
           </a:p>
           <a:p>
             <a:pPr>
@@ -4274,14 +4148,10 @@
             </a:pPr>
             <a:r>
               <a:rPr lang="en-US" sz="2400" dirty="0"/>
-              <a:t>	</a:t>
-            </a:r>
-            <a:r>
-              <a:rPr lang="en-US" sz="2400" dirty="0" smtClean="0"/>
-              <a:t>	&lt;p class=“</a:t>
-            </a:r>
-            <a:r>
-              <a:rPr lang="en-US" sz="2400" dirty="0" smtClean="0">
+              <a:t>		&lt;p class=“</a:t>
+            </a:r>
+            <a:r>
+              <a:rPr lang="en-US" sz="2400" dirty="0">
                 <a:solidFill>
                   <a:srgbClr val="FF0000"/>
                 </a:solidFill>
@@ -4289,38 +4159,37 @@
               <a:t>left</a:t>
             </a:r>
             <a:r>
-              <a:rPr lang="en-US" sz="2400" dirty="0" smtClean="0"/>
+              <a:rPr lang="en-US" sz="2400" dirty="0"/>
               <a:t>”&gt; This </a:t>
             </a:r>
             <a:r>
-              <a:rPr lang="en-US" sz="2400" dirty="0" err="1" smtClean="0"/>
+              <a:rPr lang="en-US" sz="2400" dirty="0" err="1"/>
               <a:t>para</a:t>
             </a:r>
             <a:r>
-              <a:rPr lang="en-US" sz="2400" dirty="0" smtClean="0"/>
+              <a:rPr lang="en-US" sz="2400" dirty="0"/>
               <a:t> will be left aligned &lt;/p&gt;</a:t>
             </a:r>
-            <a:endParaRPr lang="en-US" sz="2400" dirty="0" smtClean="0"/>
-          </a:p>
-          <a:p>
-            <a:pPr>
-              <a:buNone/>
-            </a:pPr>
-            <a:r>
-              <a:rPr lang="en-US" sz="2400" dirty="0" smtClean="0">
+          </a:p>
+          <a:p>
+            <a:pPr>
+              <a:buNone/>
+            </a:pPr>
+            <a:r>
+              <a:rPr lang="en-US" sz="2400" dirty="0">
                 <a:solidFill>
                   <a:srgbClr val="FF0000"/>
                 </a:solidFill>
               </a:rPr>
               <a:t>To define a global style class omit the element name</a:t>
             </a:r>
-            <a:endParaRPr lang="en-US" sz="2400" dirty="0" smtClean="0"/>
-          </a:p>
-          <a:p>
-            <a:pPr>
-              <a:buNone/>
-            </a:pPr>
-            <a:endParaRPr lang="en-US" sz="2400" dirty="0" smtClean="0"/>
+            <a:endParaRPr lang="en-US" sz="2400" dirty="0"/>
+          </a:p>
+          <a:p>
+            <a:pPr>
+              <a:buNone/>
+            </a:pPr>
+            <a:endParaRPr lang="en-US" sz="2400" dirty="0"/>
           </a:p>
           <a:p>
             <a:pPr>
@@ -4328,55 +4197,48 @@
             </a:pPr>
             <a:r>
               <a:rPr lang="en-US" sz="2400" dirty="0"/>
-              <a:t> </a:t>
-            </a:r>
-            <a:r>
-              <a:rPr lang="en-US" sz="2400" dirty="0" smtClean="0"/>
-              <a:t>            .left{ text-</a:t>
-            </a:r>
-            <a:r>
-              <a:rPr lang="en-US" sz="2400" dirty="0" err="1" smtClean="0"/>
+              <a:t>             .left{ text-</a:t>
+            </a:r>
+            <a:r>
+              <a:rPr lang="en-US" sz="2400" dirty="0" err="1"/>
               <a:t>align:left</a:t>
             </a:r>
             <a:r>
-              <a:rPr lang="en-US" sz="2400" dirty="0" smtClean="0"/>
+              <a:rPr lang="en-US" sz="2400" dirty="0"/>
               <a:t>}</a:t>
             </a:r>
-            <a:endParaRPr lang="en-US" sz="2400" dirty="0" smtClean="0"/>
-          </a:p>
-          <a:p>
-            <a:pPr>
-              <a:buNone/>
-            </a:pPr>
-            <a:endParaRPr lang="en-US" sz="2400" dirty="0" smtClean="0"/>
-          </a:p>
-          <a:p>
-            <a:pPr>
-              <a:buNone/>
-            </a:pPr>
-            <a:r>
-              <a:rPr lang="en-US" sz="2400" dirty="0" smtClean="0"/>
+          </a:p>
+          <a:p>
+            <a:pPr>
+              <a:buNone/>
+            </a:pPr>
+            <a:endParaRPr lang="en-US" sz="2400" dirty="0"/>
+          </a:p>
+          <a:p>
+            <a:pPr>
+              <a:buNone/>
+            </a:pPr>
+            <a:r>
+              <a:rPr lang="en-US" sz="2400" dirty="0"/>
               <a:t>&lt;h1 class=“left”&gt;this heading will be left aligned&lt;/h1&gt;</a:t>
             </a:r>
-            <a:endParaRPr lang="en-US" sz="2400" dirty="0" smtClean="0"/>
-          </a:p>
-          <a:p>
-            <a:pPr>
-              <a:buNone/>
-            </a:pPr>
-            <a:r>
-              <a:rPr lang="en-US" sz="2400" dirty="0" smtClean="0"/>
+          </a:p>
+          <a:p>
+            <a:pPr>
+              <a:buNone/>
+            </a:pPr>
+            <a:r>
+              <a:rPr lang="en-US" sz="2400" dirty="0"/>
               <a:t>&lt;p class=“left”&gt; This </a:t>
             </a:r>
             <a:r>
-              <a:rPr lang="en-US" sz="2400" dirty="0" err="1" smtClean="0"/>
+              <a:rPr lang="en-US" sz="2400" dirty="0" err="1"/>
               <a:t>para</a:t>
             </a:r>
             <a:r>
-              <a:rPr lang="en-US" sz="2400" dirty="0" smtClean="0"/>
+              <a:rPr lang="en-US" sz="2400" dirty="0"/>
               <a:t> will be left aligned &lt;/p&gt;</a:t>
             </a:r>
-            <a:endParaRPr lang="en-US" sz="2400" dirty="0"/>
           </a:p>
         </p:txBody>
       </p:sp>
@@ -4385,13 +4247,6 @@
   <p:clrMapOvr>
     <a:masterClrMapping/>
   </p:clrMapOvr>
-  <p:timing>
-    <p:tnLst>
-      <p:par>
-        <p:cTn id="1" dur="indefinite" restart="never" nodeType="tmRoot"/>
-      </p:par>
-    </p:tnLst>
-  </p:timing>
 </p:sld>
 </file>
 
@@ -4435,14 +4290,14 @@
           <a:lstStyle/>
           <a:p>
             <a:br>
-              <a:rPr lang="en-US" b="1" dirty="0" smtClean="0"/>
-            </a:br>
-            <a:r>
-              <a:rPr lang="en-US" b="1" dirty="0" smtClean="0"/>
+              <a:rPr lang="en-US" b="1" dirty="0"/>
+            </a:br>
+            <a:r>
+              <a:rPr lang="en-US" b="1" dirty="0"/>
               <a:t>CSS Background</a:t>
             </a:r>
             <a:br>
-              <a:rPr lang="en-US" b="1" dirty="0" smtClean="0"/>
+              <a:rPr lang="en-US" b="1" dirty="0"/>
             </a:br>
             <a:endParaRPr lang="en-US" dirty="0"/>
           </a:p>
@@ -4471,57 +4326,50 @@
           <a:lstStyle/>
           <a:p>
             <a:r>
-              <a:rPr lang="en-US" dirty="0" smtClean="0"/>
+              <a:rPr lang="en-US" dirty="0"/>
               <a:t>CSS background properties are used to define the background effects of an element.</a:t>
             </a:r>
-            <a:endParaRPr lang="en-US" dirty="0" smtClean="0"/>
-          </a:p>
-          <a:p>
-            <a:r>
-              <a:rPr lang="en-US" dirty="0" smtClean="0"/>
+          </a:p>
+          <a:p>
+            <a:r>
+              <a:rPr lang="en-US" dirty="0"/>
               <a:t>CSS properties used for background effects:</a:t>
             </a:r>
-            <a:endParaRPr lang="en-US" dirty="0" smtClean="0"/>
           </a:p>
           <a:p>
             <a:pPr lvl="3"/>
             <a:r>
-              <a:rPr lang="en-US" dirty="0" smtClean="0"/>
+              <a:rPr lang="en-US" dirty="0"/>
               <a:t>background-color</a:t>
             </a:r>
-            <a:endParaRPr lang="en-US" dirty="0" smtClean="0"/>
           </a:p>
           <a:p>
             <a:pPr lvl="3"/>
             <a:r>
-              <a:rPr lang="en-US" dirty="0" smtClean="0"/>
+              <a:rPr lang="en-US" dirty="0"/>
               <a:t>background-image</a:t>
             </a:r>
-            <a:endParaRPr lang="en-US" dirty="0" smtClean="0"/>
           </a:p>
           <a:p>
             <a:pPr lvl="3"/>
             <a:r>
-              <a:rPr lang="en-US" dirty="0" smtClean="0"/>
+              <a:rPr lang="en-US" dirty="0"/>
               <a:t>background-repeat</a:t>
             </a:r>
-            <a:endParaRPr lang="en-US" dirty="0" smtClean="0"/>
           </a:p>
           <a:p>
             <a:pPr lvl="3"/>
             <a:r>
-              <a:rPr lang="en-US" dirty="0" smtClean="0"/>
+              <a:rPr lang="en-US" dirty="0"/>
               <a:t>background-attachment</a:t>
             </a:r>
-            <a:endParaRPr lang="en-US" dirty="0" smtClean="0"/>
           </a:p>
           <a:p>
             <a:pPr lvl="3"/>
             <a:r>
-              <a:rPr lang="en-US" dirty="0" smtClean="0"/>
+              <a:rPr lang="en-US" dirty="0"/>
               <a:t>background-position</a:t>
             </a:r>
-            <a:endParaRPr lang="en-US" dirty="0" smtClean="0"/>
           </a:p>
           <a:p>
             <a:endParaRPr lang="en-US" dirty="0"/>
@@ -4533,13 +4381,6 @@
   <p:clrMapOvr>
     <a:masterClrMapping/>
   </p:clrMapOvr>
-  <p:timing>
-    <p:tnLst>
-      <p:par>
-        <p:cTn id="1" dur="indefinite" restart="never" nodeType="tmRoot"/>
-      </p:par>
-    </p:tnLst>
-  </p:timing>
 </p:sld>
 </file>
 
@@ -4583,108 +4424,97 @@
           <a:lstStyle/>
           <a:p>
             <a:r>
-              <a:rPr lang="en-US" b="1" dirty="0" smtClean="0"/>
+              <a:rPr lang="en-US" b="1" dirty="0"/>
               <a:t>Background Color</a:t>
             </a:r>
-            <a:endParaRPr lang="en-US" b="1" dirty="0" smtClean="0"/>
           </a:p>
           <a:p>
             <a:pPr lvl="1"/>
             <a:r>
-              <a:rPr lang="en-US" dirty="0" smtClean="0"/>
+              <a:rPr lang="en-US" dirty="0"/>
               <a:t>The background-color property specifies the background color of an element.</a:t>
             </a:r>
-            <a:endParaRPr lang="en-US" dirty="0" smtClean="0"/>
           </a:p>
           <a:p>
             <a:pPr lvl="1"/>
             <a:r>
-              <a:rPr lang="en-US" dirty="0" smtClean="0"/>
+              <a:rPr lang="en-US" dirty="0"/>
               <a:t>The background color of a page is defined in the body selector:</a:t>
             </a:r>
-            <a:endParaRPr lang="en-US" dirty="0" smtClean="0"/>
-          </a:p>
-          <a:p>
-            <a:r>
-              <a:rPr lang="en-US" b="1" dirty="0" smtClean="0"/>
+          </a:p>
+          <a:p>
+            <a:r>
+              <a:rPr lang="en-US" b="1" dirty="0"/>
               <a:t>Example</a:t>
             </a:r>
-            <a:endParaRPr lang="en-US" b="1" dirty="0" smtClean="0"/>
           </a:p>
           <a:p>
             <a:pPr lvl="1"/>
             <a:r>
-              <a:rPr lang="en-US" dirty="0" smtClean="0"/>
+              <a:rPr lang="en-US" dirty="0"/>
               <a:t>body {background-color:#b0c4de;} </a:t>
             </a:r>
-            <a:endParaRPr lang="en-US" dirty="0" smtClean="0"/>
-          </a:p>
-          <a:p>
-            <a:r>
-              <a:rPr lang="en-US" dirty="0" smtClean="0"/>
+          </a:p>
+          <a:p>
+            <a:r>
+              <a:rPr lang="en-US" dirty="0"/>
               <a:t>The background color can be specified by:</a:t>
             </a:r>
-            <a:endParaRPr lang="en-US" dirty="0" smtClean="0"/>
           </a:p>
           <a:p>
             <a:pPr lvl="1"/>
             <a:r>
-              <a:rPr lang="en-US" dirty="0" smtClean="0"/>
+              <a:rPr lang="en-US" dirty="0"/>
               <a:t>name - a color name, like "red"</a:t>
             </a:r>
-            <a:endParaRPr lang="en-US" dirty="0" smtClean="0"/>
           </a:p>
           <a:p>
             <a:pPr lvl="1"/>
             <a:r>
-              <a:rPr lang="en-US" dirty="0" smtClean="0"/>
+              <a:rPr lang="en-US" dirty="0"/>
               <a:t>RGB - an RGB value, like "</a:t>
             </a:r>
             <a:r>
-              <a:rPr lang="en-US" dirty="0" err="1" smtClean="0"/>
+              <a:rPr lang="en-US" dirty="0" err="1"/>
               <a:t>rgb</a:t>
             </a:r>
             <a:r>
-              <a:rPr lang="en-US" dirty="0" smtClean="0"/>
+              <a:rPr lang="en-US" dirty="0"/>
               <a:t>(255,0,0)"</a:t>
             </a:r>
-            <a:endParaRPr lang="en-US" dirty="0" smtClean="0"/>
           </a:p>
           <a:p>
             <a:pPr lvl="1"/>
             <a:r>
-              <a:rPr lang="en-US" dirty="0" smtClean="0"/>
+              <a:rPr lang="en-US" dirty="0"/>
               <a:t>Hex - a hex value, like "#ff0000“</a:t>
             </a:r>
-            <a:endParaRPr lang="en-US" dirty="0" smtClean="0"/>
-          </a:p>
-          <a:p>
-            <a:r>
-              <a:rPr lang="en-US" b="1" dirty="0" smtClean="0"/>
+          </a:p>
+          <a:p>
+            <a:r>
+              <a:rPr lang="en-US" b="1" dirty="0"/>
               <a:t>Example</a:t>
             </a:r>
-            <a:endParaRPr lang="en-US" b="1" dirty="0" smtClean="0"/>
-          </a:p>
-          <a:p>
-            <a:r>
-              <a:rPr lang="en-US" dirty="0" smtClean="0"/>
+          </a:p>
+          <a:p>
+            <a:r>
+              <a:rPr lang="en-US" dirty="0"/>
               <a:t>h1 {background-color:#6495ed;}</a:t>
             </a:r>
             <a:br>
-              <a:rPr lang="en-US" dirty="0" smtClean="0"/>
-            </a:br>
-            <a:r>
-              <a:rPr lang="en-US" dirty="0" smtClean="0"/>
+              <a:rPr lang="en-US" dirty="0"/>
+            </a:br>
+            <a:r>
+              <a:rPr lang="en-US" dirty="0"/>
               <a:t>p {background-color:#e0ffff;}</a:t>
             </a:r>
             <a:br>
-              <a:rPr lang="en-US" dirty="0" smtClean="0"/>
-            </a:br>
-            <a:r>
-              <a:rPr lang="en-US" dirty="0" smtClean="0"/>
+              <a:rPr lang="en-US" dirty="0"/>
+            </a:br>
+            <a:r>
+              <a:rPr lang="en-US" dirty="0"/>
               <a:t>div {background-color:#b0c4de;}</a:t>
             </a:r>
-            <a:endParaRPr lang="en-US" dirty="0" smtClean="0"/>
           </a:p>
         </p:txBody>
       </p:sp>
@@ -4693,13 +4523,6 @@
   <p:clrMapOvr>
     <a:masterClrMapping/>
   </p:clrMapOvr>
-  <p:timing>
-    <p:tnLst>
-      <p:par>
-        <p:cTn id="1" dur="indefinite" restart="never" nodeType="tmRoot"/>
-      </p:par>
-    </p:tnLst>
-  </p:timing>
 </p:sld>
 </file>
 
@@ -4743,11 +4566,11 @@
           <a:lstStyle/>
           <a:p>
             <a:r>
-              <a:rPr lang="en-US" b="1" dirty="0" smtClean="0"/>
+              <a:rPr lang="en-US" b="1" dirty="0"/>
               <a:t>Background Image</a:t>
             </a:r>
             <a:br>
-              <a:rPr lang="en-US" b="1" dirty="0" smtClean="0"/>
+              <a:rPr lang="en-US" b="1" dirty="0"/>
             </a:br>
             <a:endParaRPr lang="en-US" dirty="0"/>
           </a:p>
@@ -4776,49 +4599,44 @@
           <a:lstStyle/>
           <a:p>
             <a:r>
-              <a:rPr lang="en-US" dirty="0" smtClean="0"/>
+              <a:rPr lang="en-US" dirty="0"/>
               <a:t>The background-image property specifies an image to use as the background of an element.</a:t>
             </a:r>
-            <a:endParaRPr lang="en-US" dirty="0" smtClean="0"/>
-          </a:p>
-          <a:p>
-            <a:r>
-              <a:rPr lang="en-US" dirty="0" smtClean="0"/>
+          </a:p>
+          <a:p>
+            <a:r>
+              <a:rPr lang="en-US" dirty="0"/>
               <a:t>By default, the image is repeated so it covers the entire element.</a:t>
             </a:r>
-            <a:endParaRPr lang="en-US" dirty="0" smtClean="0"/>
-          </a:p>
-          <a:p>
-            <a:r>
-              <a:rPr lang="en-US" dirty="0" smtClean="0"/>
+          </a:p>
+          <a:p>
+            <a:r>
+              <a:rPr lang="en-US" dirty="0"/>
               <a:t>The background image for a page can be set like this:</a:t>
             </a:r>
-            <a:endParaRPr lang="en-US" dirty="0" smtClean="0"/>
-          </a:p>
-          <a:p>
-            <a:r>
-              <a:rPr lang="en-US" b="1" dirty="0" smtClean="0"/>
+          </a:p>
+          <a:p>
+            <a:r>
+              <a:rPr lang="en-US" b="1" dirty="0"/>
               <a:t>Example</a:t>
             </a:r>
-            <a:endParaRPr lang="en-US" b="1" dirty="0" smtClean="0"/>
           </a:p>
           <a:p>
             <a:pPr lvl="2">
               <a:buNone/>
             </a:pPr>
             <a:r>
-              <a:rPr lang="en-US" dirty="0" smtClean="0"/>
+              <a:rPr lang="en-US" dirty="0"/>
               <a:t>body {background-</a:t>
             </a:r>
             <a:r>
-              <a:rPr lang="en-US" dirty="0" err="1" smtClean="0"/>
+              <a:rPr lang="en-US" dirty="0" err="1"/>
               <a:t>image:url</a:t>
             </a:r>
             <a:r>
-              <a:rPr lang="en-US" dirty="0" smtClean="0"/>
+              <a:rPr lang="en-US" dirty="0"/>
               <a:t>('paper.gif');} </a:t>
             </a:r>
-            <a:endParaRPr lang="en-US" dirty="0"/>
           </a:p>
         </p:txBody>
       </p:sp>
@@ -4827,13 +4645,6 @@
   <p:clrMapOvr>
     <a:masterClrMapping/>
   </p:clrMapOvr>
-  <p:timing>
-    <p:tnLst>
-      <p:par>
-        <p:cTn id="1" dur="indefinite" restart="never" nodeType="tmRoot"/>
-      </p:par>
-    </p:tnLst>
-  </p:timing>
 </p:sld>
 </file>
 
@@ -4877,11 +4688,11 @@
           <a:lstStyle/>
           <a:p>
             <a:r>
-              <a:rPr lang="en-US" b="1" dirty="0" smtClean="0"/>
+              <a:rPr lang="en-US" b="1" dirty="0"/>
               <a:t>Background Image - Repeat Horizontally or Vertically</a:t>
             </a:r>
             <a:br>
-              <a:rPr lang="en-US" b="1" dirty="0" smtClean="0"/>
+              <a:rPr lang="en-US" b="1" dirty="0"/>
             </a:br>
             <a:endParaRPr lang="en-US" dirty="0"/>
           </a:p>
@@ -4910,144 +4721,139 @@
           <a:lstStyle/>
           <a:p>
             <a:r>
-              <a:rPr lang="en-US" dirty="0" smtClean="0">
-                <a:hlinkClick r:id="rId1"/>
+              <a:rPr lang="en-US" dirty="0">
+                <a:hlinkClick r:id="rId2"/>
               </a:rPr>
               <a:t>background-repeat</a:t>
             </a:r>
-            <a:endParaRPr lang="en-US" dirty="0" smtClean="0"/>
-          </a:p>
-          <a:p>
-            <a:r>
-              <a:rPr lang="en-US" dirty="0" smtClean="0"/>
+            <a:endParaRPr lang="en-US" dirty="0"/>
+          </a:p>
+          <a:p>
+            <a:r>
+              <a:rPr lang="en-US" dirty="0"/>
               <a:t>By default, the background-image property repeats an image both horizontally and vertically.</a:t>
             </a:r>
-            <a:endParaRPr lang="en-US" dirty="0" smtClean="0"/>
-          </a:p>
-          <a:p>
-            <a:r>
-              <a:rPr lang="en-US" dirty="0" smtClean="0"/>
+          </a:p>
+          <a:p>
+            <a:r>
+              <a:rPr lang="en-US" dirty="0"/>
               <a:t>Some images should be repeated only horizontally or vertically, or they will look strange, like this:  </a:t>
             </a:r>
-            <a:endParaRPr lang="en-US" dirty="0" smtClean="0"/>
           </a:p>
           <a:p>
             <a:pPr lvl="1"/>
             <a:r>
-              <a:rPr lang="en-US" b="1" dirty="0" smtClean="0"/>
+              <a:rPr lang="en-US" b="1" dirty="0"/>
               <a:t>Example</a:t>
             </a:r>
-            <a:endParaRPr lang="en-US" b="1" dirty="0" smtClean="0"/>
           </a:p>
           <a:p>
             <a:pPr lvl="1"/>
             <a:r>
-              <a:rPr lang="en-US" dirty="0" smtClean="0"/>
+              <a:rPr lang="en-US" dirty="0"/>
               <a:t>body</a:t>
             </a:r>
             <a:br>
-              <a:rPr lang="en-US" dirty="0" smtClean="0"/>
-            </a:br>
-            <a:r>
-              <a:rPr lang="en-US" dirty="0" smtClean="0"/>
+              <a:rPr lang="en-US" dirty="0"/>
+            </a:br>
+            <a:r>
+              <a:rPr lang="en-US" dirty="0"/>
               <a:t>{</a:t>
             </a:r>
             <a:br>
-              <a:rPr lang="en-US" dirty="0" smtClean="0"/>
-            </a:br>
-            <a:r>
-              <a:rPr lang="en-US" dirty="0" smtClean="0"/>
+              <a:rPr lang="en-US" dirty="0"/>
+            </a:br>
+            <a:r>
+              <a:rPr lang="en-US" dirty="0"/>
               <a:t>background-</a:t>
             </a:r>
             <a:r>
-              <a:rPr lang="en-US" dirty="0" err="1" smtClean="0"/>
+              <a:rPr lang="en-US" dirty="0" err="1"/>
               <a:t>image:url</a:t>
             </a:r>
             <a:r>
-              <a:rPr lang="en-US" dirty="0" smtClean="0"/>
+              <a:rPr lang="en-US" dirty="0"/>
               <a:t>('gradient2.png');</a:t>
             </a:r>
             <a:br>
-              <a:rPr lang="en-US" dirty="0" smtClean="0"/>
-            </a:br>
-            <a:r>
-              <a:rPr lang="en-US" dirty="0" smtClean="0"/>
+              <a:rPr lang="en-US" dirty="0"/>
+            </a:br>
+            <a:r>
+              <a:rPr lang="en-US" dirty="0"/>
               <a:t>} </a:t>
             </a:r>
             <a:br>
-              <a:rPr lang="en-US" dirty="0" smtClean="0"/>
-            </a:br>
-            <a:endParaRPr lang="en-US" dirty="0" smtClean="0"/>
+              <a:rPr lang="en-US" dirty="0"/>
+            </a:br>
+            <a:endParaRPr lang="en-US" dirty="0"/>
           </a:p>
           <a:p>
             <a:pPr lvl="1"/>
             <a:r>
-              <a:rPr lang="en-US" dirty="0" smtClean="0"/>
+              <a:rPr lang="en-US" dirty="0"/>
               <a:t>If the image is repeated only horizontally (repeat-x), the background will look better:</a:t>
             </a:r>
-            <a:endParaRPr lang="en-US" dirty="0" smtClean="0"/>
-          </a:p>
-          <a:p>
-            <a:r>
-              <a:rPr lang="en-US" b="1" dirty="0" smtClean="0"/>
+          </a:p>
+          <a:p>
+            <a:r>
+              <a:rPr lang="en-US" b="1" dirty="0"/>
               <a:t>Example</a:t>
             </a:r>
-            <a:endParaRPr lang="en-US" b="1" dirty="0" smtClean="0"/>
           </a:p>
           <a:p>
             <a:pPr lvl="1"/>
             <a:r>
-              <a:rPr lang="en-US" dirty="0" smtClean="0"/>
+              <a:rPr lang="en-US" dirty="0"/>
               <a:t>body</a:t>
             </a:r>
             <a:br>
-              <a:rPr lang="en-US" dirty="0" smtClean="0"/>
-            </a:br>
-            <a:r>
-              <a:rPr lang="en-US" dirty="0" smtClean="0"/>
+              <a:rPr lang="en-US" dirty="0"/>
+            </a:br>
+            <a:r>
+              <a:rPr lang="en-US" dirty="0"/>
               <a:t>{</a:t>
             </a:r>
             <a:br>
-              <a:rPr lang="en-US" dirty="0" smtClean="0"/>
-            </a:br>
-            <a:r>
-              <a:rPr lang="en-US" dirty="0" smtClean="0"/>
+              <a:rPr lang="en-US" dirty="0"/>
+            </a:br>
+            <a:r>
+              <a:rPr lang="en-US" dirty="0"/>
               <a:t>background-</a:t>
             </a:r>
             <a:r>
-              <a:rPr lang="en-US" dirty="0" err="1" smtClean="0"/>
+              <a:rPr lang="en-US" dirty="0" err="1"/>
               <a:t>image:url</a:t>
             </a:r>
             <a:r>
-              <a:rPr lang="en-US" dirty="0" smtClean="0"/>
+              <a:rPr lang="en-US" dirty="0"/>
               <a:t>('gradient2.png');</a:t>
             </a:r>
             <a:br>
-              <a:rPr lang="en-US" dirty="0" smtClean="0"/>
-            </a:br>
-            <a:r>
-              <a:rPr lang="en-US" dirty="0" smtClean="0"/>
+              <a:rPr lang="en-US" dirty="0"/>
+            </a:br>
+            <a:r>
+              <a:rPr lang="en-US" dirty="0"/>
               <a:t>background-</a:t>
             </a:r>
             <a:r>
-              <a:rPr lang="en-US" dirty="0" err="1" smtClean="0"/>
+              <a:rPr lang="en-US" dirty="0" err="1"/>
               <a:t>repeat:repeat</a:t>
             </a:r>
             <a:r>
-              <a:rPr lang="en-US" dirty="0" smtClean="0"/>
+              <a:rPr lang="en-US" dirty="0"/>
               <a:t>-x;</a:t>
             </a:r>
             <a:br>
-              <a:rPr lang="en-US" dirty="0" smtClean="0"/>
-            </a:br>
-            <a:r>
-              <a:rPr lang="en-US" dirty="0" smtClean="0"/>
+              <a:rPr lang="en-US" dirty="0"/>
+            </a:br>
+            <a:r>
+              <a:rPr lang="en-US" dirty="0"/>
               <a:t>} </a:t>
             </a:r>
             <a:br>
-              <a:rPr lang="en-US" dirty="0" smtClean="0"/>
-            </a:br>
-            <a:endParaRPr lang="en-US" dirty="0" smtClean="0"/>
+              <a:rPr lang="en-US" dirty="0"/>
+            </a:br>
+            <a:endParaRPr lang="en-US" dirty="0"/>
           </a:p>
           <a:p>
             <a:pPr lvl="1">
@@ -5062,13 +4868,6 @@
   <p:clrMapOvr>
     <a:masterClrMapping/>
   </p:clrMapOvr>
-  <p:timing>
-    <p:tnLst>
-      <p:par>
-        <p:cTn id="1" dur="indefinite" restart="never" nodeType="tmRoot"/>
-      </p:par>
-    </p:tnLst>
-  </p:timing>
 </p:sld>
 </file>
 
@@ -5110,17 +4909,15 @@
           <a:lstStyle/>
           <a:p>
             <a:r>
-              <a:rPr lang="en-US" dirty="0" smtClean="0"/>
+              <a:rPr lang="en-US" dirty="0"/>
               <a:t>CSS is the acronym for: ‘Cascading Style Sheets’.</a:t>
             </a:r>
-            <a:endParaRPr lang="en-US" dirty="0" smtClean="0"/>
-          </a:p>
-          <a:p>
-            <a:r>
-              <a:rPr lang="en-US" dirty="0" smtClean="0"/>
+          </a:p>
+          <a:p>
+            <a:r>
+              <a:rPr lang="en-US" dirty="0"/>
               <a:t> CSS is an extension to basic HTML that allows you to style your web pages.</a:t>
             </a:r>
-            <a:endParaRPr lang="en-US" dirty="0"/>
           </a:p>
         </p:txBody>
       </p:sp>
@@ -5129,13 +4926,6 @@
   <p:clrMapOvr>
     <a:masterClrMapping/>
   </p:clrMapOvr>
-  <p:timing>
-    <p:tnLst>
-      <p:par>
-        <p:cTn id="1" dur="indefinite" restart="never" nodeType="tmRoot"/>
-      </p:par>
-    </p:tnLst>
-  </p:timing>
 </p:sld>
 </file>
 
@@ -5179,78 +4969,73 @@
           <a:lstStyle/>
           <a:p>
             <a:r>
-              <a:rPr lang="en-US" dirty="0" smtClean="0"/>
+              <a:rPr lang="en-US" dirty="0"/>
               <a:t>repeat     </a:t>
             </a:r>
             <a:r>
-              <a:rPr lang="en-US" altLang="en-US" dirty="0" smtClean="0"/>
+              <a:rPr lang="en-US" altLang="en-US" dirty="0"/>
               <a:t>:-</a:t>
             </a:r>
             <a:r>
-              <a:rPr lang="en-US" dirty="0" smtClean="0"/>
+              <a:rPr lang="en-US" dirty="0"/>
               <a:t>The background image will be repeated both vertically and horizontally. This is default</a:t>
             </a:r>
-            <a:endParaRPr lang="en-US" dirty="0" smtClean="0"/>
-          </a:p>
-          <a:p>
-            <a:r>
-              <a:rPr lang="en-US" dirty="0" smtClean="0"/>
+          </a:p>
+          <a:p>
+            <a:r>
+              <a:rPr lang="en-US" dirty="0"/>
               <a:t> repeat-x</a:t>
             </a:r>
             <a:r>
-              <a:rPr lang="en-US" altLang="en-US" dirty="0" smtClean="0"/>
+              <a:rPr lang="en-US" altLang="en-US" dirty="0"/>
               <a:t>:-</a:t>
             </a:r>
             <a:r>
-              <a:rPr lang="en-US" dirty="0" smtClean="0"/>
+              <a:rPr lang="en-US" dirty="0"/>
               <a:t> The background image will be repeated only horizontally</a:t>
             </a:r>
-            <a:endParaRPr lang="en-US" dirty="0" smtClean="0"/>
-          </a:p>
-          <a:p>
-            <a:r>
-              <a:rPr lang="en-US" dirty="0" smtClean="0"/>
+          </a:p>
+          <a:p>
+            <a:r>
+              <a:rPr lang="en-US" dirty="0"/>
               <a:t> repeat-y</a:t>
             </a:r>
             <a:r>
-              <a:rPr lang="en-US" altLang="en-US" dirty="0" smtClean="0"/>
+              <a:rPr lang="en-US" altLang="en-US" dirty="0"/>
               <a:t>:-</a:t>
             </a:r>
             <a:r>
-              <a:rPr lang="en-US" dirty="0" smtClean="0"/>
+              <a:rPr lang="en-US" dirty="0"/>
               <a:t> The background image will be repeated only vertically</a:t>
             </a:r>
-            <a:endParaRPr lang="en-US" dirty="0" smtClean="0"/>
-          </a:p>
-          <a:p>
-            <a:r>
-              <a:rPr lang="en-US" dirty="0" smtClean="0"/>
+          </a:p>
+          <a:p>
+            <a:r>
+              <a:rPr lang="en-US" dirty="0"/>
               <a:t> no-repeat</a:t>
             </a:r>
             <a:r>
-              <a:rPr lang="en-US" altLang="en-US" dirty="0" smtClean="0"/>
+              <a:rPr lang="en-US" altLang="en-US" dirty="0"/>
               <a:t>:-</a:t>
             </a:r>
             <a:r>
-              <a:rPr lang="en-US" dirty="0" smtClean="0"/>
+              <a:rPr lang="en-US" dirty="0"/>
               <a:t> The background-image will not be repeated </a:t>
             </a:r>
-            <a:endParaRPr lang="en-US" dirty="0" smtClean="0"/>
-          </a:p>
-          <a:p>
-            <a:r>
-              <a:rPr lang="en-US" dirty="0" smtClean="0"/>
+          </a:p>
+          <a:p>
+            <a:r>
+              <a:rPr lang="en-US" dirty="0"/>
               <a:t>inherit </a:t>
             </a:r>
             <a:r>
-              <a:rPr lang="en-US" altLang="en-US" dirty="0" smtClean="0"/>
+              <a:rPr lang="en-US" altLang="en-US" dirty="0"/>
               <a:t>:-</a:t>
             </a:r>
             <a:r>
-              <a:rPr lang="en-US" dirty="0" smtClean="0"/>
+              <a:rPr lang="en-US" dirty="0"/>
               <a:t>Specifies that the setting of the background-repeat property should be inherited from the parent element</a:t>
             </a:r>
-            <a:endParaRPr lang="en-US" dirty="0"/>
           </a:p>
         </p:txBody>
       </p:sp>
@@ -5259,13 +5044,6 @@
   <p:clrMapOvr>
     <a:masterClrMapping/>
   </p:clrMapOvr>
-  <p:timing>
-    <p:tnLst>
-      <p:par>
-        <p:cTn id="1" dur="indefinite" restart="never" nodeType="tmRoot"/>
-      </p:par>
-    </p:tnLst>
-  </p:timing>
 </p:sld>
 </file>
 
@@ -5304,14 +5082,14 @@
           <a:lstStyle/>
           <a:p>
             <a:br>
-              <a:rPr lang="en-US" b="1" dirty="0" smtClean="0"/>
-            </a:br>
-            <a:r>
-              <a:rPr lang="en-US" b="1" dirty="0" smtClean="0"/>
+              <a:rPr lang="en-US" b="1" dirty="0"/>
+            </a:br>
+            <a:r>
+              <a:rPr lang="en-US" b="1" dirty="0"/>
               <a:t>background-attachment</a:t>
             </a:r>
             <a:br>
-              <a:rPr lang="en-US" b="1" dirty="0" smtClean="0"/>
+              <a:rPr lang="en-US" b="1" dirty="0"/>
             </a:br>
             <a:endParaRPr lang="en-US" dirty="0"/>
           </a:p>
@@ -5338,46 +5116,43 @@
           <a:lstStyle/>
           <a:p>
             <a:r>
-              <a:rPr lang="en-US" dirty="0" smtClean="0"/>
+              <a:rPr lang="en-US" dirty="0"/>
               <a:t>The background-attachment property sets whether a background image is fixed or scrolls with the rest of the page.</a:t>
             </a:r>
-            <a:endParaRPr lang="en-US" dirty="0" smtClean="0"/>
-          </a:p>
-          <a:p>
-            <a:r>
-              <a:rPr lang="en-US" dirty="0" smtClean="0"/>
+          </a:p>
+          <a:p>
+            <a:r>
+              <a:rPr lang="en-US" dirty="0"/>
               <a:t>scroll </a:t>
             </a:r>
             <a:r>
-              <a:rPr lang="en-US" altLang="en-US" dirty="0" smtClean="0"/>
+              <a:rPr lang="en-US" altLang="en-US" dirty="0"/>
               <a:t>:-</a:t>
             </a:r>
             <a:r>
-              <a:rPr lang="en-US" dirty="0" smtClean="0"/>
+              <a:rPr lang="en-US" dirty="0"/>
               <a:t>The background image scrolls with the rest of the page. This is default </a:t>
             </a:r>
-            <a:endParaRPr lang="en-US" dirty="0" smtClean="0"/>
-          </a:p>
-          <a:p>
-            <a:r>
-              <a:rPr lang="en-US" dirty="0" smtClean="0"/>
+          </a:p>
+          <a:p>
+            <a:r>
+              <a:rPr lang="en-US" dirty="0"/>
               <a:t>Fixed </a:t>
             </a:r>
             <a:r>
-              <a:rPr lang="en-US" altLang="en-US" dirty="0" smtClean="0"/>
+              <a:rPr lang="en-US" altLang="en-US" dirty="0"/>
               <a:t>:-</a:t>
             </a:r>
             <a:r>
-              <a:rPr lang="en-US" dirty="0" smtClean="0"/>
+              <a:rPr lang="en-US" dirty="0"/>
               <a:t> The background image is fixed</a:t>
             </a:r>
-            <a:endParaRPr lang="en-US" dirty="0" smtClean="0"/>
-          </a:p>
-          <a:p>
-            <a:pPr>
-              <a:buNone/>
-            </a:pPr>
-            <a:endParaRPr lang="en-US" dirty="0" smtClean="0"/>
+          </a:p>
+          <a:p>
+            <a:pPr>
+              <a:buNone/>
+            </a:pPr>
+            <a:endParaRPr lang="en-US" dirty="0"/>
           </a:p>
           <a:p>
             <a:endParaRPr lang="en-US" dirty="0"/>
@@ -5389,13 +5164,6 @@
   <p:clrMapOvr>
     <a:masterClrMapping/>
   </p:clrMapOvr>
-  <p:timing>
-    <p:tnLst>
-      <p:par>
-        <p:cTn id="1" dur="indefinite" restart="never" nodeType="tmRoot"/>
-      </p:par>
-    </p:tnLst>
-  </p:timing>
 </p:sld>
 </file>
 
@@ -5434,14 +5202,14 @@
           <a:lstStyle/>
           <a:p>
             <a:br>
-              <a:rPr lang="en-US" b="1" dirty="0" smtClean="0"/>
-            </a:br>
-            <a:r>
-              <a:rPr lang="en-US" b="1" dirty="0" smtClean="0"/>
+              <a:rPr lang="en-US" b="1" dirty="0"/>
+            </a:br>
+            <a:r>
+              <a:rPr lang="en-US" b="1" dirty="0"/>
               <a:t>background-position</a:t>
             </a:r>
             <a:br>
-              <a:rPr lang="en-US" b="1" dirty="0" smtClean="0"/>
+              <a:rPr lang="en-US" b="1" dirty="0"/>
             </a:br>
             <a:endParaRPr lang="en-US" dirty="0"/>
           </a:p>
@@ -5470,10 +5238,9 @@
           <a:lstStyle/>
           <a:p>
             <a:r>
-              <a:rPr lang="en-US" dirty="0" smtClean="0"/>
+              <a:rPr lang="en-US" dirty="0"/>
               <a:t>The background-position property sets the starting position of a background image.</a:t>
             </a:r>
-            <a:endParaRPr lang="en-US" dirty="0" smtClean="0"/>
           </a:p>
           <a:p>
             <a:pPr marL="1371600" lvl="2" indent="-457200">
@@ -5481,74 +5248,73 @@
               <a:buAutoNum type="arabicPeriod"/>
             </a:pPr>
             <a:r>
-              <a:rPr lang="en-US" dirty="0" smtClean="0"/>
+              <a:rPr lang="en-US" dirty="0"/>
               <a:t>left top</a:t>
             </a:r>
             <a:br>
-              <a:rPr lang="en-US" dirty="0" smtClean="0"/>
-            </a:br>
-            <a:r>
-              <a:rPr lang="en-US" dirty="0" smtClean="0"/>
+              <a:rPr lang="en-US" dirty="0"/>
+            </a:br>
+            <a:r>
+              <a:rPr lang="en-US" dirty="0"/>
               <a:t>left center</a:t>
             </a:r>
             <a:br>
-              <a:rPr lang="en-US" dirty="0" smtClean="0"/>
-            </a:br>
-            <a:r>
-              <a:rPr lang="en-US" dirty="0" smtClean="0"/>
+              <a:rPr lang="en-US" dirty="0"/>
+            </a:br>
+            <a:r>
+              <a:rPr lang="en-US" dirty="0"/>
               <a:t>left bottom</a:t>
             </a:r>
             <a:br>
-              <a:rPr lang="en-US" dirty="0" smtClean="0"/>
-            </a:br>
-            <a:r>
-              <a:rPr lang="en-US" dirty="0" smtClean="0"/>
+              <a:rPr lang="en-US" dirty="0"/>
+            </a:br>
+            <a:r>
+              <a:rPr lang="en-US" dirty="0"/>
               <a:t>right top</a:t>
             </a:r>
             <a:br>
-              <a:rPr lang="en-US" dirty="0" smtClean="0"/>
-            </a:br>
-            <a:r>
-              <a:rPr lang="en-US" dirty="0" smtClean="0"/>
+              <a:rPr lang="en-US" dirty="0"/>
+            </a:br>
+            <a:r>
+              <a:rPr lang="en-US" dirty="0"/>
               <a:t>right center</a:t>
             </a:r>
             <a:br>
-              <a:rPr lang="en-US" dirty="0" smtClean="0"/>
-            </a:br>
-            <a:r>
-              <a:rPr lang="en-US" dirty="0" smtClean="0"/>
+              <a:rPr lang="en-US" dirty="0"/>
+            </a:br>
+            <a:r>
+              <a:rPr lang="en-US" dirty="0"/>
               <a:t>right bottom</a:t>
             </a:r>
             <a:br>
-              <a:rPr lang="en-US" dirty="0" smtClean="0"/>
-            </a:br>
-            <a:r>
-              <a:rPr lang="en-US" dirty="0" smtClean="0"/>
+              <a:rPr lang="en-US" dirty="0"/>
+            </a:br>
+            <a:r>
+              <a:rPr lang="en-US" dirty="0"/>
               <a:t>center top</a:t>
             </a:r>
             <a:br>
-              <a:rPr lang="en-US" dirty="0" smtClean="0"/>
-            </a:br>
-            <a:r>
-              <a:rPr lang="en-US" dirty="0" smtClean="0"/>
+              <a:rPr lang="en-US" dirty="0"/>
+            </a:br>
+            <a:r>
+              <a:rPr lang="en-US" dirty="0"/>
               <a:t>center </a:t>
             </a:r>
             <a:r>
-              <a:rPr lang="en-US" dirty="0" err="1" smtClean="0"/>
+              <a:rPr lang="en-US" dirty="0" err="1"/>
               <a:t>center</a:t>
             </a:r>
             <a:br>
-              <a:rPr lang="en-US" dirty="0" smtClean="0"/>
-            </a:br>
-            <a:r>
-              <a:rPr lang="en-US" dirty="0" err="1" smtClean="0"/>
+              <a:rPr lang="en-US" dirty="0"/>
+            </a:br>
+            <a:r>
+              <a:rPr lang="en-US" dirty="0" err="1"/>
               <a:t>center</a:t>
             </a:r>
             <a:r>
-              <a:rPr lang="en-US" dirty="0" smtClean="0"/>
+              <a:rPr lang="en-US" dirty="0"/>
               <a:t> bottom</a:t>
             </a:r>
-            <a:endParaRPr lang="en-US" dirty="0" smtClean="0"/>
           </a:p>
           <a:p>
             <a:pPr marL="1371600" lvl="2" indent="-457200">
@@ -5556,10 +5322,9 @@
               <a:buAutoNum type="arabicPeriod"/>
             </a:pPr>
             <a:r>
-              <a:rPr lang="en-US" dirty="0" smtClean="0"/>
+              <a:rPr lang="en-US" dirty="0"/>
               <a:t>If you only specify one keyword, the second value will be "center"</a:t>
             </a:r>
-            <a:endParaRPr lang="en-US" dirty="0"/>
           </a:p>
         </p:txBody>
       </p:sp>
@@ -5568,13 +5333,6 @@
   <p:clrMapOvr>
     <a:masterClrMapping/>
   </p:clrMapOvr>
-  <p:timing>
-    <p:tnLst>
-      <p:par>
-        <p:cTn id="1" dur="indefinite" restart="never" nodeType="tmRoot"/>
-      </p:par>
-    </p:tnLst>
-  </p:timing>
 </p:sld>
 </file>
 
@@ -5618,48 +5376,46 @@
           <a:lstStyle/>
           <a:p>
             <a:r>
-              <a:rPr lang="en-US" i="1" dirty="0" smtClean="0"/>
+              <a:rPr lang="en-US" i="1" dirty="0"/>
               <a:t>x% y%</a:t>
             </a:r>
             <a:r>
-              <a:rPr lang="en-US" dirty="0" smtClean="0"/>
+              <a:rPr lang="en-US" dirty="0"/>
               <a:t> </a:t>
             </a:r>
-            <a:endParaRPr lang="en-US" dirty="0" smtClean="0"/>
-          </a:p>
-          <a:p>
-            <a:pPr>
-              <a:buNone/>
-            </a:pPr>
-            <a:r>
-              <a:rPr lang="en-US" dirty="0" smtClean="0"/>
+          </a:p>
+          <a:p>
+            <a:pPr>
+              <a:buNone/>
+            </a:pPr>
+            <a:r>
+              <a:rPr lang="en-US" dirty="0"/>
               <a:t>    The first value is the horizontal position and the second value is the vertical. The top left corner is 0% 0%. The right bottom corner is 100% 100%. If you only specify one value, the other value will be 50%. . Default value is: 0% 0% </a:t>
             </a:r>
-            <a:endParaRPr lang="en-US" dirty="0" smtClean="0"/>
-          </a:p>
-          <a:p>
-            <a:r>
-              <a:rPr lang="en-US" i="1" dirty="0" err="1" smtClean="0"/>
+          </a:p>
+          <a:p>
+            <a:r>
+              <a:rPr lang="en-US" i="1" dirty="0" err="1"/>
               <a:t>xpos</a:t>
             </a:r>
             <a:r>
-              <a:rPr lang="en-US" i="1" dirty="0" smtClean="0"/>
+              <a:rPr lang="en-US" i="1" dirty="0"/>
               <a:t> </a:t>
             </a:r>
             <a:r>
-              <a:rPr lang="en-US" i="1" dirty="0" err="1" smtClean="0"/>
+              <a:rPr lang="en-US" i="1" dirty="0" err="1"/>
               <a:t>ypos</a:t>
             </a:r>
             <a:r>
-              <a:rPr lang="en-US" dirty="0" smtClean="0"/>
+              <a:rPr lang="en-US" dirty="0"/>
               <a:t> The first value is the horizontal position and the second value is the vertical. The top left corner is 0 0. Units can be pixels (0px </a:t>
             </a:r>
             <a:r>
-              <a:rPr lang="en-US" dirty="0" err="1" smtClean="0"/>
+              <a:rPr lang="en-US" dirty="0" err="1"/>
               <a:t>0px</a:t>
             </a:r>
             <a:r>
-              <a:rPr lang="en-US" dirty="0" smtClean="0"/>
+              <a:rPr lang="en-US" dirty="0"/>
               <a:t>) or any other </a:t>
             </a:r>
             <a:r>
@@ -5671,10 +5427,9 @@
               <a:t>s</a:t>
             </a:r>
             <a:r>
-              <a:rPr lang="en-US" dirty="0" smtClean="0"/>
+              <a:rPr lang="en-US" dirty="0"/>
               <a:t>. If you only specify one value, the other value will be 50%. You can mix % and positions</a:t>
             </a:r>
-            <a:endParaRPr lang="en-US" dirty="0"/>
           </a:p>
         </p:txBody>
       </p:sp>
@@ -5683,13 +5438,6 @@
   <p:clrMapOvr>
     <a:masterClrMapping/>
   </p:clrMapOvr>
-  <p:timing>
-    <p:tnLst>
-      <p:par>
-        <p:cTn id="1" dur="indefinite" restart="never" nodeType="tmRoot"/>
-      </p:par>
-    </p:tnLst>
-  </p:timing>
 </p:sld>
 </file>
 
@@ -5733,14 +5481,14 @@
           <a:lstStyle/>
           <a:p>
             <a:br>
-              <a:rPr lang="en-US" b="1" dirty="0" smtClean="0"/>
-            </a:br>
-            <a:r>
-              <a:rPr lang="en-US" b="1" dirty="0" smtClean="0"/>
+              <a:rPr lang="en-US" b="1" dirty="0"/>
+            </a:br>
+            <a:r>
+              <a:rPr lang="en-US" b="1" dirty="0"/>
               <a:t>Background - Shorthand property</a:t>
             </a:r>
             <a:br>
-              <a:rPr lang="en-US" b="1" dirty="0" smtClean="0"/>
+              <a:rPr lang="en-US" b="1" dirty="0"/>
             </a:br>
             <a:endParaRPr lang="en-US" dirty="0"/>
           </a:p>
@@ -5772,126 +5520,115 @@
               <a:buNone/>
             </a:pPr>
             <a:r>
-              <a:rPr lang="en-US" dirty="0" smtClean="0"/>
+              <a:rPr lang="en-US" dirty="0"/>
               <a:t>To shorten the code, it is also possible to specify all the properties in one single property. This is called a shorthand property.</a:t>
             </a:r>
-            <a:endParaRPr lang="en-US" dirty="0" smtClean="0"/>
-          </a:p>
-          <a:p>
-            <a:pPr>
-              <a:buNone/>
-            </a:pPr>
-            <a:r>
-              <a:rPr lang="en-US" dirty="0" smtClean="0"/>
+          </a:p>
+          <a:p>
+            <a:pPr>
+              <a:buNone/>
+            </a:pPr>
+            <a:r>
+              <a:rPr lang="en-US" dirty="0"/>
               <a:t>- The shorthand property for background is simply "background":</a:t>
             </a:r>
-            <a:endParaRPr lang="en-US" dirty="0" smtClean="0"/>
-          </a:p>
-          <a:p>
-            <a:pPr>
-              <a:buNone/>
-            </a:pPr>
-            <a:r>
-              <a:rPr lang="en-US" b="1" dirty="0" smtClean="0"/>
+          </a:p>
+          <a:p>
+            <a:pPr>
+              <a:buNone/>
+            </a:pPr>
+            <a:r>
+              <a:rPr lang="en-US" b="1" dirty="0"/>
               <a:t>Example</a:t>
             </a:r>
-            <a:endParaRPr lang="en-US" b="1" dirty="0" smtClean="0"/>
-          </a:p>
-          <a:p>
-            <a:pPr>
-              <a:buNone/>
-            </a:pPr>
-            <a:r>
-              <a:rPr lang="en-US" dirty="0" smtClean="0"/>
+          </a:p>
+          <a:p>
+            <a:pPr>
+              <a:buNone/>
+            </a:pPr>
+            <a:r>
+              <a:rPr lang="en-US" dirty="0"/>
               <a:t>body {background:#</a:t>
             </a:r>
             <a:r>
-              <a:rPr lang="en-US" dirty="0" err="1" smtClean="0"/>
+              <a:rPr lang="en-US" dirty="0" err="1"/>
               <a:t>ffffff</a:t>
             </a:r>
             <a:r>
-              <a:rPr lang="en-US" dirty="0" smtClean="0"/>
+              <a:rPr lang="en-US" dirty="0"/>
               <a:t> </a:t>
             </a:r>
             <a:r>
-              <a:rPr lang="en-US" dirty="0" err="1" smtClean="0"/>
+              <a:rPr lang="en-US" dirty="0" err="1"/>
               <a:t>url</a:t>
             </a:r>
             <a:r>
-              <a:rPr lang="en-US" dirty="0" smtClean="0"/>
+              <a:rPr lang="en-US" dirty="0"/>
               <a:t>('img_tree.png') no-repeat right top;}</a:t>
             </a:r>
-            <a:endParaRPr lang="en-US" dirty="0" smtClean="0"/>
-          </a:p>
-          <a:p>
-            <a:pPr>
-              <a:buNone/>
-            </a:pPr>
-            <a:r>
-              <a:rPr lang="en-US" dirty="0" smtClean="0"/>
+          </a:p>
+          <a:p>
+            <a:pPr>
+              <a:buNone/>
+            </a:pPr>
+            <a:r>
+              <a:rPr lang="en-US" dirty="0"/>
               <a:t>-When using the shorthand property the order of the property values are:</a:t>
             </a:r>
-            <a:endParaRPr lang="en-US" dirty="0" smtClean="0"/>
           </a:p>
           <a:p>
             <a:pPr lvl="2">
               <a:buNone/>
             </a:pPr>
             <a:r>
-              <a:rPr lang="en-US" dirty="0" smtClean="0"/>
+              <a:rPr lang="en-US" dirty="0"/>
               <a:t>background-color</a:t>
             </a:r>
-            <a:endParaRPr lang="en-US" dirty="0" smtClean="0"/>
           </a:p>
           <a:p>
             <a:pPr lvl="2">
               <a:buNone/>
             </a:pPr>
             <a:r>
-              <a:rPr lang="en-US" dirty="0" smtClean="0"/>
+              <a:rPr lang="en-US" dirty="0"/>
               <a:t>background-image</a:t>
             </a:r>
-            <a:endParaRPr lang="en-US" dirty="0" smtClean="0"/>
           </a:p>
           <a:p>
             <a:pPr lvl="2">
               <a:buNone/>
             </a:pPr>
             <a:r>
-              <a:rPr lang="en-US" dirty="0" smtClean="0"/>
+              <a:rPr lang="en-US" dirty="0"/>
               <a:t>background-repeat</a:t>
             </a:r>
-            <a:endParaRPr lang="en-US" dirty="0" smtClean="0"/>
           </a:p>
           <a:p>
             <a:pPr lvl="2">
               <a:buNone/>
             </a:pPr>
             <a:r>
-              <a:rPr lang="en-US" dirty="0" smtClean="0"/>
+              <a:rPr lang="en-US" dirty="0"/>
               <a:t>background-attachment</a:t>
             </a:r>
-            <a:endParaRPr lang="en-US" dirty="0" smtClean="0"/>
           </a:p>
           <a:p>
             <a:pPr lvl="2">
               <a:buNone/>
             </a:pPr>
             <a:r>
-              <a:rPr lang="en-US" dirty="0" smtClean="0"/>
+              <a:rPr lang="en-US" dirty="0"/>
               <a:t>background-position</a:t>
             </a:r>
-            <a:endParaRPr lang="en-US" dirty="0" smtClean="0"/>
-          </a:p>
-          <a:p>
-            <a:pPr>
-              <a:buNone/>
-            </a:pPr>
-            <a:r>
-              <a:rPr lang="en-US" dirty="0" smtClean="0"/>
+          </a:p>
+          <a:p>
+            <a:pPr>
+              <a:buNone/>
+            </a:pPr>
+            <a:r>
+              <a:rPr lang="en-US" dirty="0"/>
               <a:t>It does not matter if one of the property values is missing, as long as the ones that are present are in this order.</a:t>
             </a:r>
-            <a:endParaRPr lang="en-US" dirty="0" smtClean="0"/>
           </a:p>
           <a:p>
             <a:endParaRPr lang="en-US" dirty="0"/>
@@ -5903,13 +5640,6 @@
   <p:clrMapOvr>
     <a:masterClrMapping/>
   </p:clrMapOvr>
-  <p:timing>
-    <p:tnLst>
-      <p:par>
-        <p:cTn id="1" dur="indefinite" restart="never" nodeType="tmRoot"/>
-      </p:par>
-    </p:tnLst>
-  </p:timing>
 </p:sld>
 </file>
 
@@ -5941,7 +5671,7 @@
           </p:nvPr>
         </p:nvPicPr>
         <p:blipFill>
-          <a:blip r:embed="rId1" cstate="print"/>
+          <a:blip r:embed="rId2" cstate="print"/>
           <a:srcRect/>
           <a:stretch>
             <a:fillRect/>
@@ -5969,13 +5699,6 @@
   <p:clrMapOvr>
     <a:masterClrMapping/>
   </p:clrMapOvr>
-  <p:timing>
-    <p:tnLst>
-      <p:par>
-        <p:cTn id="1" dur="indefinite" restart="never" nodeType="tmRoot"/>
-      </p:par>
-    </p:tnLst>
-  </p:timing>
 </p:sld>
 </file>
 
@@ -6022,99 +5745,94 @@
               <a:buNone/>
             </a:pPr>
             <a:r>
-              <a:rPr lang="en-US" b="1" dirty="0" smtClean="0"/>
+              <a:rPr lang="en-US" b="1" dirty="0"/>
               <a:t>Grouping</a:t>
             </a:r>
-            <a:endParaRPr lang="en-US" b="1" dirty="0" smtClean="0"/>
-          </a:p>
-          <a:p>
-            <a:r>
-              <a:rPr lang="en-US" dirty="0" smtClean="0"/>
+          </a:p>
+          <a:p>
+            <a:r>
+              <a:rPr lang="en-US" dirty="0"/>
               <a:t>If multiple selectors share the same CSS properties, they can be declared together. This is called "grouping". For example, if &lt;h1&gt;, &lt;h2&gt;, and &lt;h3&gt; share they same style, they can be declared together as follows: </a:t>
             </a:r>
-            <a:endParaRPr lang="en-US" dirty="0" smtClean="0"/>
-          </a:p>
-          <a:p>
-            <a:r>
-              <a:rPr lang="en-US" dirty="0" smtClean="0"/>
+          </a:p>
+          <a:p>
+            <a:r>
+              <a:rPr lang="en-US" dirty="0"/>
               <a:t>H1, h2, h3 { </a:t>
             </a:r>
             <a:br>
-              <a:rPr lang="en-US" dirty="0" smtClean="0"/>
-            </a:br>
-            <a:r>
-              <a:rPr lang="en-US" dirty="0" smtClean="0"/>
+              <a:rPr lang="en-US" dirty="0"/>
+            </a:br>
+            <a:r>
+              <a:rPr lang="en-US" dirty="0"/>
               <a:t>  </a:t>
             </a:r>
             <a:r>
-              <a:rPr lang="en-US" dirty="0" err="1" smtClean="0"/>
+              <a:rPr lang="en-US" dirty="0" err="1"/>
               <a:t>property:value</a:t>
             </a:r>
             <a:r>
-              <a:rPr lang="en-US" dirty="0" smtClean="0"/>
+              <a:rPr lang="en-US" dirty="0"/>
               <a:t>; </a:t>
             </a:r>
             <a:br>
-              <a:rPr lang="en-US" dirty="0" smtClean="0"/>
-            </a:br>
-            <a:r>
-              <a:rPr lang="en-US" dirty="0" smtClean="0"/>
+              <a:rPr lang="en-US" dirty="0"/>
+            </a:br>
+            <a:r>
+              <a:rPr lang="en-US" dirty="0"/>
               <a:t>  ... </a:t>
             </a:r>
             <a:br>
-              <a:rPr lang="en-US" dirty="0" smtClean="0"/>
-            </a:br>
-            <a:r>
-              <a:rPr lang="en-US" dirty="0" smtClean="0"/>
+              <a:rPr lang="en-US" dirty="0"/>
+            </a:br>
+            <a:r>
+              <a:rPr lang="en-US" dirty="0"/>
               <a:t>}</a:t>
             </a:r>
-            <a:endParaRPr lang="en-US" dirty="0" smtClean="0"/>
-          </a:p>
-          <a:p>
-            <a:r>
-              <a:rPr lang="en-US" dirty="0" err="1" smtClean="0"/>
+          </a:p>
+          <a:p>
+            <a:r>
+              <a:rPr lang="en-US" dirty="0" err="1"/>
               <a:t>div,p</a:t>
             </a:r>
             <a:br>
-              <a:rPr lang="en-US" dirty="0" smtClean="0"/>
-            </a:br>
-            <a:r>
-              <a:rPr lang="en-US" dirty="0" smtClean="0"/>
+              <a:rPr lang="en-US" dirty="0"/>
+            </a:br>
+            <a:r>
+              <a:rPr lang="en-US" dirty="0"/>
               <a:t>{ </a:t>
             </a:r>
             <a:br>
-              <a:rPr lang="en-US" dirty="0" smtClean="0"/>
-            </a:br>
-            <a:r>
-              <a:rPr lang="en-US" dirty="0" smtClean="0"/>
+              <a:rPr lang="en-US" dirty="0"/>
+            </a:br>
+            <a:r>
+              <a:rPr lang="en-US" dirty="0"/>
               <a:t>background-</a:t>
             </a:r>
             <a:r>
-              <a:rPr lang="en-US" dirty="0" err="1" smtClean="0"/>
+              <a:rPr lang="en-US" dirty="0" err="1"/>
               <a:t>color:yellow</a:t>
             </a:r>
             <a:r>
-              <a:rPr lang="en-US" dirty="0" smtClean="0"/>
+              <a:rPr lang="en-US" dirty="0"/>
               <a:t>;</a:t>
             </a:r>
             <a:br>
-              <a:rPr lang="en-US" dirty="0" smtClean="0"/>
-            </a:br>
-            <a:r>
-              <a:rPr lang="en-US" dirty="0" smtClean="0"/>
+              <a:rPr lang="en-US" dirty="0"/>
+            </a:br>
+            <a:r>
+              <a:rPr lang="en-US" dirty="0"/>
               <a:t>}</a:t>
             </a:r>
-            <a:endParaRPr lang="en-US" dirty="0" smtClean="0"/>
-          </a:p>
-          <a:p>
-            <a:pPr>
-              <a:buNone/>
-            </a:pPr>
-            <a:r>
-              <a:rPr lang="en-US" dirty="0" smtClean="0"/>
+          </a:p>
+          <a:p>
+            <a:pPr>
+              <a:buNone/>
+            </a:pPr>
+            <a:r>
+              <a:rPr lang="en-US" dirty="0"/>
               <a:t> </a:t>
             </a:r>
-            <a:endParaRPr lang="en-US" dirty="0" smtClean="0"/>
           </a:p>
         </p:txBody>
       </p:sp>
@@ -6169,187 +5887,179 @@
               <a:buNone/>
             </a:pPr>
             <a:r>
-              <a:rPr lang="en-US" b="1" dirty="0" smtClean="0"/>
+              <a:rPr lang="en-US" b="1" dirty="0"/>
               <a:t>Descendant Selectors</a:t>
             </a:r>
-            <a:endParaRPr lang="en-US" b="1" dirty="0" smtClean="0"/>
-          </a:p>
-          <a:p>
-            <a:r>
-              <a:rPr lang="en-US" dirty="0" smtClean="0"/>
+          </a:p>
+          <a:p>
+            <a:r>
+              <a:rPr lang="en-US" dirty="0"/>
               <a:t>We can specify the style of an element only when it is inside another element. To accomplish this, we use the concept of descendant selectors. </a:t>
             </a:r>
-            <a:endParaRPr lang="en-US" dirty="0" smtClean="0"/>
-          </a:p>
-          <a:p>
-            <a:r>
-              <a:rPr lang="en-US" dirty="0" smtClean="0"/>
+          </a:p>
+          <a:p>
+            <a:r>
+              <a:rPr lang="en-US" dirty="0"/>
               <a:t>The syntax for declaring a descendant selector is: </a:t>
             </a:r>
-            <a:endParaRPr lang="en-US" dirty="0" smtClean="0"/>
-          </a:p>
-          <a:p>
-            <a:r>
-              <a:rPr lang="en-US" dirty="0" smtClean="0"/>
+          </a:p>
+          <a:p>
+            <a:r>
+              <a:rPr lang="en-US" dirty="0"/>
               <a:t>[Parent Selector] [Child Selector] { </a:t>
             </a:r>
             <a:br>
-              <a:rPr lang="en-US" dirty="0" smtClean="0"/>
-            </a:br>
-            <a:r>
-              <a:rPr lang="en-US" dirty="0" smtClean="0"/>
+              <a:rPr lang="en-US" dirty="0"/>
+            </a:br>
+            <a:r>
+              <a:rPr lang="en-US" dirty="0"/>
               <a:t>  </a:t>
             </a:r>
             <a:r>
-              <a:rPr lang="en-US" dirty="0" err="1" smtClean="0"/>
+              <a:rPr lang="en-US" dirty="0" err="1"/>
               <a:t>property:value</a:t>
             </a:r>
             <a:r>
-              <a:rPr lang="en-US" dirty="0" smtClean="0"/>
+              <a:rPr lang="en-US" dirty="0"/>
               <a:t>; </a:t>
             </a:r>
             <a:br>
-              <a:rPr lang="en-US" dirty="0" smtClean="0"/>
-            </a:br>
-            <a:r>
-              <a:rPr lang="en-US" dirty="0" smtClean="0"/>
+              <a:rPr lang="en-US" dirty="0"/>
+            </a:br>
+            <a:r>
+              <a:rPr lang="en-US" dirty="0"/>
               <a:t>  ... </a:t>
             </a:r>
             <a:br>
-              <a:rPr lang="en-US" dirty="0" smtClean="0"/>
-            </a:br>
-            <a:r>
-              <a:rPr lang="en-US" dirty="0" smtClean="0"/>
+              <a:rPr lang="en-US" dirty="0"/>
+            </a:br>
+            <a:r>
+              <a:rPr lang="en-US" dirty="0"/>
               <a:t>} </a:t>
             </a:r>
-            <a:endParaRPr lang="en-US" dirty="0" smtClean="0"/>
-          </a:p>
-          <a:p>
-            <a:r>
-              <a:rPr lang="en-US" dirty="0" smtClean="0"/>
+          </a:p>
+          <a:p>
+            <a:r>
+              <a:rPr lang="en-US" dirty="0"/>
               <a:t>The style defined above will apply to child selectors only when they are inside the parent selector. Such declarations can go on for more than two levels. </a:t>
             </a:r>
-            <a:endParaRPr lang="en-US" dirty="0" smtClean="0"/>
-          </a:p>
-          <a:p>
-            <a:r>
-              <a:rPr lang="en-US" dirty="0" smtClean="0"/>
+          </a:p>
+          <a:p>
+            <a:r>
+              <a:rPr lang="en-US" dirty="0"/>
               <a:t>For example, in the declaration below, </a:t>
             </a:r>
-            <a:endParaRPr lang="en-US" dirty="0" smtClean="0"/>
-          </a:p>
-          <a:p>
-            <a:r>
-              <a:rPr lang="en-US" dirty="0" err="1" smtClean="0"/>
+          </a:p>
+          <a:p>
+            <a:r>
+              <a:rPr lang="en-US" dirty="0" err="1"/>
               <a:t>li</a:t>
             </a:r>
             <a:r>
-              <a:rPr lang="en-US" dirty="0" smtClean="0"/>
+              <a:rPr lang="en-US" dirty="0"/>
               <a:t> b { </a:t>
             </a:r>
             <a:br>
-              <a:rPr lang="en-US" dirty="0" smtClean="0"/>
-            </a:br>
-            <a:r>
-              <a:rPr lang="en-US" dirty="0" smtClean="0"/>
+              <a:rPr lang="en-US" dirty="0"/>
+            </a:br>
+            <a:r>
+              <a:rPr lang="en-US" dirty="0"/>
               <a:t>  </a:t>
             </a:r>
             <a:r>
-              <a:rPr lang="en-US" dirty="0" err="1" smtClean="0"/>
+              <a:rPr lang="en-US" dirty="0" err="1"/>
               <a:t>color:yellow</a:t>
             </a:r>
             <a:r>
-              <a:rPr lang="en-US" dirty="0" smtClean="0"/>
+              <a:rPr lang="en-US" dirty="0"/>
               <a:t>; </a:t>
             </a:r>
             <a:br>
-              <a:rPr lang="en-US" dirty="0" smtClean="0"/>
-            </a:br>
-            <a:r>
-              <a:rPr lang="en-US" dirty="0" smtClean="0"/>
+              <a:rPr lang="en-US" dirty="0"/>
+            </a:br>
+            <a:r>
+              <a:rPr lang="en-US" dirty="0"/>
               <a:t>} </a:t>
             </a:r>
-            <a:endParaRPr lang="en-US" dirty="0" smtClean="0"/>
-          </a:p>
-          <a:p>
-            <a:endParaRPr lang="en-US" dirty="0" smtClean="0"/>
-          </a:p>
-          <a:p>
-            <a:r>
-              <a:rPr lang="en-US" dirty="0" smtClean="0"/>
+          </a:p>
+          <a:p>
+            <a:endParaRPr lang="en-US" dirty="0"/>
+          </a:p>
+          <a:p>
+            <a:r>
+              <a:rPr lang="en-US" dirty="0"/>
               <a:t>means that text in the &lt;b&gt; element inside the &lt;</a:t>
             </a:r>
             <a:r>
-              <a:rPr lang="en-US" dirty="0" err="1" smtClean="0"/>
+              <a:rPr lang="en-US" dirty="0" err="1"/>
               <a:t>li</a:t>
             </a:r>
             <a:r>
-              <a:rPr lang="en-US" dirty="0" smtClean="0"/>
+              <a:rPr lang="en-US" dirty="0"/>
               <a:t>&gt; element will be yellow. Text in the &lt;b&gt; elements not within the &lt;</a:t>
             </a:r>
             <a:r>
-              <a:rPr lang="en-US" dirty="0" err="1" smtClean="0"/>
+              <a:rPr lang="en-US" dirty="0" err="1"/>
               <a:t>li</a:t>
             </a:r>
             <a:r>
-              <a:rPr lang="en-US" dirty="0" smtClean="0"/>
+              <a:rPr lang="en-US" dirty="0"/>
               <a:t>&gt; element will not be affected by this </a:t>
             </a:r>
             <a:r>
-              <a:rPr lang="en-US" dirty="0" err="1" smtClean="0"/>
+              <a:rPr lang="en-US" dirty="0" err="1"/>
               <a:t>stylesheet</a:t>
             </a:r>
             <a:r>
-              <a:rPr lang="en-US" dirty="0" smtClean="0"/>
+              <a:rPr lang="en-US" dirty="0"/>
               <a:t>.</a:t>
             </a:r>
-            <a:endParaRPr lang="en-US" smtClean="0"/>
-          </a:p>
-          <a:p>
-            <a:pPr>
-              <a:buNone/>
-            </a:pPr>
-            <a:r>
-              <a:rPr lang="en-US" smtClean="0"/>
+            <a:endParaRPr lang="en-US"/>
+          </a:p>
+          <a:p>
+            <a:pPr>
+              <a:buNone/>
+            </a:pPr>
+            <a:r>
+              <a:rPr lang="en-US"/>
               <a:t> </a:t>
             </a:r>
-            <a:endParaRPr lang="en-US" dirty="0" smtClean="0"/>
-          </a:p>
-          <a:p>
-            <a:r>
-              <a:rPr lang="en-US" dirty="0" smtClean="0"/>
+            <a:endParaRPr lang="en-US" dirty="0"/>
+          </a:p>
+          <a:p>
+            <a:r>
+              <a:rPr lang="en-US" dirty="0"/>
               <a:t>div p</a:t>
             </a:r>
             <a:br>
-              <a:rPr lang="en-US" dirty="0" smtClean="0"/>
-            </a:br>
-            <a:r>
-              <a:rPr lang="en-US" dirty="0" smtClean="0"/>
+              <a:rPr lang="en-US" dirty="0"/>
+            </a:br>
+            <a:r>
+              <a:rPr lang="en-US" dirty="0"/>
               <a:t>{ </a:t>
             </a:r>
             <a:br>
-              <a:rPr lang="en-US" dirty="0" smtClean="0"/>
-            </a:br>
-            <a:r>
-              <a:rPr lang="en-US" dirty="0" smtClean="0"/>
+              <a:rPr lang="en-US" dirty="0"/>
+            </a:br>
+            <a:r>
+              <a:rPr lang="en-US" dirty="0"/>
               <a:t>background-</a:t>
             </a:r>
             <a:r>
-              <a:rPr lang="en-US" dirty="0" err="1" smtClean="0"/>
+              <a:rPr lang="en-US" dirty="0" err="1"/>
               <a:t>color:yellow</a:t>
             </a:r>
             <a:r>
-              <a:rPr lang="en-US" dirty="0" smtClean="0"/>
+              <a:rPr lang="en-US" dirty="0"/>
               <a:t>;</a:t>
             </a:r>
             <a:br>
-              <a:rPr lang="en-US" dirty="0" smtClean="0"/>
-            </a:br>
-            <a:r>
-              <a:rPr lang="en-US" dirty="0" smtClean="0"/>
+              <a:rPr lang="en-US" dirty="0"/>
+            </a:br>
+            <a:r>
+              <a:rPr lang="en-US" dirty="0"/>
               <a:t>}</a:t>
             </a:r>
-            <a:endParaRPr lang="en-US" dirty="0" smtClean="0"/>
           </a:p>
           <a:p>
             <a:endParaRPr lang="en-US" dirty="0"/>
@@ -6399,14 +6109,14 @@
           <a:lstStyle/>
           <a:p>
             <a:br>
-              <a:rPr lang="en-US" b="1" dirty="0" smtClean="0"/>
-            </a:br>
-            <a:r>
-              <a:rPr lang="en-US" b="1" dirty="0" smtClean="0"/>
+              <a:rPr lang="en-US" b="1" dirty="0"/>
+            </a:br>
+            <a:r>
+              <a:rPr lang="en-US" b="1" dirty="0"/>
               <a:t>CSS Links</a:t>
             </a:r>
             <a:br>
-              <a:rPr lang="en-US" b="1" dirty="0" smtClean="0"/>
+              <a:rPr lang="en-US" b="1" dirty="0"/>
             </a:br>
             <a:endParaRPr lang="en-US" dirty="0"/>
           </a:p>
@@ -6438,79 +6148,71 @@
               <a:buNone/>
             </a:pPr>
             <a:r>
-              <a:rPr lang="en-US" b="1" dirty="0" smtClean="0"/>
+              <a:rPr lang="en-US" b="1" dirty="0"/>
               <a:t>Styling Links</a:t>
             </a:r>
-            <a:endParaRPr lang="en-US" b="1" dirty="0" smtClean="0"/>
-          </a:p>
-          <a:p>
-            <a:r>
-              <a:rPr lang="en-US" dirty="0" smtClean="0"/>
+          </a:p>
+          <a:p>
+            <a:r>
+              <a:rPr lang="en-US" dirty="0"/>
               <a:t>Links can be styled with any CSS property (e.g. color, font-family, background, etc.).</a:t>
             </a:r>
-            <a:endParaRPr lang="en-US" dirty="0" smtClean="0"/>
-          </a:p>
-          <a:p>
-            <a:r>
-              <a:rPr lang="en-US" dirty="0" smtClean="0"/>
+          </a:p>
+          <a:p>
+            <a:r>
+              <a:rPr lang="en-US" dirty="0"/>
               <a:t>Special for links are that they can be styled differently depending on what state they are in.</a:t>
             </a:r>
-            <a:endParaRPr lang="en-US" dirty="0" smtClean="0"/>
-          </a:p>
-          <a:p>
-            <a:r>
-              <a:rPr lang="en-US" dirty="0" smtClean="0"/>
+          </a:p>
+          <a:p>
+            <a:r>
+              <a:rPr lang="en-US" dirty="0"/>
               <a:t>The four links states are: </a:t>
             </a:r>
-            <a:endParaRPr lang="en-US" dirty="0" smtClean="0"/>
-          </a:p>
-          <a:p>
-            <a:pPr>
-              <a:buNone/>
-            </a:pPr>
-            <a:r>
-              <a:rPr lang="en-US" dirty="0" smtClean="0"/>
+          </a:p>
+          <a:p>
+            <a:pPr>
+              <a:buNone/>
+            </a:pPr>
+            <a:r>
+              <a:rPr lang="en-US" dirty="0"/>
               <a:t>a:link - a normal, unvisited link</a:t>
             </a:r>
-            <a:endParaRPr lang="en-US" dirty="0" smtClean="0"/>
-          </a:p>
-          <a:p>
-            <a:pPr>
-              <a:buNone/>
-            </a:pPr>
-            <a:r>
-              <a:rPr lang="en-US" dirty="0" smtClean="0"/>
+          </a:p>
+          <a:p>
+            <a:pPr>
+              <a:buNone/>
+            </a:pPr>
+            <a:r>
+              <a:rPr lang="en-US" dirty="0"/>
               <a:t>a:visited - a link the user has visited</a:t>
             </a:r>
-            <a:endParaRPr lang="en-US" dirty="0" smtClean="0"/>
-          </a:p>
-          <a:p>
-            <a:pPr>
-              <a:buNone/>
-            </a:pPr>
-            <a:r>
-              <a:rPr lang="en-US" dirty="0" smtClean="0"/>
+          </a:p>
+          <a:p>
+            <a:pPr>
+              <a:buNone/>
+            </a:pPr>
+            <a:r>
+              <a:rPr lang="en-US" dirty="0"/>
               <a:t>a:hover - a link when the user </a:t>
             </a:r>
             <a:r>
-              <a:rPr lang="en-US" dirty="0" err="1" smtClean="0"/>
+              <a:rPr lang="en-US" dirty="0" err="1"/>
               <a:t>mouses</a:t>
             </a:r>
             <a:r>
-              <a:rPr lang="en-US" dirty="0" smtClean="0"/>
+              <a:rPr lang="en-US" dirty="0"/>
               <a:t> over it</a:t>
             </a:r>
-            <a:endParaRPr lang="en-US" dirty="0" smtClean="0"/>
-          </a:p>
-          <a:p>
-            <a:pPr>
-              <a:buNone/>
-            </a:pPr>
-            <a:r>
-              <a:rPr lang="en-US" dirty="0" smtClean="0"/>
+          </a:p>
+          <a:p>
+            <a:pPr>
+              <a:buNone/>
+            </a:pPr>
+            <a:r>
+              <a:rPr lang="en-US" dirty="0"/>
               <a:t>a:active - a link the moment it is clicked</a:t>
             </a:r>
-            <a:endParaRPr lang="en-US" dirty="0" smtClean="0"/>
           </a:p>
           <a:p>
             <a:endParaRPr lang="en-US" dirty="0"/>
@@ -6522,13 +6224,6 @@
   <p:clrMapOvr>
     <a:masterClrMapping/>
   </p:clrMapOvr>
-  <p:timing>
-    <p:tnLst>
-      <p:par>
-        <p:cTn id="1" dur="indefinite" restart="never" nodeType="tmRoot"/>
-      </p:par>
-    </p:tnLst>
-  </p:timing>
 </p:sld>
 </file>
 
@@ -6570,38 +6265,36 @@
           <a:lstStyle/>
           <a:p>
             <a:r>
-              <a:rPr lang="en-US" b="1" dirty="0" smtClean="0"/>
+              <a:rPr lang="en-US" b="1" dirty="0"/>
               <a:t>Example</a:t>
             </a:r>
-            <a:endParaRPr lang="en-US" b="1" dirty="0" smtClean="0"/>
-          </a:p>
-          <a:p>
-            <a:r>
-              <a:rPr lang="en-US" dirty="0" smtClean="0"/>
+          </a:p>
+          <a:p>
+            <a:r>
+              <a:rPr lang="en-US" dirty="0"/>
               <a:t>a:link {color:#FF0000;}      /* unvisited link */</a:t>
             </a:r>
             <a:br>
-              <a:rPr lang="en-US" dirty="0" smtClean="0"/>
-            </a:br>
-            <a:r>
-              <a:rPr lang="en-US" dirty="0" smtClean="0"/>
+              <a:rPr lang="en-US" dirty="0"/>
+            </a:br>
+            <a:r>
+              <a:rPr lang="en-US" dirty="0"/>
               <a:t>a:visited {color:#00FF00;}  /* visited link */</a:t>
             </a:r>
             <a:br>
-              <a:rPr lang="en-US" dirty="0" smtClean="0"/>
-            </a:br>
-            <a:r>
-              <a:rPr lang="en-US" dirty="0" smtClean="0"/>
+              <a:rPr lang="en-US" dirty="0"/>
+            </a:br>
+            <a:r>
+              <a:rPr lang="en-US" dirty="0"/>
               <a:t>a:hover {color:#FF00FF;}  /* mouse over link */</a:t>
             </a:r>
             <a:br>
-              <a:rPr lang="en-US" dirty="0" smtClean="0"/>
-            </a:br>
-            <a:r>
-              <a:rPr lang="en-US" dirty="0" smtClean="0"/>
+              <a:rPr lang="en-US" dirty="0"/>
+            </a:br>
+            <a:r>
+              <a:rPr lang="en-US" dirty="0"/>
               <a:t>a:active {color:#0000FF;}  /* selected link */</a:t>
             </a:r>
-            <a:endParaRPr lang="en-US" dirty="0"/>
           </a:p>
         </p:txBody>
       </p:sp>
@@ -6610,13 +6303,6 @@
   <p:clrMapOvr>
     <a:masterClrMapping/>
   </p:clrMapOvr>
-  <p:timing>
-    <p:tnLst>
-      <p:par>
-        <p:cTn id="1" dur="indefinite" restart="never" nodeType="tmRoot"/>
-      </p:par>
-    </p:tnLst>
-  </p:timing>
 </p:sld>
 </file>
 
@@ -6660,10 +6346,9 @@
           <a:lstStyle/>
           <a:p>
             <a:r>
-              <a:rPr lang="en-US" dirty="0" smtClean="0"/>
+              <a:rPr lang="en-US" dirty="0"/>
               <a:t>General form of rule</a:t>
             </a:r>
-            <a:endParaRPr lang="en-US" dirty="0"/>
           </a:p>
         </p:txBody>
       </p:sp>
@@ -6693,111 +6378,88 @@
               <a:buNone/>
             </a:pPr>
             <a:r>
-              <a:rPr lang="en-US" dirty="0" smtClean="0"/>
+              <a:rPr lang="en-US" dirty="0"/>
               <a:t>Selector {property : value}</a:t>
             </a:r>
-            <a:endParaRPr lang="en-US" dirty="0" smtClean="0"/>
-          </a:p>
-          <a:p>
-            <a:pPr>
-              <a:buNone/>
-            </a:pPr>
-            <a:r>
-              <a:rPr lang="en-US" dirty="0" smtClean="0"/>
+          </a:p>
+          <a:p>
+            <a:pPr>
+              <a:buNone/>
+            </a:pPr>
+            <a:r>
+              <a:rPr lang="en-US" dirty="0"/>
               <a:t>Or</a:t>
             </a:r>
-            <a:endParaRPr lang="en-US" dirty="0" smtClean="0"/>
-          </a:p>
-          <a:p>
-            <a:pPr>
-              <a:buNone/>
-            </a:pPr>
-            <a:r>
-              <a:rPr lang="en-US" dirty="0" smtClean="0"/>
+          </a:p>
+          <a:p>
+            <a:pPr>
+              <a:buNone/>
+            </a:pPr>
+            <a:r>
+              <a:rPr lang="en-US" dirty="0"/>
               <a:t>Selector { </a:t>
             </a:r>
-            <a:endParaRPr lang="en-US" dirty="0" smtClean="0"/>
-          </a:p>
-          <a:p>
-            <a:pPr>
-              <a:buNone/>
-            </a:pPr>
-            <a:r>
-              <a:rPr lang="en-US" dirty="0"/>
-              <a:t>	</a:t>
-            </a:r>
-            <a:r>
-              <a:rPr lang="en-US" dirty="0" smtClean="0"/>
-              <a:t>	        property1 : value1;	</a:t>
-            </a:r>
-            <a:endParaRPr lang="en-US" dirty="0" smtClean="0"/>
-          </a:p>
-          <a:p>
-            <a:pPr>
-              <a:buNone/>
-            </a:pPr>
-            <a:r>
-              <a:rPr lang="en-US" dirty="0"/>
-              <a:t> </a:t>
-            </a:r>
-            <a:r>
-              <a:rPr lang="en-US" dirty="0" smtClean="0"/>
-              <a:t>               property2 : value2;</a:t>
-            </a:r>
-            <a:endParaRPr lang="en-US" dirty="0" smtClean="0"/>
-          </a:p>
-          <a:p>
-            <a:pPr>
-              <a:buNone/>
-            </a:pPr>
-            <a:r>
-              <a:rPr lang="en-US" dirty="0"/>
-              <a:t>	</a:t>
-            </a:r>
-            <a:r>
-              <a:rPr lang="en-US" dirty="0" smtClean="0"/>
-              <a:t>	        </a:t>
-            </a:r>
-            <a:r>
-              <a:rPr lang="en-US" dirty="0" err="1" smtClean="0"/>
+          </a:p>
+          <a:p>
+            <a:pPr>
+              <a:buNone/>
+            </a:pPr>
+            <a:r>
+              <a:rPr lang="en-US" dirty="0"/>
+              <a:t>		        property1 : value1;	</a:t>
+            </a:r>
+          </a:p>
+          <a:p>
+            <a:pPr>
+              <a:buNone/>
+            </a:pPr>
+            <a:r>
+              <a:rPr lang="en-US" dirty="0"/>
+              <a:t>                property2 : value2;</a:t>
+            </a:r>
+          </a:p>
+          <a:p>
+            <a:pPr>
+              <a:buNone/>
+            </a:pPr>
+            <a:r>
+              <a:rPr lang="en-US" dirty="0"/>
+              <a:t>		        </a:t>
+            </a:r>
+            <a:r>
+              <a:rPr lang="en-US" dirty="0" err="1"/>
               <a:t>propertyN</a:t>
             </a:r>
             <a:r>
-              <a:rPr lang="en-US" dirty="0" smtClean="0"/>
+              <a:rPr lang="en-US" dirty="0"/>
               <a:t> : </a:t>
             </a:r>
             <a:r>
-              <a:rPr lang="en-US" dirty="0" err="1" smtClean="0"/>
+              <a:rPr lang="en-US" dirty="0" err="1"/>
               <a:t>valueN</a:t>
             </a:r>
-            <a:endParaRPr lang="en-US" dirty="0" smtClean="0"/>
-          </a:p>
-          <a:p>
-            <a:pPr>
-              <a:buNone/>
-            </a:pPr>
-            <a:r>
-              <a:rPr lang="en-US" dirty="0"/>
-              <a:t>	</a:t>
-            </a:r>
-            <a:r>
-              <a:rPr lang="en-US" dirty="0" smtClean="0"/>
-              <a:t>	     }</a:t>
-            </a:r>
-            <a:endParaRPr lang="en-US" dirty="0" smtClean="0"/>
-          </a:p>
-          <a:p>
-            <a:r>
-              <a:rPr lang="en-US" dirty="0" smtClean="0"/>
+            <a:endParaRPr lang="en-US" dirty="0"/>
+          </a:p>
+          <a:p>
+            <a:pPr>
+              <a:buNone/>
+            </a:pPr>
+            <a:r>
+              <a:rPr lang="en-US" dirty="0"/>
+              <a:t>		     }</a:t>
+            </a:r>
+          </a:p>
+          <a:p>
+            <a:r>
+              <a:rPr lang="en-US" dirty="0"/>
               <a:t>"Property" is the CSS element you wish to manipulate and "VALUE" represents the value of the specified property. </a:t>
             </a:r>
-            <a:endParaRPr lang="en-US" dirty="0" smtClean="0"/>
-          </a:p>
-          <a:p>
-            <a:endParaRPr lang="en-US" dirty="0" smtClean="0"/>
-          </a:p>
-          <a:p>
-            <a:endParaRPr lang="en-US" dirty="0" smtClean="0"/>
+          </a:p>
+          <a:p>
+            <a:endParaRPr lang="en-US" dirty="0"/>
+          </a:p>
+          <a:p>
+            <a:endParaRPr lang="en-US" dirty="0"/>
           </a:p>
           <a:p>
             <a:pPr>
@@ -6812,13 +6474,6 @@
   <p:clrMapOvr>
     <a:masterClrMapping/>
   </p:clrMapOvr>
-  <p:timing>
-    <p:tnLst>
-      <p:par>
-        <p:cTn id="1" dur="indefinite" restart="never" nodeType="tmRoot"/>
-      </p:par>
-    </p:tnLst>
-  </p:timing>
 </p:sld>
 </file>
 
@@ -6862,10 +6517,9 @@
           <a:lstStyle/>
           <a:p>
             <a:r>
-              <a:rPr lang="en-US" b="1" dirty="0" smtClean="0"/>
+              <a:rPr lang="en-US" b="1" dirty="0"/>
               <a:t>Manipulating Text</a:t>
             </a:r>
-            <a:endParaRPr lang="en-US" b="1" dirty="0"/>
           </a:p>
         </p:txBody>
       </p:sp>
@@ -6895,113 +6549,106 @@
               <a:buNone/>
             </a:pPr>
             <a:r>
-              <a:rPr lang="en-IN" sz="2000" b="1" dirty="0" smtClean="0"/>
+              <a:rPr lang="en-IN" sz="2000" b="1" dirty="0"/>
               <a:t>Text </a:t>
             </a:r>
             <a:r>
-              <a:rPr lang="en-IN" sz="2000" b="1" dirty="0" err="1" smtClean="0"/>
+              <a:rPr lang="en-IN" sz="2000" b="1" dirty="0" err="1"/>
               <a:t>Color</a:t>
             </a:r>
-            <a:endParaRPr lang="en-IN" sz="2000" b="1" dirty="0" smtClean="0"/>
-          </a:p>
-          <a:p>
-            <a:pPr>
-              <a:buNone/>
-            </a:pPr>
-            <a:r>
-              <a:rPr lang="en-IN" sz="2000" dirty="0" smtClean="0"/>
+            <a:endParaRPr lang="en-IN" sz="2000" b="1" dirty="0"/>
+          </a:p>
+          <a:p>
+            <a:pPr>
+              <a:buNone/>
+            </a:pPr>
+            <a:r>
+              <a:rPr lang="en-IN" sz="2000" dirty="0"/>
               <a:t>	</a:t>
             </a:r>
-            <a:endParaRPr lang="en-IN" sz="2000" dirty="0" smtClean="0"/>
-          </a:p>
-          <a:p>
-            <a:pPr>
-              <a:buNone/>
-            </a:pPr>
-            <a:r>
-              <a:rPr lang="en-IN" sz="2000" dirty="0" smtClean="0"/>
+          </a:p>
+          <a:p>
+            <a:pPr>
+              <a:buNone/>
+            </a:pPr>
+            <a:r>
+              <a:rPr lang="en-IN" sz="2000" dirty="0"/>
               <a:t>	With CSS, a </a:t>
             </a:r>
             <a:r>
-              <a:rPr lang="en-IN" sz="2000" dirty="0" err="1" smtClean="0"/>
+              <a:rPr lang="en-IN" sz="2000" dirty="0" err="1"/>
               <a:t>color</a:t>
             </a:r>
             <a:r>
-              <a:rPr lang="en-IN" sz="2000" dirty="0" smtClean="0"/>
+              <a:rPr lang="en-IN" sz="2000" dirty="0"/>
               <a:t> is most often specified by:</a:t>
             </a:r>
-            <a:endParaRPr lang="en-IN" sz="2000" dirty="0" smtClean="0"/>
-          </a:p>
-          <a:p>
-            <a:r>
-              <a:rPr lang="en-IN" sz="2000" dirty="0" smtClean="0"/>
+          </a:p>
+          <a:p>
+            <a:r>
+              <a:rPr lang="en-IN" sz="2000" dirty="0"/>
               <a:t>a HEX value - like "#ff0000"</a:t>
             </a:r>
-            <a:endParaRPr lang="en-IN" sz="2000" dirty="0" smtClean="0"/>
-          </a:p>
-          <a:p>
-            <a:r>
-              <a:rPr lang="en-IN" sz="2000" dirty="0" smtClean="0"/>
+          </a:p>
+          <a:p>
+            <a:r>
+              <a:rPr lang="en-IN" sz="2000" dirty="0"/>
               <a:t>an RGB value - like "</a:t>
             </a:r>
             <a:r>
-              <a:rPr lang="en-IN" sz="2000" dirty="0" err="1" smtClean="0"/>
+              <a:rPr lang="en-IN" sz="2000" dirty="0" err="1"/>
               <a:t>rgb</a:t>
             </a:r>
             <a:r>
-              <a:rPr lang="en-IN" sz="2000" dirty="0" smtClean="0"/>
+              <a:rPr lang="en-IN" sz="2000" dirty="0"/>
               <a:t>(255,0,0)"</a:t>
             </a:r>
-            <a:endParaRPr lang="en-IN" sz="2000" dirty="0" smtClean="0"/>
-          </a:p>
-          <a:p>
-            <a:r>
-              <a:rPr lang="en-IN" sz="2000" dirty="0" smtClean="0"/>
+          </a:p>
+          <a:p>
+            <a:r>
+              <a:rPr lang="en-IN" sz="2000" dirty="0"/>
               <a:t>a </a:t>
             </a:r>
             <a:r>
-              <a:rPr lang="en-IN" sz="2000" dirty="0" err="1" smtClean="0"/>
+              <a:rPr lang="en-IN" sz="2000" dirty="0" err="1"/>
               <a:t>color</a:t>
             </a:r>
             <a:r>
-              <a:rPr lang="en-IN" sz="2000" dirty="0" smtClean="0"/>
+              <a:rPr lang="en-IN" sz="2000" dirty="0"/>
               <a:t> name - like "red"</a:t>
             </a:r>
-            <a:endParaRPr lang="en-IN" sz="2000" dirty="0" smtClean="0"/>
-          </a:p>
-          <a:p>
-            <a:pPr>
-              <a:buNone/>
-            </a:pPr>
-            <a:endParaRPr lang="en-IN" sz="2000" dirty="0" smtClean="0"/>
-          </a:p>
-          <a:p>
-            <a:pPr>
-              <a:buNone/>
-            </a:pPr>
-            <a:r>
-              <a:rPr lang="en-IN" sz="2000" dirty="0" smtClean="0"/>
+          </a:p>
+          <a:p>
+            <a:pPr>
+              <a:buNone/>
+            </a:pPr>
+            <a:endParaRPr lang="en-IN" sz="2000" dirty="0"/>
+          </a:p>
+          <a:p>
+            <a:pPr>
+              <a:buNone/>
+            </a:pPr>
+            <a:r>
+              <a:rPr lang="en-IN" sz="2000" dirty="0"/>
               <a:t>	The default </a:t>
             </a:r>
             <a:r>
-              <a:rPr lang="en-IN" sz="2000" dirty="0" err="1" smtClean="0"/>
+              <a:rPr lang="en-IN" sz="2000" dirty="0" err="1"/>
               <a:t>color</a:t>
             </a:r>
             <a:r>
-              <a:rPr lang="en-IN" sz="2000" dirty="0" smtClean="0"/>
+              <a:rPr lang="en-IN" sz="2000" dirty="0"/>
               <a:t> for a page is defined in the body selector.</a:t>
             </a:r>
-            <a:endParaRPr lang="en-IN" sz="2000" dirty="0" smtClean="0"/>
-          </a:p>
-          <a:p>
-            <a:pPr>
-              <a:buNone/>
-            </a:pPr>
-            <a:r>
-              <a:rPr lang="en-IN" sz="2000" b="1" dirty="0" smtClean="0"/>
+          </a:p>
+          <a:p>
+            <a:pPr>
+              <a:buNone/>
+            </a:pPr>
+            <a:r>
+              <a:rPr lang="en-IN" sz="2000" b="1" dirty="0"/>
               <a:t>Text Alignment</a:t>
             </a:r>
-            <a:endParaRPr lang="en-IN" sz="2000" b="1" dirty="0" smtClean="0"/>
           </a:p>
           <a:p>
             <a:pPr algn="just">
@@ -7010,10 +6657,9 @@
               </a:lnSpc>
             </a:pPr>
             <a:r>
-              <a:rPr lang="en-IN" sz="2000" dirty="0" smtClean="0"/>
+              <a:rPr lang="en-IN" sz="2000" dirty="0"/>
               <a:t>The text-align property is used to set the horizontal alignment of a text.</a:t>
             </a:r>
-            <a:endParaRPr lang="en-IN" sz="2000" dirty="0" smtClean="0"/>
           </a:p>
           <a:p>
             <a:pPr algn="just">
@@ -7022,95 +6668,93 @@
               </a:lnSpc>
             </a:pPr>
             <a:r>
-              <a:rPr lang="en-IN" sz="2000" dirty="0" smtClean="0"/>
+              <a:rPr lang="en-IN" sz="2000" dirty="0"/>
               <a:t>Text can be </a:t>
             </a:r>
             <a:r>
-              <a:rPr lang="en-IN" sz="2000" dirty="0" err="1" smtClean="0"/>
+              <a:rPr lang="en-IN" sz="2000" dirty="0" err="1"/>
               <a:t>centered</a:t>
             </a:r>
             <a:r>
-              <a:rPr lang="en-IN" sz="2000" dirty="0" smtClean="0"/>
+              <a:rPr lang="en-IN" sz="2000" dirty="0"/>
               <a:t>, or aligned to the left or right, or justified.</a:t>
             </a:r>
-            <a:endParaRPr lang="en-IN" sz="2000" dirty="0" smtClean="0"/>
-          </a:p>
-          <a:p>
-            <a:pPr>
-              <a:buNone/>
-            </a:pPr>
-            <a:r>
-              <a:rPr lang="en-IN" sz="2000" dirty="0" smtClean="0"/>
+          </a:p>
+          <a:p>
+            <a:pPr>
+              <a:buNone/>
+            </a:pPr>
+            <a:r>
+              <a:rPr lang="en-IN" sz="2000" dirty="0"/>
               <a:t>	h1 {text-</a:t>
             </a:r>
             <a:r>
-              <a:rPr lang="en-IN" sz="2000" dirty="0" err="1" smtClean="0"/>
+              <a:rPr lang="en-IN" sz="2000" dirty="0" err="1"/>
               <a:t>align:center</a:t>
             </a:r>
             <a:r>
-              <a:rPr lang="en-IN" sz="2000" dirty="0" smtClean="0"/>
+              <a:rPr lang="en-IN" sz="2000" dirty="0"/>
               <a:t>;}</a:t>
             </a:r>
             <a:br>
-              <a:rPr lang="en-IN" sz="2000" dirty="0" smtClean="0"/>
-            </a:br>
-            <a:r>
-              <a:rPr lang="en-IN" sz="2000" dirty="0" err="1" smtClean="0"/>
+              <a:rPr lang="en-IN" sz="2000" dirty="0"/>
+            </a:br>
+            <a:r>
+              <a:rPr lang="en-IN" sz="2000" dirty="0" err="1"/>
               <a:t>p.date</a:t>
             </a:r>
             <a:r>
-              <a:rPr lang="en-IN" sz="2000" dirty="0" smtClean="0"/>
+              <a:rPr lang="en-IN" sz="2000" dirty="0"/>
               <a:t> {text-</a:t>
             </a:r>
             <a:r>
-              <a:rPr lang="en-IN" sz="2000" dirty="0" err="1" smtClean="0"/>
+              <a:rPr lang="en-IN" sz="2000" dirty="0" err="1"/>
               <a:t>align:right</a:t>
             </a:r>
             <a:r>
-              <a:rPr lang="en-IN" sz="2000" dirty="0" smtClean="0"/>
+              <a:rPr lang="en-IN" sz="2000" dirty="0"/>
               <a:t>;}</a:t>
             </a:r>
             <a:br>
-              <a:rPr lang="en-IN" sz="2000" dirty="0" smtClean="0"/>
-            </a:br>
-            <a:r>
-              <a:rPr lang="en-IN" sz="2000" dirty="0" err="1" smtClean="0"/>
+              <a:rPr lang="en-IN" sz="2000" dirty="0"/>
+            </a:br>
+            <a:r>
+              <a:rPr lang="en-IN" sz="2000" dirty="0" err="1"/>
               <a:t>p.main</a:t>
             </a:r>
             <a:r>
-              <a:rPr lang="en-IN" sz="2000" dirty="0" smtClean="0"/>
+              <a:rPr lang="en-IN" sz="2000" dirty="0"/>
               <a:t> {text-</a:t>
             </a:r>
             <a:r>
-              <a:rPr lang="en-IN" sz="2000" dirty="0" err="1" smtClean="0"/>
+              <a:rPr lang="en-IN" sz="2000" dirty="0" err="1"/>
               <a:t>align:justify</a:t>
             </a:r>
             <a:r>
-              <a:rPr lang="en-IN" sz="2000" dirty="0" smtClean="0"/>
+              <a:rPr lang="en-IN" sz="2000" dirty="0"/>
               <a:t>;}</a:t>
             </a:r>
-            <a:endParaRPr lang="en-IN" sz="2000" dirty="0" smtClean="0"/>
-          </a:p>
-          <a:p>
-            <a:endParaRPr lang="en-US" sz="2000" dirty="0" smtClean="0"/>
           </a:p>
           <a:p>
             <a:endParaRPr lang="en-US" sz="2000" dirty="0"/>
           </a:p>
           <a:p>
-            <a:endParaRPr lang="en-US" sz="2000" dirty="0" smtClean="0"/>
-          </a:p>
-          <a:p>
             <a:endParaRPr lang="en-US" sz="2000" dirty="0"/>
           </a:p>
           <a:p>
-            <a:endParaRPr lang="en-US" sz="2000" dirty="0" smtClean="0"/>
-          </a:p>
-          <a:p>
             <a:endParaRPr lang="en-US" sz="2000" dirty="0"/>
           </a:p>
           <a:p>
-            <a:endParaRPr lang="en-US" sz="2000" dirty="0" smtClean="0"/>
+            <a:endParaRPr lang="en-US" sz="2000" dirty="0"/>
+          </a:p>
+          <a:p>
+            <a:endParaRPr lang="en-US" sz="2000" dirty="0"/>
+          </a:p>
+          <a:p>
+            <a:endParaRPr lang="en-US" sz="2000" dirty="0"/>
+          </a:p>
+          <a:p>
+            <a:endParaRPr lang="en-US" sz="2000" dirty="0"/>
           </a:p>
           <a:p>
             <a:pPr>
@@ -7166,10 +6810,9 @@
           <a:lstStyle/>
           <a:p>
             <a:r>
-              <a:rPr lang="en-US" b="1" dirty="0" smtClean="0"/>
+              <a:rPr lang="en-US" b="1" dirty="0"/>
               <a:t>Manipulating Text</a:t>
             </a:r>
-            <a:endParaRPr lang="en-US" b="1" dirty="0"/>
           </a:p>
         </p:txBody>
       </p:sp>
@@ -7199,10 +6842,10 @@
               <a:buNone/>
             </a:pPr>
             <a:r>
-              <a:rPr lang="en-IN" sz="9600" b="1" dirty="0" smtClean="0"/>
+              <a:rPr lang="en-IN" sz="9600" b="1" dirty="0"/>
               <a:t>Text Decoration</a:t>
             </a:r>
-            <a:endParaRPr lang="en-IN" sz="9600" dirty="0" smtClean="0"/>
+            <a:endParaRPr lang="en-IN" sz="9600" dirty="0"/>
           </a:p>
           <a:p>
             <a:pPr>
@@ -7211,10 +6854,9 @@
               </a:lnSpc>
             </a:pPr>
             <a:r>
-              <a:rPr lang="en-IN" sz="9600" dirty="0" smtClean="0"/>
+              <a:rPr lang="en-IN" sz="9600" dirty="0"/>
               <a:t>The text-decoration property is used to set or remove decorations from text.</a:t>
             </a:r>
-            <a:endParaRPr lang="en-IN" sz="9600" dirty="0" smtClean="0"/>
           </a:p>
           <a:p>
             <a:pPr>
@@ -7223,10 +6865,9 @@
               </a:lnSpc>
             </a:pPr>
             <a:r>
-              <a:rPr lang="en-IN" sz="9600" dirty="0" smtClean="0"/>
+              <a:rPr lang="en-IN" sz="9600" dirty="0"/>
               <a:t>The text-decoration property is mostly used to remove underlines from links for design purposes:</a:t>
             </a:r>
-            <a:endParaRPr lang="en-IN" sz="9600" dirty="0" smtClean="0"/>
           </a:p>
           <a:p>
             <a:pPr>
@@ -7236,63 +6877,62 @@
               <a:buNone/>
             </a:pPr>
             <a:r>
-              <a:rPr lang="en-IN" sz="9600" dirty="0" smtClean="0"/>
+              <a:rPr lang="en-IN" sz="9600" dirty="0"/>
               <a:t>	h1 {text-</a:t>
             </a:r>
             <a:r>
-              <a:rPr lang="en-IN" sz="9600" dirty="0" err="1" smtClean="0"/>
+              <a:rPr lang="en-IN" sz="9600" dirty="0" err="1"/>
               <a:t>decoration:overline</a:t>
             </a:r>
             <a:r>
-              <a:rPr lang="en-IN" sz="9600" dirty="0" smtClean="0"/>
+              <a:rPr lang="en-IN" sz="9600" dirty="0"/>
               <a:t>;}</a:t>
             </a:r>
             <a:br>
-              <a:rPr lang="en-IN" sz="9600" dirty="0" smtClean="0"/>
-            </a:br>
-            <a:r>
-              <a:rPr lang="en-IN" sz="9600" dirty="0" smtClean="0"/>
+              <a:rPr lang="en-IN" sz="9600" dirty="0"/>
+            </a:br>
+            <a:r>
+              <a:rPr lang="en-IN" sz="9600" dirty="0"/>
               <a:t>h2 {text-</a:t>
             </a:r>
             <a:r>
-              <a:rPr lang="en-IN" sz="9600" dirty="0" err="1" smtClean="0"/>
+              <a:rPr lang="en-IN" sz="9600" dirty="0" err="1"/>
               <a:t>decoration:line</a:t>
             </a:r>
             <a:r>
-              <a:rPr lang="en-IN" sz="9600" dirty="0" smtClean="0"/>
+              <a:rPr lang="en-IN" sz="9600" dirty="0"/>
               <a:t>-through;}</a:t>
             </a:r>
             <a:br>
-              <a:rPr lang="en-IN" sz="9600" dirty="0" smtClean="0"/>
-            </a:br>
-            <a:r>
-              <a:rPr lang="en-IN" sz="9600" dirty="0" smtClean="0"/>
+              <a:rPr lang="en-IN" sz="9600" dirty="0"/>
+            </a:br>
+            <a:r>
+              <a:rPr lang="en-IN" sz="9600" dirty="0"/>
               <a:t>h3 {text-</a:t>
             </a:r>
             <a:r>
-              <a:rPr lang="en-IN" sz="9600" dirty="0" err="1" smtClean="0"/>
+              <a:rPr lang="en-IN" sz="9600" dirty="0" err="1"/>
               <a:t>decoration:underline</a:t>
             </a:r>
             <a:r>
-              <a:rPr lang="en-IN" sz="9600" dirty="0" smtClean="0"/>
+              <a:rPr lang="en-IN" sz="9600" dirty="0"/>
               <a:t>;}</a:t>
             </a:r>
             <a:br>
-              <a:rPr lang="en-IN" sz="9600" dirty="0" smtClean="0"/>
-            </a:br>
-            <a:r>
-              <a:rPr lang="en-IN" sz="9600" dirty="0" smtClean="0"/>
+              <a:rPr lang="en-IN" sz="9600" dirty="0"/>
+            </a:br>
+            <a:r>
+              <a:rPr lang="en-IN" sz="9600" dirty="0"/>
               <a:t>h4 {text-</a:t>
             </a:r>
             <a:r>
-              <a:rPr lang="en-IN" sz="9600" dirty="0" err="1" smtClean="0"/>
+              <a:rPr lang="en-IN" sz="9600" dirty="0" err="1"/>
               <a:t>decoration:blink</a:t>
             </a:r>
             <a:r>
-              <a:rPr lang="en-IN" sz="9600" dirty="0" smtClean="0"/>
+              <a:rPr lang="en-IN" sz="9600" dirty="0"/>
               <a:t>;}</a:t>
             </a:r>
-            <a:endParaRPr lang="en-IN" sz="9600" dirty="0" smtClean="0"/>
           </a:p>
           <a:p>
             <a:pPr>
@@ -7302,18 +6942,18 @@
               <a:buNone/>
             </a:pPr>
             <a:r>
-              <a:rPr lang="en-IN" sz="9600" dirty="0" smtClean="0"/>
+              <a:rPr lang="en-IN" sz="9600" dirty="0"/>
               <a:t>	h5 {text-</a:t>
             </a:r>
             <a:r>
-              <a:rPr lang="en-IN" sz="9600" dirty="0" err="1" smtClean="0"/>
+              <a:rPr lang="en-IN" sz="9600" dirty="0" err="1"/>
               <a:t>decoration:none</a:t>
             </a:r>
             <a:r>
-              <a:rPr lang="en-IN" sz="9600" dirty="0" smtClean="0"/>
+              <a:rPr lang="en-IN" sz="9600" dirty="0"/>
               <a:t>;};</a:t>
             </a:r>
-            <a:endParaRPr lang="en-US" sz="9600" b="1" dirty="0" smtClean="0">
+            <a:endParaRPr lang="en-US" sz="9600" b="1" dirty="0">
               <a:solidFill>
                 <a:srgbClr val="FF0000"/>
               </a:solidFill>
@@ -7327,7 +6967,7 @@
               </a:lnSpc>
               <a:buNone/>
             </a:pPr>
-            <a:endParaRPr lang="en-US" b="1" dirty="0" smtClean="0">
+            <a:endParaRPr lang="en-US" b="1" dirty="0">
               <a:solidFill>
                 <a:srgbClr val="FF0000"/>
               </a:solidFill>
@@ -7342,7 +6982,7 @@
               </a:lnSpc>
               <a:buNone/>
             </a:pPr>
-            <a:endParaRPr lang="en-US" b="1" dirty="0" smtClean="0">
+            <a:endParaRPr lang="en-US" b="1" dirty="0">
               <a:solidFill>
                 <a:srgbClr val="FF0000"/>
               </a:solidFill>
@@ -7357,7 +6997,7 @@
               </a:lnSpc>
               <a:buNone/>
             </a:pPr>
-            <a:endParaRPr lang="en-US" b="1" dirty="0" smtClean="0">
+            <a:endParaRPr lang="en-US" b="1" dirty="0">
               <a:solidFill>
                 <a:srgbClr val="FF0000"/>
               </a:solidFill>
@@ -7372,7 +7012,7 @@
               </a:lnSpc>
               <a:buNone/>
             </a:pPr>
-            <a:endParaRPr lang="en-US" b="1" dirty="0" smtClean="0">
+            <a:endParaRPr lang="en-US" b="1" dirty="0">
               <a:solidFill>
                 <a:srgbClr val="FF0000"/>
               </a:solidFill>
@@ -7387,7 +7027,7 @@
               </a:lnSpc>
               <a:buNone/>
             </a:pPr>
-            <a:endParaRPr lang="en-US" b="1" dirty="0" smtClean="0">
+            <a:endParaRPr lang="en-US" b="1" dirty="0">
               <a:solidFill>
                 <a:srgbClr val="FF0000"/>
               </a:solidFill>
@@ -7402,7 +7042,7 @@
               </a:lnSpc>
               <a:buNone/>
             </a:pPr>
-            <a:endParaRPr lang="en-US" b="1" dirty="0" smtClean="0">
+            <a:endParaRPr lang="en-US" b="1" dirty="0">
               <a:solidFill>
                 <a:srgbClr val="FF0000"/>
               </a:solidFill>
@@ -7417,7 +7057,7 @@
               </a:lnSpc>
               <a:buNone/>
             </a:pPr>
-            <a:endParaRPr lang="en-US" b="1" dirty="0" smtClean="0">
+            <a:endParaRPr lang="en-US" b="1" dirty="0">
               <a:solidFill>
                 <a:srgbClr val="FF0000"/>
               </a:solidFill>
@@ -7432,7 +7072,7 @@
               </a:lnSpc>
               <a:buNone/>
             </a:pPr>
-            <a:endParaRPr lang="en-US" b="1" dirty="0" smtClean="0">
+            <a:endParaRPr lang="en-US" b="1" dirty="0">
               <a:solidFill>
                 <a:srgbClr val="FF0000"/>
               </a:solidFill>
@@ -7447,7 +7087,7 @@
               </a:lnSpc>
               <a:buNone/>
             </a:pPr>
-            <a:endParaRPr lang="en-US" b="1" dirty="0" smtClean="0">
+            <a:endParaRPr lang="en-US" b="1" dirty="0">
               <a:solidFill>
                 <a:srgbClr val="FF0000"/>
               </a:solidFill>
@@ -7462,7 +7102,7 @@
               </a:lnSpc>
               <a:buNone/>
             </a:pPr>
-            <a:endParaRPr lang="en-US" b="1" dirty="0" smtClean="0">
+            <a:endParaRPr lang="en-US" b="1" dirty="0">
               <a:solidFill>
                 <a:srgbClr val="FF0000"/>
               </a:solidFill>
@@ -7477,7 +7117,7 @@
               </a:lnSpc>
               <a:buNone/>
             </a:pPr>
-            <a:endParaRPr lang="en-US" b="1" dirty="0" smtClean="0">
+            <a:endParaRPr lang="en-US" b="1" dirty="0">
               <a:solidFill>
                 <a:srgbClr val="FF0000"/>
               </a:solidFill>
@@ -7492,7 +7132,7 @@
               </a:lnSpc>
               <a:buNone/>
             </a:pPr>
-            <a:endParaRPr lang="en-US" b="1" dirty="0" smtClean="0">
+            <a:endParaRPr lang="en-US" b="1" dirty="0">
               <a:solidFill>
                 <a:srgbClr val="FF0000"/>
               </a:solidFill>
@@ -7507,7 +7147,7 @@
               </a:lnSpc>
               <a:buNone/>
             </a:pPr>
-            <a:endParaRPr lang="en-US" b="1" dirty="0" smtClean="0">
+            <a:endParaRPr lang="en-US" b="1" dirty="0">
               <a:solidFill>
                 <a:srgbClr val="FF0000"/>
               </a:solidFill>
@@ -7522,7 +7162,7 @@
               </a:lnSpc>
               <a:buNone/>
             </a:pPr>
-            <a:endParaRPr lang="en-US" b="1" dirty="0" smtClean="0">
+            <a:endParaRPr lang="en-US" b="1" dirty="0">
               <a:solidFill>
                 <a:srgbClr val="FF0000"/>
               </a:solidFill>
@@ -7537,7 +7177,7 @@
               </a:lnSpc>
               <a:buNone/>
             </a:pPr>
-            <a:endParaRPr lang="en-US" b="1" dirty="0" smtClean="0">
+            <a:endParaRPr lang="en-US" b="1" dirty="0">
               <a:solidFill>
                 <a:srgbClr val="FF0000"/>
               </a:solidFill>
@@ -7552,7 +7192,7 @@
               </a:lnSpc>
               <a:buNone/>
             </a:pPr>
-            <a:endParaRPr lang="en-US" b="1" dirty="0" smtClean="0">
+            <a:endParaRPr lang="en-US" b="1" dirty="0">
               <a:solidFill>
                 <a:srgbClr val="FF0000"/>
               </a:solidFill>
@@ -7567,7 +7207,7 @@
               </a:lnSpc>
               <a:buNone/>
             </a:pPr>
-            <a:endParaRPr lang="en-US" b="1" dirty="0" smtClean="0">
+            <a:endParaRPr lang="en-US" b="1" dirty="0">
               <a:solidFill>
                 <a:srgbClr val="FF0000"/>
               </a:solidFill>
@@ -7582,7 +7222,7 @@
               </a:lnSpc>
               <a:buNone/>
             </a:pPr>
-            <a:endParaRPr lang="en-US" b="1" dirty="0" smtClean="0">
+            <a:endParaRPr lang="en-US" b="1" dirty="0">
               <a:solidFill>
                 <a:srgbClr val="FF0000"/>
               </a:solidFill>
@@ -7597,7 +7237,7 @@
               </a:lnSpc>
               <a:buNone/>
             </a:pPr>
-            <a:endParaRPr lang="en-US" dirty="0" smtClean="0">
+            <a:endParaRPr lang="en-US" dirty="0">
               <a:latin typeface="Calibri" charset="0"/>
               <a:cs typeface="Calibri" charset="0"/>
             </a:endParaRPr>
@@ -7610,7 +7250,7 @@
               <a:buFont typeface="Wingdings" panose="05000000000000000000" pitchFamily="2" charset="2"/>
               <a:buChar char="§"/>
             </a:pPr>
-            <a:endParaRPr lang="en-US" dirty="0" smtClean="0">
+            <a:endParaRPr lang="en-US" dirty="0">
               <a:latin typeface="Calibri" charset="0"/>
               <a:cs typeface="Calibri" charset="0"/>
             </a:endParaRPr>
@@ -7622,7 +7262,7 @@
               </a:lnSpc>
               <a:buNone/>
             </a:pPr>
-            <a:endParaRPr lang="en-US" sz="2600" dirty="0" smtClean="0">
+            <a:endParaRPr lang="en-US" sz="2600" dirty="0">
               <a:latin typeface="Calibri" charset="0"/>
               <a:cs typeface="Calibri" charset="0"/>
             </a:endParaRPr>
@@ -7631,7 +7271,7 @@
             <a:pPr algn="just">
               <a:buNone/>
             </a:pPr>
-            <a:endParaRPr lang="en-US" sz="2600" dirty="0" smtClean="0">
+            <a:endParaRPr lang="en-US" sz="2600" dirty="0">
               <a:latin typeface="Calibri" charset="0"/>
               <a:cs typeface="Calibri" charset="0"/>
             </a:endParaRPr>
@@ -7640,7 +7280,7 @@
             <a:pPr algn="just">
               <a:buNone/>
             </a:pPr>
-            <a:endParaRPr lang="en-IN" sz="2600" dirty="0" smtClean="0">
+            <a:endParaRPr lang="en-IN" sz="2600" dirty="0">
               <a:latin typeface="Calibri" charset="0"/>
               <a:cs typeface="Calibri" charset="0"/>
             </a:endParaRPr>
@@ -7696,10 +7336,9 @@
           <a:lstStyle/>
           <a:p>
             <a:r>
-              <a:rPr lang="en-US" b="1" dirty="0" smtClean="0"/>
+              <a:rPr lang="en-US" b="1" dirty="0"/>
               <a:t>Manipulating Text</a:t>
             </a:r>
-            <a:endParaRPr lang="en-US" b="1" dirty="0"/>
           </a:p>
         </p:txBody>
       </p:sp>
@@ -7729,10 +7368,9 @@
               <a:buNone/>
             </a:pPr>
             <a:r>
-              <a:rPr lang="en-IN" b="1" dirty="0" smtClean="0"/>
+              <a:rPr lang="en-IN" b="1" dirty="0"/>
               <a:t>Text Transformation</a:t>
             </a:r>
-            <a:endParaRPr lang="en-IN" b="1" dirty="0" smtClean="0"/>
           </a:p>
           <a:p>
             <a:pPr>
@@ -7742,10 +7380,9 @@
               <a:buNone/>
             </a:pPr>
             <a:r>
-              <a:rPr lang="en-IN" dirty="0" smtClean="0"/>
+              <a:rPr lang="en-IN" dirty="0"/>
               <a:t>	The text-transform property is used to turn everything into uppercase or lowercase letters, or capitalize the first letter of each word.</a:t>
             </a:r>
-            <a:endParaRPr lang="en-IN" dirty="0" smtClean="0"/>
           </a:p>
           <a:p>
             <a:pPr>
@@ -7755,64 +7392,63 @@
               <a:buNone/>
             </a:pPr>
             <a:r>
-              <a:rPr lang="en-IN" dirty="0" smtClean="0"/>
+              <a:rPr lang="en-IN" dirty="0"/>
               <a:t>	</a:t>
             </a:r>
             <a:r>
-              <a:rPr lang="en-IN" dirty="0" err="1" smtClean="0"/>
+              <a:rPr lang="en-IN" dirty="0" err="1"/>
               <a:t>p.uppercase</a:t>
             </a:r>
             <a:r>
-              <a:rPr lang="en-IN" dirty="0" smtClean="0"/>
+              <a:rPr lang="en-IN" dirty="0"/>
               <a:t> {text-</a:t>
             </a:r>
             <a:r>
-              <a:rPr lang="en-IN" dirty="0" err="1" smtClean="0"/>
+              <a:rPr lang="en-IN" dirty="0" err="1"/>
               <a:t>transform:uppercase</a:t>
             </a:r>
             <a:r>
-              <a:rPr lang="en-IN" dirty="0" smtClean="0"/>
+              <a:rPr lang="en-IN" dirty="0"/>
               <a:t>;}</a:t>
             </a:r>
             <a:br>
-              <a:rPr lang="en-IN" dirty="0" smtClean="0"/>
-            </a:br>
-            <a:r>
-              <a:rPr lang="en-IN" dirty="0" err="1" smtClean="0"/>
+              <a:rPr lang="en-IN" dirty="0"/>
+            </a:br>
+            <a:r>
+              <a:rPr lang="en-IN" dirty="0" err="1"/>
               <a:t>p.lowercase</a:t>
             </a:r>
             <a:r>
-              <a:rPr lang="en-IN" dirty="0" smtClean="0"/>
+              <a:rPr lang="en-IN" dirty="0"/>
               <a:t> {text-</a:t>
             </a:r>
             <a:r>
-              <a:rPr lang="en-IN" dirty="0" err="1" smtClean="0"/>
+              <a:rPr lang="en-IN" dirty="0" err="1"/>
               <a:t>transform:lowercase</a:t>
             </a:r>
             <a:r>
-              <a:rPr lang="en-IN" dirty="0" smtClean="0"/>
+              <a:rPr lang="en-IN" dirty="0"/>
               <a:t>;}</a:t>
             </a:r>
             <a:br>
-              <a:rPr lang="en-IN" dirty="0" smtClean="0"/>
-            </a:br>
-            <a:r>
-              <a:rPr lang="en-IN" dirty="0" err="1" smtClean="0"/>
+              <a:rPr lang="en-IN" dirty="0"/>
+            </a:br>
+            <a:r>
+              <a:rPr lang="en-IN" dirty="0" err="1"/>
               <a:t>p.capitalize</a:t>
             </a:r>
             <a:r>
-              <a:rPr lang="en-IN" dirty="0" smtClean="0"/>
+              <a:rPr lang="en-IN" dirty="0"/>
               <a:t> {text-</a:t>
             </a:r>
             <a:r>
-              <a:rPr lang="en-IN" dirty="0" err="1" smtClean="0"/>
+              <a:rPr lang="en-IN" dirty="0" err="1"/>
               <a:t>transform:capitalize</a:t>
             </a:r>
             <a:r>
-              <a:rPr lang="en-IN" dirty="0" smtClean="0"/>
+              <a:rPr lang="en-IN" dirty="0"/>
               <a:t>;}</a:t>
             </a:r>
-            <a:endParaRPr lang="en-IN" dirty="0" smtClean="0"/>
           </a:p>
           <a:p>
             <a:pPr>
@@ -7822,10 +7458,9 @@
               <a:buNone/>
             </a:pPr>
             <a:r>
-              <a:rPr lang="en-IN" b="1" dirty="0" smtClean="0"/>
+              <a:rPr lang="en-IN" b="1" dirty="0"/>
               <a:t>Text Indentation</a:t>
             </a:r>
-            <a:endParaRPr lang="en-IN" b="1" dirty="0" smtClean="0"/>
           </a:p>
           <a:p>
             <a:pPr>
@@ -7835,10 +7470,9 @@
               <a:buNone/>
             </a:pPr>
             <a:r>
-              <a:rPr lang="en-IN" dirty="0" smtClean="0"/>
+              <a:rPr lang="en-IN" dirty="0"/>
               <a:t>	The text-indentation property is used to specify the indentation of the first line of a text.</a:t>
             </a:r>
-            <a:endParaRPr lang="en-IN" dirty="0" smtClean="0"/>
           </a:p>
           <a:p>
             <a:pPr>
@@ -7848,10 +7482,9 @@
               <a:buNone/>
             </a:pPr>
             <a:r>
-              <a:rPr lang="en-US" dirty="0" smtClean="0"/>
+              <a:rPr lang="en-US" dirty="0"/>
               <a:t>	p {text-indent:100px;}</a:t>
             </a:r>
-            <a:endParaRPr lang="en-US" dirty="0" smtClean="0"/>
           </a:p>
           <a:p>
             <a:endParaRPr lang="en-US" dirty="0"/>
@@ -7906,10 +7539,9 @@
           <a:lstStyle/>
           <a:p>
             <a:r>
-              <a:rPr lang="en-US" b="1" dirty="0" smtClean="0"/>
+              <a:rPr lang="en-US" b="1" dirty="0"/>
               <a:t>List Properties in CSS</a:t>
             </a:r>
-            <a:endParaRPr lang="en-US" b="1" dirty="0"/>
           </a:p>
         </p:txBody>
       </p:sp>
@@ -7939,144 +7571,139 @@
               <a:buNone/>
             </a:pPr>
             <a:r>
-              <a:rPr lang="en-IN" sz="2400" b="1" dirty="0" smtClean="0"/>
+              <a:rPr lang="en-IN" sz="2400" b="1" dirty="0"/>
               <a:t>CSS Lists</a:t>
             </a:r>
-            <a:endParaRPr lang="en-IN" sz="2400" b="1" dirty="0" smtClean="0"/>
-          </a:p>
-          <a:p>
-            <a:pPr>
-              <a:buNone/>
-            </a:pPr>
-            <a:r>
-              <a:rPr lang="en-IN" sz="2400" dirty="0" smtClean="0"/>
+          </a:p>
+          <a:p>
+            <a:pPr>
+              <a:buNone/>
+            </a:pPr>
+            <a:r>
+              <a:rPr lang="en-IN" sz="2400" dirty="0"/>
               <a:t>	The CSS list properties allow you to:</a:t>
             </a:r>
-            <a:endParaRPr lang="en-IN" sz="2400" dirty="0" smtClean="0"/>
-          </a:p>
-          <a:p>
-            <a:r>
-              <a:rPr lang="en-IN" sz="2400" dirty="0" smtClean="0"/>
+          </a:p>
+          <a:p>
+            <a:r>
+              <a:rPr lang="en-IN" sz="2400" dirty="0"/>
               <a:t>Set different list item markers for unordered lists</a:t>
             </a:r>
-            <a:endParaRPr lang="en-US" sz="2400" dirty="0" smtClean="0"/>
-          </a:p>
-          <a:p>
-            <a:pPr>
-              <a:buNone/>
-            </a:pPr>
-            <a:r>
-              <a:rPr lang="en-IN" sz="2400" dirty="0" smtClean="0"/>
+            <a:endParaRPr lang="en-US" sz="2400" dirty="0"/>
+          </a:p>
+          <a:p>
+            <a:pPr>
+              <a:buNone/>
+            </a:pPr>
+            <a:r>
+              <a:rPr lang="en-IN" sz="2400" dirty="0"/>
               <a:t>		</a:t>
             </a:r>
             <a:r>
-              <a:rPr lang="en-IN" sz="2400" dirty="0" err="1" smtClean="0"/>
+              <a:rPr lang="en-IN" sz="2400" dirty="0" err="1"/>
               <a:t>ul.a</a:t>
             </a:r>
             <a:r>
-              <a:rPr lang="en-IN" sz="2400" dirty="0" smtClean="0"/>
+              <a:rPr lang="en-IN" sz="2400" dirty="0"/>
               <a:t> {list-style-type: circle;}</a:t>
             </a:r>
             <a:br>
-              <a:rPr lang="en-IN" sz="2400" dirty="0" smtClean="0"/>
-            </a:br>
-            <a:r>
-              <a:rPr lang="en-IN" sz="2400" dirty="0" smtClean="0"/>
+              <a:rPr lang="en-IN" sz="2400" dirty="0"/>
+            </a:br>
+            <a:r>
+              <a:rPr lang="en-IN" sz="2400" dirty="0"/>
               <a:t>	</a:t>
             </a:r>
             <a:r>
-              <a:rPr lang="en-IN" sz="2400" dirty="0" err="1" smtClean="0"/>
+              <a:rPr lang="en-IN" sz="2400" dirty="0" err="1"/>
               <a:t>ul.b</a:t>
             </a:r>
             <a:r>
-              <a:rPr lang="en-IN" sz="2400" dirty="0" smtClean="0"/>
+              <a:rPr lang="en-IN" sz="2400" dirty="0"/>
               <a:t> {list-style-type: square;}</a:t>
             </a:r>
-            <a:endParaRPr lang="en-IN" sz="2400" dirty="0" smtClean="0"/>
-          </a:p>
-          <a:p>
-            <a:r>
-              <a:rPr lang="en-IN" sz="2400" dirty="0" smtClean="0"/>
+          </a:p>
+          <a:p>
+            <a:r>
+              <a:rPr lang="en-IN" sz="2400" dirty="0"/>
               <a:t>Set different list item markers for ordered lists</a:t>
             </a:r>
             <a:br>
-              <a:rPr lang="en-IN" sz="2400" dirty="0" smtClean="0"/>
-            </a:br>
-            <a:r>
-              <a:rPr lang="en-IN" sz="2400" dirty="0" smtClean="0"/>
+              <a:rPr lang="en-IN" sz="2400" dirty="0"/>
+            </a:br>
+            <a:r>
+              <a:rPr lang="en-IN" sz="2400" dirty="0"/>
               <a:t>	</a:t>
             </a:r>
             <a:r>
-              <a:rPr lang="en-IN" sz="2400" dirty="0" err="1" smtClean="0"/>
+              <a:rPr lang="en-IN" sz="2400" dirty="0" err="1"/>
               <a:t>ol.c</a:t>
             </a:r>
             <a:r>
-              <a:rPr lang="en-IN" sz="2400" dirty="0" smtClean="0"/>
+              <a:rPr lang="en-IN" sz="2400" dirty="0"/>
               <a:t> {list-style-type: upper-roman;}</a:t>
             </a:r>
             <a:br>
-              <a:rPr lang="en-IN" sz="2400" dirty="0" smtClean="0"/>
-            </a:br>
-            <a:r>
-              <a:rPr lang="en-IN" sz="2400" dirty="0" smtClean="0"/>
+              <a:rPr lang="en-IN" sz="2400" dirty="0"/>
+            </a:br>
+            <a:r>
+              <a:rPr lang="en-IN" sz="2400" dirty="0"/>
               <a:t>	</a:t>
             </a:r>
             <a:r>
-              <a:rPr lang="en-IN" sz="2400" dirty="0" err="1" smtClean="0"/>
+              <a:rPr lang="en-IN" sz="2400" dirty="0" err="1"/>
               <a:t>ol.d</a:t>
             </a:r>
             <a:r>
-              <a:rPr lang="en-IN" sz="2400" dirty="0" smtClean="0"/>
+              <a:rPr lang="en-IN" sz="2400" dirty="0"/>
               <a:t> {list-style-type: lower-alpha;}</a:t>
             </a:r>
-            <a:endParaRPr lang="en-IN" sz="2400" dirty="0" smtClean="0"/>
-          </a:p>
-          <a:p>
-            <a:r>
-              <a:rPr lang="en-IN" sz="2400" dirty="0" smtClean="0"/>
+          </a:p>
+          <a:p>
+            <a:r>
+              <a:rPr lang="en-IN" sz="2400" dirty="0"/>
               <a:t>Set an image as the list item marker</a:t>
             </a:r>
             <a:br>
-              <a:rPr lang="en-IN" sz="2400" dirty="0" smtClean="0"/>
-            </a:br>
-            <a:r>
-              <a:rPr lang="en-IN" sz="2400" dirty="0" smtClean="0"/>
+              <a:rPr lang="en-IN" sz="2400" dirty="0"/>
+            </a:br>
+            <a:r>
+              <a:rPr lang="en-IN" sz="2400" dirty="0"/>
               <a:t> </a:t>
             </a:r>
             <a:r>
-              <a:rPr lang="en-IN" sz="2400" dirty="0" err="1" smtClean="0"/>
+              <a:rPr lang="en-IN" sz="2400" dirty="0" err="1"/>
               <a:t>ul</a:t>
             </a:r>
             <a:br>
-              <a:rPr lang="en-IN" sz="2400" dirty="0" smtClean="0"/>
-            </a:br>
-            <a:r>
-              <a:rPr lang="en-IN" sz="2400" dirty="0" smtClean="0"/>
+              <a:rPr lang="en-IN" sz="2400" dirty="0"/>
+            </a:br>
+            <a:r>
+              <a:rPr lang="en-IN" sz="2400" dirty="0"/>
               <a:t>{</a:t>
             </a:r>
             <a:br>
-              <a:rPr lang="en-IN" sz="2400" dirty="0" smtClean="0"/>
-            </a:br>
-            <a:r>
-              <a:rPr lang="en-IN" sz="2400" dirty="0" smtClean="0"/>
+              <a:rPr lang="en-IN" sz="2400" dirty="0"/>
+            </a:br>
+            <a:r>
+              <a:rPr lang="en-IN" sz="2400" dirty="0"/>
               <a:t>list-style-image: </a:t>
             </a:r>
             <a:r>
-              <a:rPr lang="en-IN" sz="2400" dirty="0" err="1" smtClean="0"/>
+              <a:rPr lang="en-IN" sz="2400" dirty="0" err="1"/>
               <a:t>url</a:t>
             </a:r>
             <a:r>
-              <a:rPr lang="en-IN" sz="2400" dirty="0" smtClean="0"/>
+              <a:rPr lang="en-IN" sz="2400" dirty="0"/>
               <a:t>('sqpurple.gif');</a:t>
             </a:r>
             <a:br>
-              <a:rPr lang="en-IN" sz="2400" dirty="0" smtClean="0"/>
-            </a:br>
-            <a:r>
-              <a:rPr lang="en-IN" sz="2400" dirty="0" smtClean="0"/>
+              <a:rPr lang="en-IN" sz="2400" dirty="0"/>
+            </a:br>
+            <a:r>
+              <a:rPr lang="en-IN" sz="2400" dirty="0"/>
               <a:t>}</a:t>
             </a:r>
-            <a:endParaRPr lang="en-IN" sz="2400" dirty="0" smtClean="0"/>
           </a:p>
           <a:p>
             <a:endParaRPr lang="en-US" sz="2400" dirty="0"/>
@@ -8129,10 +7756,9 @@
           <a:lstStyle/>
           <a:p>
             <a:r>
-              <a:rPr lang="en-US" b="1" dirty="0" smtClean="0"/>
+              <a:rPr lang="en-US" b="1" dirty="0"/>
               <a:t>List Properties in CSS</a:t>
             </a:r>
-            <a:endParaRPr lang="en-US" b="1" dirty="0"/>
           </a:p>
         </p:txBody>
       </p:sp>
@@ -8162,92 +7788,85 @@
               <a:buNone/>
             </a:pPr>
             <a:r>
-              <a:rPr lang="en-IN" sz="2400" b="1" dirty="0" smtClean="0"/>
+              <a:rPr lang="en-IN" sz="2400" b="1" dirty="0"/>
               <a:t>CSS List Shorthand Property</a:t>
             </a:r>
-            <a:endParaRPr lang="en-IN" sz="2400" b="1" dirty="0" smtClean="0"/>
           </a:p>
           <a:p>
             <a:pPr algn="just"/>
             <a:r>
-              <a:rPr lang="en-IN" sz="2400" dirty="0" smtClean="0"/>
+              <a:rPr lang="en-IN" sz="2400" dirty="0"/>
               <a:t> It is also possible to specify all the list properties in one, single property. This is called a shorthand property.</a:t>
             </a:r>
-            <a:endParaRPr lang="en-IN" sz="2400" dirty="0" smtClean="0"/>
-          </a:p>
-          <a:p>
-            <a:r>
-              <a:rPr lang="en-IN" sz="2400" dirty="0" smtClean="0"/>
+          </a:p>
+          <a:p>
+            <a:r>
+              <a:rPr lang="en-IN" sz="2400" dirty="0"/>
               <a:t> When using the shorthand property, the order of the values are:</a:t>
             </a:r>
-            <a:endParaRPr lang="en-IN" sz="2400" dirty="0" smtClean="0"/>
           </a:p>
           <a:p>
             <a:pPr lvl="2"/>
             <a:r>
-              <a:rPr lang="en-IN" dirty="0" smtClean="0"/>
+              <a:rPr lang="en-IN" dirty="0"/>
               <a:t>list-style-type</a:t>
             </a:r>
-            <a:endParaRPr lang="en-IN" dirty="0" smtClean="0"/>
           </a:p>
           <a:p>
             <a:pPr lvl="2"/>
             <a:r>
-              <a:rPr lang="en-IN" dirty="0" smtClean="0"/>
+              <a:rPr lang="en-IN" dirty="0"/>
               <a:t>list-style-position    ( Inside or Outside)</a:t>
             </a:r>
-            <a:endParaRPr lang="en-IN" dirty="0" smtClean="0"/>
           </a:p>
           <a:p>
             <a:pPr lvl="2"/>
             <a:r>
-              <a:rPr lang="en-IN" dirty="0" smtClean="0"/>
+              <a:rPr lang="en-IN" dirty="0"/>
               <a:t>list-style-image</a:t>
             </a:r>
-            <a:endParaRPr lang="en-IN" dirty="0" smtClean="0"/>
-          </a:p>
-          <a:p>
-            <a:pPr>
-              <a:buNone/>
-            </a:pPr>
-            <a:r>
-              <a:rPr lang="en-IN" sz="2400" dirty="0" smtClean="0"/>
+          </a:p>
+          <a:p>
+            <a:pPr>
+              <a:buNone/>
+            </a:pPr>
+            <a:r>
+              <a:rPr lang="en-IN" sz="2400" dirty="0"/>
               <a:t>	</a:t>
             </a:r>
             <a:r>
-              <a:rPr lang="en-IN" sz="2400" dirty="0" err="1" smtClean="0"/>
+              <a:rPr lang="en-IN" sz="2400" dirty="0" err="1"/>
               <a:t>ul</a:t>
             </a:r>
             <a:br>
-              <a:rPr lang="en-IN" sz="2400" dirty="0" smtClean="0"/>
-            </a:br>
-            <a:r>
-              <a:rPr lang="en-IN" sz="2400" dirty="0" smtClean="0"/>
+              <a:rPr lang="en-IN" sz="2400" dirty="0"/>
+            </a:br>
+            <a:r>
+              <a:rPr lang="en-IN" sz="2400" dirty="0"/>
               <a:t>{</a:t>
             </a:r>
             <a:br>
-              <a:rPr lang="en-IN" sz="2400" dirty="0" smtClean="0"/>
-            </a:br>
-            <a:r>
-              <a:rPr lang="en-IN" sz="2400" dirty="0" smtClean="0"/>
+              <a:rPr lang="en-IN" sz="2400" dirty="0"/>
+            </a:br>
+            <a:r>
+              <a:rPr lang="en-IN" sz="2400" dirty="0"/>
               <a:t>list-style: square </a:t>
             </a:r>
             <a:r>
-              <a:rPr lang="en-IN" sz="2400" dirty="0" err="1" smtClean="0"/>
+              <a:rPr lang="en-IN" sz="2400" dirty="0" err="1"/>
               <a:t>url</a:t>
             </a:r>
             <a:r>
-              <a:rPr lang="en-IN" sz="2400" dirty="0" smtClean="0"/>
+              <a:rPr lang="en-IN" sz="2400" dirty="0"/>
               <a:t>("sqpurple.gif");</a:t>
             </a:r>
             <a:br>
-              <a:rPr lang="en-IN" sz="2400" dirty="0" smtClean="0"/>
-            </a:br>
-            <a:r>
-              <a:rPr lang="en-IN" sz="2400" dirty="0" smtClean="0"/>
+              <a:rPr lang="en-IN" sz="2400" dirty="0"/>
+            </a:br>
+            <a:r>
+              <a:rPr lang="en-IN" sz="2400" dirty="0"/>
               <a:t>}</a:t>
             </a:r>
-            <a:endParaRPr lang="en-IN" sz="2400" dirty="0" smtClean="0"/>
           </a:p>
           <a:p>
             <a:endParaRPr lang="en-US" sz="2400" dirty="0"/>
@@ -8302,10 +7921,9 @@
           <a:lstStyle/>
           <a:p>
             <a:r>
-              <a:rPr lang="en-US" b="1" dirty="0" smtClean="0"/>
+              <a:rPr lang="en-US" b="1" dirty="0"/>
               <a:t>Table Properties in CSS</a:t>
             </a:r>
-            <a:endParaRPr lang="en-US" b="1" dirty="0"/>
           </a:p>
         </p:txBody>
       </p:sp>
@@ -8338,10 +7956,9 @@
               <a:buNone/>
             </a:pPr>
             <a:r>
-              <a:rPr lang="en-IN" b="1" dirty="0" smtClean="0"/>
+              <a:rPr lang="en-IN" b="1" dirty="0"/>
               <a:t>Table Borders</a:t>
             </a:r>
-            <a:endParaRPr lang="en-IN" b="1" dirty="0" smtClean="0"/>
           </a:p>
           <a:p>
             <a:pPr>
@@ -8351,32 +7968,31 @@
               <a:buNone/>
             </a:pPr>
             <a:r>
-              <a:rPr lang="en-IN" dirty="0" smtClean="0"/>
+              <a:rPr lang="en-IN" dirty="0"/>
               <a:t> table, </a:t>
             </a:r>
             <a:r>
-              <a:rPr lang="en-IN" dirty="0" err="1" smtClean="0"/>
+              <a:rPr lang="en-IN" dirty="0" err="1"/>
               <a:t>th</a:t>
             </a:r>
             <a:r>
-              <a:rPr lang="en-IN" dirty="0" smtClean="0"/>
+              <a:rPr lang="en-IN" dirty="0"/>
               <a:t>, td</a:t>
             </a:r>
             <a:br>
-              <a:rPr lang="en-IN" dirty="0" smtClean="0"/>
-            </a:br>
-            <a:r>
-              <a:rPr lang="en-IN" dirty="0" smtClean="0"/>
+              <a:rPr lang="en-IN" dirty="0"/>
+            </a:br>
+            <a:r>
+              <a:rPr lang="en-IN" dirty="0"/>
               <a:t>{</a:t>
             </a:r>
             <a:br>
-              <a:rPr lang="en-IN" dirty="0" smtClean="0"/>
-            </a:br>
-            <a:r>
-              <a:rPr lang="en-IN" dirty="0" smtClean="0"/>
+              <a:rPr lang="en-IN" dirty="0"/>
+            </a:br>
+            <a:r>
+              <a:rPr lang="en-IN" dirty="0"/>
               <a:t>border: 1px solid black;</a:t>
             </a:r>
-            <a:endParaRPr lang="en-IN" dirty="0" smtClean="0"/>
           </a:p>
           <a:p>
             <a:pPr>
@@ -8386,25 +8002,24 @@
               <a:buNone/>
             </a:pPr>
             <a:r>
-              <a:rPr lang="en-IN" dirty="0" smtClean="0"/>
+              <a:rPr lang="en-IN" dirty="0"/>
               <a:t>	border-</a:t>
             </a:r>
             <a:r>
-              <a:rPr lang="en-IN" dirty="0" err="1" smtClean="0"/>
+              <a:rPr lang="en-IN" dirty="0" err="1"/>
               <a:t>collapse:collapse</a:t>
             </a:r>
             <a:r>
-              <a:rPr lang="en-IN" dirty="0" smtClean="0"/>
+              <a:rPr lang="en-IN" dirty="0"/>
               <a:t>;</a:t>
             </a:r>
             <a:br>
-              <a:rPr lang="en-IN" dirty="0" smtClean="0"/>
-            </a:br>
-            <a:r>
-              <a:rPr lang="en-IN" dirty="0" smtClean="0"/>
+              <a:rPr lang="en-IN" dirty="0"/>
+            </a:br>
+            <a:r>
+              <a:rPr lang="en-IN" dirty="0"/>
               <a:t>}</a:t>
             </a:r>
-            <a:endParaRPr lang="en-IN" dirty="0" smtClean="0"/>
           </a:p>
           <a:p>
             <a:pPr algn="just">
@@ -8414,10 +8029,9 @@
               <a:buNone/>
             </a:pPr>
             <a:r>
-              <a:rPr lang="en-IN" dirty="0" smtClean="0"/>
+              <a:rPr lang="en-IN" dirty="0"/>
               <a:t>	The border-collapse property sets whether the table borders are collapsed into a single border or separated</a:t>
             </a:r>
-            <a:endParaRPr lang="en-IN" dirty="0" smtClean="0"/>
           </a:p>
           <a:p>
             <a:pPr algn="just">
@@ -8427,10 +8041,10 @@
               <a:buNone/>
             </a:pPr>
             <a:r>
-              <a:rPr lang="en-US" b="1" dirty="0" smtClean="0"/>
+              <a:rPr lang="en-US" b="1" dirty="0"/>
               <a:t>Table Width &amp; Text Alignment</a:t>
             </a:r>
-            <a:endParaRPr lang="en-IN" b="1" dirty="0" smtClean="0"/>
+            <a:endParaRPr lang="en-IN" b="1" dirty="0"/>
           </a:p>
           <a:p>
             <a:pPr algn="just">
@@ -8440,16 +8054,12 @@
               <a:buNone/>
             </a:pPr>
             <a:r>
-              <a:rPr lang="en-US" dirty="0" smtClean="0">
+              <a:rPr lang="en-US" dirty="0">
                 <a:latin typeface="Calibri" charset="0"/>
                 <a:cs typeface="Calibri" charset="0"/>
               </a:rPr>
               <a:t>table  { width:100%;   }</a:t>
             </a:r>
-            <a:endParaRPr lang="en-US" dirty="0" smtClean="0">
-              <a:latin typeface="Calibri" charset="0"/>
-              <a:cs typeface="Calibri" charset="0"/>
-            </a:endParaRPr>
           </a:p>
           <a:p>
             <a:pPr algn="just">
@@ -8459,23 +8069,19 @@
               <a:buNone/>
             </a:pPr>
             <a:r>
-              <a:rPr lang="en-US" dirty="0" err="1" smtClean="0">
+              <a:rPr lang="en-US" dirty="0" err="1">
                 <a:latin typeface="Calibri" charset="0"/>
                 <a:cs typeface="Calibri" charset="0"/>
               </a:rPr>
               <a:t>th</a:t>
             </a:r>
             <a:r>
-              <a:rPr lang="en-US" dirty="0" smtClean="0">
+              <a:rPr lang="en-US" dirty="0">
                 <a:latin typeface="Calibri" charset="0"/>
                 <a:cs typeface="Calibri" charset="0"/>
               </a:rPr>
               <a:t>  { height:75px;  }</a:t>
             </a:r>
-            <a:endParaRPr lang="en-US" dirty="0" smtClean="0">
-              <a:latin typeface="Calibri" charset="0"/>
-              <a:cs typeface="Calibri" charset="0"/>
-            </a:endParaRPr>
           </a:p>
           <a:p>
             <a:pPr algn="just">
@@ -8485,16 +8091,12 @@
               <a:buNone/>
             </a:pPr>
             <a:r>
-              <a:rPr lang="en-US" dirty="0" smtClean="0">
+              <a:rPr lang="en-US" dirty="0">
                 <a:latin typeface="Calibri" charset="0"/>
                 <a:cs typeface="Calibri" charset="0"/>
               </a:rPr>
               <a:t>td    </a:t>
             </a:r>
-            <a:endParaRPr lang="en-US" dirty="0" smtClean="0">
-              <a:latin typeface="Calibri" charset="0"/>
-              <a:cs typeface="Calibri" charset="0"/>
-            </a:endParaRPr>
           </a:p>
           <a:p>
             <a:pPr algn="just">
@@ -8504,16 +8106,12 @@
               <a:buNone/>
             </a:pPr>
             <a:r>
-              <a:rPr lang="en-US" dirty="0" smtClean="0">
+              <a:rPr lang="en-US" dirty="0">
                 <a:latin typeface="Calibri" charset="0"/>
                 <a:cs typeface="Calibri" charset="0"/>
               </a:rPr>
               <a:t>{   </a:t>
             </a:r>
-            <a:endParaRPr lang="en-US" dirty="0" smtClean="0">
-              <a:latin typeface="Calibri" charset="0"/>
-              <a:cs typeface="Calibri" charset="0"/>
-            </a:endParaRPr>
           </a:p>
           <a:p>
             <a:pPr>
@@ -8523,18 +8121,17 @@
               <a:buNone/>
             </a:pPr>
             <a:r>
-              <a:rPr lang="en-IN" dirty="0" smtClean="0"/>
+              <a:rPr lang="en-IN" dirty="0"/>
               <a:t>text-</a:t>
             </a:r>
             <a:r>
-              <a:rPr lang="en-IN" dirty="0" err="1" smtClean="0"/>
+              <a:rPr lang="en-IN" dirty="0" err="1"/>
               <a:t>align:right</a:t>
             </a:r>
             <a:r>
-              <a:rPr lang="en-IN" dirty="0" smtClean="0"/>
+              <a:rPr lang="en-IN" dirty="0"/>
               <a:t>;</a:t>
             </a:r>
-            <a:endParaRPr lang="en-IN" dirty="0" smtClean="0"/>
           </a:p>
           <a:p>
             <a:pPr>
@@ -8544,18 +8141,17 @@
               <a:buNone/>
             </a:pPr>
             <a:r>
-              <a:rPr lang="en-IN" dirty="0" smtClean="0"/>
+              <a:rPr lang="en-IN" dirty="0"/>
               <a:t>vertical-</a:t>
             </a:r>
             <a:r>
-              <a:rPr lang="en-IN" dirty="0" err="1" smtClean="0"/>
+              <a:rPr lang="en-IN" dirty="0" err="1"/>
               <a:t>align:bottom</a:t>
             </a:r>
             <a:r>
-              <a:rPr lang="en-IN" dirty="0" smtClean="0"/>
+              <a:rPr lang="en-IN" dirty="0"/>
               <a:t>;   </a:t>
             </a:r>
-            <a:endParaRPr lang="en-IN" dirty="0" smtClean="0"/>
           </a:p>
           <a:p>
             <a:pPr>
@@ -8565,11 +8161,11 @@
               <a:buNone/>
             </a:pPr>
             <a:r>
-              <a:rPr lang="en-IN" dirty="0" smtClean="0"/>
+              <a:rPr lang="en-IN" dirty="0"/>
               <a:t> </a:t>
             </a:r>
             <a:r>
-              <a:rPr lang="en-US" dirty="0" smtClean="0">
+              <a:rPr lang="en-US" dirty="0">
                 <a:latin typeface="Calibri" charset="0"/>
                 <a:cs typeface="Calibri" charset="0"/>
               </a:rPr>
@@ -8625,10 +8221,9 @@
           <a:lstStyle/>
           <a:p>
             <a:r>
-              <a:rPr lang="en-US" b="1" dirty="0" smtClean="0"/>
+              <a:rPr lang="en-US" b="1" dirty="0"/>
               <a:t>Table Properties in CSS</a:t>
             </a:r>
-            <a:endParaRPr lang="en-US" b="1" dirty="0"/>
           </a:p>
         </p:txBody>
       </p:sp>
@@ -8664,18 +8259,17 @@
               <a:buNone/>
             </a:pPr>
             <a:r>
-              <a:rPr lang="en-IN" sz="2000" b="1" dirty="0" smtClean="0"/>
+              <a:rPr lang="en-IN" sz="2000" b="1" dirty="0"/>
               <a:t>Table </a:t>
             </a:r>
             <a:r>
-              <a:rPr lang="en-IN" sz="2000" b="1" dirty="0" err="1" smtClean="0"/>
+              <a:rPr lang="en-IN" sz="2000" b="1" dirty="0" err="1"/>
               <a:t>Color</a:t>
             </a:r>
             <a:r>
-              <a:rPr lang="en-IN" sz="2000" b="1" dirty="0" smtClean="0"/>
+              <a:rPr lang="en-IN" sz="2000" b="1" dirty="0"/>
               <a:t> </a:t>
             </a:r>
-            <a:endParaRPr lang="en-IN" sz="2000" b="1" dirty="0" smtClean="0"/>
           </a:p>
           <a:p>
             <a:pPr>
@@ -8688,18 +8282,17 @@
               <a:buNone/>
             </a:pPr>
             <a:r>
-              <a:rPr lang="en-IN" sz="2000" dirty="0" smtClean="0"/>
+              <a:rPr lang="en-IN" sz="2000" dirty="0"/>
               <a:t>&lt;style type="text/</a:t>
             </a:r>
             <a:r>
-              <a:rPr lang="en-IN" sz="2000" dirty="0" err="1" smtClean="0"/>
+              <a:rPr lang="en-IN" sz="2000" dirty="0" err="1"/>
               <a:t>css</a:t>
             </a:r>
             <a:r>
-              <a:rPr lang="en-IN" sz="2000" dirty="0" smtClean="0"/>
+              <a:rPr lang="en-IN" sz="2000" dirty="0"/>
               <a:t>"&gt;</a:t>
             </a:r>
-            <a:endParaRPr lang="en-IN" sz="2000" dirty="0" smtClean="0"/>
           </a:p>
           <a:p>
             <a:pPr>
@@ -8712,18 +8305,17 @@
               <a:buNone/>
             </a:pPr>
             <a:r>
-              <a:rPr lang="en-IN" sz="2000" dirty="0" smtClean="0"/>
+              <a:rPr lang="en-IN" sz="2000" dirty="0"/>
               <a:t>table, td, </a:t>
             </a:r>
             <a:r>
-              <a:rPr lang="en-IN" sz="2000" dirty="0" err="1" smtClean="0"/>
+              <a:rPr lang="en-IN" sz="2000" dirty="0" err="1"/>
               <a:t>th</a:t>
             </a:r>
             <a:r>
-              <a:rPr lang="en-IN" sz="2000" dirty="0" smtClean="0"/>
+              <a:rPr lang="en-IN" sz="2000" dirty="0"/>
               <a:t> {</a:t>
             </a:r>
-            <a:endParaRPr lang="en-IN" sz="2000" dirty="0" smtClean="0"/>
           </a:p>
           <a:p>
             <a:pPr>
@@ -8736,10 +8328,9 @@
               <a:buNone/>
             </a:pPr>
             <a:r>
-              <a:rPr lang="en-IN" sz="2000" dirty="0" smtClean="0"/>
+              <a:rPr lang="en-IN" sz="2000" dirty="0"/>
               <a:t>border:1px solid green;</a:t>
             </a:r>
-            <a:endParaRPr lang="en-IN" sz="2000" dirty="0" smtClean="0"/>
           </a:p>
           <a:p>
             <a:pPr>
@@ -8752,10 +8343,9 @@
               <a:buNone/>
             </a:pPr>
             <a:r>
-              <a:rPr lang="en-IN" sz="2000" dirty="0" smtClean="0"/>
+              <a:rPr lang="en-IN" sz="2000" dirty="0"/>
               <a:t>}</a:t>
             </a:r>
-            <a:endParaRPr lang="en-IN" sz="2000" dirty="0" smtClean="0"/>
           </a:p>
           <a:p>
             <a:pPr>
@@ -8768,14 +8358,13 @@
               <a:buNone/>
             </a:pPr>
             <a:r>
-              <a:rPr lang="en-IN" sz="2000" dirty="0" err="1" smtClean="0"/>
+              <a:rPr lang="en-IN" sz="2000" dirty="0" err="1"/>
               <a:t>th</a:t>
             </a:r>
             <a:r>
-              <a:rPr lang="en-IN" sz="2000" dirty="0" smtClean="0"/>
+              <a:rPr lang="en-IN" sz="2000" dirty="0"/>
               <a:t> {</a:t>
             </a:r>
-            <a:endParaRPr lang="en-IN" sz="2000" dirty="0" smtClean="0"/>
           </a:p>
           <a:p>
             <a:pPr>
@@ -8788,18 +8377,17 @@
               <a:buNone/>
             </a:pPr>
             <a:r>
-              <a:rPr lang="en-IN" sz="2000" dirty="0" smtClean="0"/>
+              <a:rPr lang="en-IN" sz="2000" dirty="0"/>
               <a:t>background-</a:t>
             </a:r>
             <a:r>
-              <a:rPr lang="en-IN" sz="2000" dirty="0" err="1" smtClean="0"/>
+              <a:rPr lang="en-IN" sz="2000" dirty="0" err="1"/>
               <a:t>color:green</a:t>
             </a:r>
             <a:r>
-              <a:rPr lang="en-IN" sz="2000" dirty="0" smtClean="0"/>
+              <a:rPr lang="en-IN" sz="2000" dirty="0"/>
               <a:t>;</a:t>
             </a:r>
-            <a:endParaRPr lang="en-IN" sz="2000" dirty="0" smtClean="0"/>
           </a:p>
           <a:p>
             <a:pPr>
@@ -8812,14 +8400,13 @@
               <a:buNone/>
             </a:pPr>
             <a:r>
-              <a:rPr lang="en-IN" sz="2000" dirty="0" err="1" smtClean="0"/>
+              <a:rPr lang="en-IN" sz="2000" dirty="0" err="1"/>
               <a:t>color:white</a:t>
             </a:r>
             <a:r>
-              <a:rPr lang="en-IN" sz="2000" dirty="0" smtClean="0"/>
+              <a:rPr lang="en-IN" sz="2000" dirty="0"/>
               <a:t>;</a:t>
             </a:r>
-            <a:endParaRPr lang="en-IN" sz="2000" dirty="0" smtClean="0"/>
           </a:p>
           <a:p>
             <a:pPr>
@@ -8832,10 +8419,9 @@
               <a:buNone/>
             </a:pPr>
             <a:r>
-              <a:rPr lang="en-IN" sz="2000" dirty="0" smtClean="0"/>
+              <a:rPr lang="en-IN" sz="2000" dirty="0"/>
               <a:t>}</a:t>
             </a:r>
-            <a:endParaRPr lang="en-IN" sz="2000" dirty="0" smtClean="0"/>
           </a:p>
           <a:p>
             <a:pPr>
@@ -8848,10 +8434,9 @@
               <a:buNone/>
             </a:pPr>
             <a:r>
-              <a:rPr lang="en-IN" sz="2000" dirty="0" smtClean="0"/>
+              <a:rPr lang="en-IN" sz="2000" dirty="0"/>
               <a:t>&lt;/style&gt;</a:t>
             </a:r>
-            <a:endParaRPr lang="en-IN" sz="2000" dirty="0" smtClean="0"/>
           </a:p>
           <a:p>
             <a:pPr>
@@ -8864,10 +8449,9 @@
               <a:buNone/>
             </a:pPr>
             <a:r>
-              <a:rPr lang="en-IN" sz="2000" b="1" dirty="0" smtClean="0"/>
+              <a:rPr lang="en-IN" sz="2000" b="1" dirty="0"/>
               <a:t>Table Padding</a:t>
             </a:r>
-            <a:endParaRPr lang="en-IN" sz="2000" b="1" dirty="0" smtClean="0"/>
           </a:p>
           <a:p>
             <a:pPr>
@@ -8880,18 +8464,17 @@
               <a:buNone/>
             </a:pPr>
             <a:r>
-              <a:rPr lang="en-IN" sz="2000" dirty="0" smtClean="0"/>
+              <a:rPr lang="en-IN" sz="2000" dirty="0"/>
               <a:t>	To control the space between the border and content in a table, use the padding property on td and </a:t>
             </a:r>
             <a:r>
-              <a:rPr lang="en-IN" sz="2000" dirty="0" err="1" smtClean="0"/>
+              <a:rPr lang="en-IN" sz="2000" dirty="0" err="1"/>
               <a:t>th</a:t>
             </a:r>
             <a:r>
-              <a:rPr lang="en-IN" sz="2000" dirty="0" smtClean="0"/>
+              <a:rPr lang="en-IN" sz="2000" dirty="0"/>
               <a:t> elements:</a:t>
             </a:r>
-            <a:endParaRPr lang="en-IN" sz="2000" dirty="0" smtClean="0"/>
           </a:p>
           <a:p>
             <a:pPr>
@@ -8903,17 +8486,16 @@
               </a:spcBef>
             </a:pPr>
             <a:r>
-              <a:rPr lang="en-IN" sz="2000" dirty="0" smtClean="0"/>
+              <a:rPr lang="en-IN" sz="2000" dirty="0"/>
               <a:t>	td {</a:t>
             </a:r>
             <a:br>
-              <a:rPr lang="en-IN" sz="2000" dirty="0" smtClean="0"/>
-            </a:br>
-            <a:r>
-              <a:rPr lang="en-IN" sz="2000" dirty="0" smtClean="0"/>
+              <a:rPr lang="en-IN" sz="2000" dirty="0"/>
+            </a:br>
+            <a:r>
+              <a:rPr lang="en-IN" sz="2000" dirty="0"/>
               <a:t>padding:15px;  }    or      padding-left:50px;</a:t>
             </a:r>
-            <a:endParaRPr lang="en-IN" sz="2000" dirty="0" smtClean="0"/>
           </a:p>
           <a:p>
             <a:pPr>
@@ -8974,7 +8556,7 @@
           <a:lstStyle/>
           <a:p>
             <a:r>
-              <a:rPr lang="en-IN" b="1" dirty="0" smtClean="0"/>
+              <a:rPr lang="en-IN" b="1" dirty="0"/>
               <a:t>The CSS Box Model</a:t>
             </a:r>
             <a:endParaRPr lang="en-US" dirty="0"/>
@@ -9009,10 +8591,9 @@
               </a:lnSpc>
             </a:pPr>
             <a:r>
-              <a:rPr lang="en-IN" dirty="0" smtClean="0"/>
+              <a:rPr lang="en-IN" dirty="0"/>
               <a:t>The CSS box model is essentially a box that wraps around HTML elements, and it consists of: margins, borders, padding, and the actual content.</a:t>
             </a:r>
-            <a:endParaRPr lang="en-IN" dirty="0" smtClean="0"/>
           </a:p>
           <a:p>
             <a:pPr algn="just">
@@ -9021,10 +8602,9 @@
               </a:lnSpc>
             </a:pPr>
             <a:r>
-              <a:rPr lang="en-IN" dirty="0" smtClean="0"/>
+              <a:rPr lang="en-IN" dirty="0"/>
               <a:t>The box model allows us to place a border around elements and space elements in relation to other elements.</a:t>
             </a:r>
-            <a:endParaRPr lang="en-IN" dirty="0" smtClean="0"/>
           </a:p>
           <a:p>
             <a:pPr algn="just">
@@ -9032,45 +8612,45 @@
                 <a:spcPct val="150000"/>
               </a:lnSpc>
             </a:pPr>
-            <a:endParaRPr lang="en-IN" dirty="0" smtClean="0"/>
-          </a:p>
-          <a:p>
-            <a:pPr>
-              <a:buNone/>
-            </a:pPr>
-            <a:r>
-              <a:rPr lang="en-IN" dirty="0" smtClean="0"/>
+            <a:endParaRPr lang="en-IN" dirty="0"/>
+          </a:p>
+          <a:p>
+            <a:pPr>
+              <a:buNone/>
+            </a:pPr>
+            <a:r>
+              <a:rPr lang="en-IN" dirty="0"/>
               <a:t>	width:250px;</a:t>
             </a:r>
             <a:br>
-              <a:rPr lang="en-IN" dirty="0" smtClean="0"/>
-            </a:br>
-            <a:r>
-              <a:rPr lang="en-IN" dirty="0" smtClean="0"/>
+              <a:rPr lang="en-IN" dirty="0"/>
+            </a:br>
+            <a:r>
+              <a:rPr lang="en-IN" dirty="0"/>
               <a:t>padding:10px;</a:t>
             </a:r>
             <a:br>
-              <a:rPr lang="en-IN" dirty="0" smtClean="0"/>
-            </a:br>
-            <a:r>
-              <a:rPr lang="en-IN" dirty="0" smtClean="0"/>
+              <a:rPr lang="en-IN" dirty="0"/>
+            </a:br>
+            <a:r>
+              <a:rPr lang="en-IN" dirty="0"/>
               <a:t>border:5px solid gray;</a:t>
             </a:r>
             <a:br>
-              <a:rPr lang="en-IN" dirty="0" smtClean="0"/>
-            </a:br>
-            <a:r>
-              <a:rPr lang="en-IN" dirty="0" smtClean="0"/>
+              <a:rPr lang="en-IN" dirty="0"/>
+            </a:br>
+            <a:r>
+              <a:rPr lang="en-IN" dirty="0"/>
               <a:t>margin:10px; </a:t>
             </a:r>
             <a:br>
-              <a:rPr lang="en-IN" dirty="0" smtClean="0"/>
-            </a:br>
-            <a:r>
-              <a:rPr lang="en-IN" dirty="0" smtClean="0"/>
+              <a:rPr lang="en-IN" dirty="0"/>
+            </a:br>
+            <a:r>
+              <a:rPr lang="en-IN" dirty="0"/>
               <a:t> </a:t>
             </a:r>
-            <a:endParaRPr lang="en-IN" sz="8800" dirty="0" smtClean="0"/>
+            <a:endParaRPr lang="en-IN" sz="8800" dirty="0"/>
           </a:p>
           <a:p>
             <a:endParaRPr lang="en-US" dirty="0"/>
@@ -9086,7 +8666,7 @@
           <p:nvPr/>
         </p:nvPicPr>
         <p:blipFill>
-          <a:blip r:embed="rId1"/>
+          <a:blip r:embed="rId2"/>
           <a:stretch>
             <a:fillRect/>
           </a:stretch>
@@ -9149,10 +8729,9 @@
           <a:lstStyle/>
           <a:p>
             <a:r>
-              <a:rPr lang="en-US" b="1" dirty="0" smtClean="0"/>
+              <a:rPr lang="en-US" b="1" dirty="0"/>
               <a:t>The CSS Box Model</a:t>
             </a:r>
-            <a:endParaRPr lang="en-US" b="1" dirty="0"/>
           </a:p>
         </p:txBody>
       </p:sp>
@@ -9184,22 +8763,21 @@
               </a:lnSpc>
             </a:pPr>
             <a:r>
-              <a:rPr lang="en-IN" sz="2000" b="1" dirty="0" smtClean="0"/>
+              <a:rPr lang="en-IN" sz="2000" b="1" dirty="0"/>
               <a:t>Margin</a:t>
             </a:r>
             <a:r>
-              <a:rPr lang="en-IN" sz="2000" dirty="0" smtClean="0"/>
+              <a:rPr lang="en-IN" sz="2000" dirty="0"/>
               <a:t> - Clears an area around the border. The margin does not have a background </a:t>
             </a:r>
             <a:r>
-              <a:rPr lang="en-IN" sz="2000" dirty="0" err="1" smtClean="0"/>
+              <a:rPr lang="en-IN" sz="2000" dirty="0" err="1"/>
               <a:t>color</a:t>
             </a:r>
             <a:r>
-              <a:rPr lang="en-IN" sz="2000" dirty="0" smtClean="0"/>
+              <a:rPr lang="en-IN" sz="2000" dirty="0"/>
               <a:t>, it is completely transparent</a:t>
             </a:r>
-            <a:endParaRPr lang="en-IN" sz="2000" dirty="0" smtClean="0"/>
           </a:p>
           <a:p>
             <a:pPr>
@@ -9208,22 +8786,21 @@
               </a:lnSpc>
             </a:pPr>
             <a:r>
-              <a:rPr lang="en-IN" sz="2000" b="1" dirty="0" smtClean="0"/>
+              <a:rPr lang="en-IN" sz="2000" b="1" dirty="0"/>
               <a:t>Border</a:t>
             </a:r>
             <a:r>
-              <a:rPr lang="en-IN" sz="2000" dirty="0" smtClean="0"/>
+              <a:rPr lang="en-IN" sz="2000" dirty="0"/>
               <a:t> - A border that goes around the padding and content. The border is affected by the background </a:t>
             </a:r>
             <a:r>
-              <a:rPr lang="en-IN" sz="2000" dirty="0" err="1" smtClean="0"/>
+              <a:rPr lang="en-IN" sz="2000" dirty="0" err="1"/>
               <a:t>color</a:t>
             </a:r>
             <a:r>
-              <a:rPr lang="en-IN" sz="2000" dirty="0" smtClean="0"/>
+              <a:rPr lang="en-IN" sz="2000" dirty="0"/>
               <a:t> of the box</a:t>
             </a:r>
-            <a:endParaRPr lang="en-IN" sz="2000" dirty="0" smtClean="0"/>
           </a:p>
           <a:p>
             <a:pPr>
@@ -9232,22 +8809,21 @@
               </a:lnSpc>
             </a:pPr>
             <a:r>
-              <a:rPr lang="en-IN" sz="2000" b="1" dirty="0" smtClean="0"/>
+              <a:rPr lang="en-IN" sz="2000" b="1" dirty="0"/>
               <a:t>Padding</a:t>
             </a:r>
             <a:r>
-              <a:rPr lang="en-IN" sz="2000" dirty="0" smtClean="0"/>
+              <a:rPr lang="en-IN" sz="2000" dirty="0"/>
               <a:t> - Clears an area around the content. The padding is affected by the background </a:t>
             </a:r>
             <a:r>
-              <a:rPr lang="en-IN" sz="2000" dirty="0" err="1" smtClean="0"/>
+              <a:rPr lang="en-IN" sz="2000" dirty="0" err="1"/>
               <a:t>color</a:t>
             </a:r>
             <a:r>
-              <a:rPr lang="en-IN" sz="2000" dirty="0" smtClean="0"/>
+              <a:rPr lang="en-IN" sz="2000" dirty="0"/>
               <a:t> of the box</a:t>
             </a:r>
-            <a:endParaRPr lang="en-IN" sz="2000" dirty="0" smtClean="0"/>
           </a:p>
           <a:p>
             <a:pPr>
@@ -9256,14 +8832,13 @@
               </a:lnSpc>
             </a:pPr>
             <a:r>
-              <a:rPr lang="en-IN" sz="2000" b="1" dirty="0" smtClean="0"/>
+              <a:rPr lang="en-IN" sz="2000" b="1" dirty="0"/>
               <a:t>Content</a:t>
             </a:r>
             <a:r>
-              <a:rPr lang="en-IN" sz="2000" dirty="0" smtClean="0"/>
+              <a:rPr lang="en-IN" sz="2000" dirty="0"/>
               <a:t> - The content of the box, where text and images appear</a:t>
             </a:r>
-            <a:endParaRPr lang="en-IN" sz="2000" dirty="0" smtClean="0"/>
           </a:p>
           <a:p>
             <a:pPr>
@@ -9273,10 +8848,9 @@
               <a:buNone/>
             </a:pPr>
             <a:r>
-              <a:rPr lang="en-IN" sz="2000" dirty="0" smtClean="0"/>
+              <a:rPr lang="en-IN" sz="2000" dirty="0"/>
               <a:t>	Total element width = width + left padding + right padding + left border + right border + left margin + right margin</a:t>
             </a:r>
-            <a:endParaRPr lang="en-IN" sz="2000" dirty="0" smtClean="0"/>
           </a:p>
           <a:p>
             <a:pPr>
@@ -9286,14 +8860,13 @@
               <a:buNone/>
             </a:pPr>
             <a:r>
-              <a:rPr lang="en-US" sz="2000" dirty="0" smtClean="0"/>
+              <a:rPr lang="en-US" sz="2000" dirty="0"/>
               <a:t>	</a:t>
             </a:r>
             <a:r>
-              <a:rPr lang="en-IN" sz="2000" dirty="0" smtClean="0"/>
+              <a:rPr lang="en-IN" sz="2000" dirty="0"/>
               <a:t> Total element height = height + top padding + bottom padding + top border + bottom border + top margin + bottom margin</a:t>
             </a:r>
-            <a:endParaRPr lang="en-IN" sz="2000" dirty="0" smtClean="0"/>
           </a:p>
           <a:p>
             <a:endParaRPr lang="en-US" sz="2000" dirty="0"/>
@@ -9346,7 +8919,7 @@
           <a:lstStyle/>
           <a:p>
             <a:r>
-              <a:rPr lang="en-IN" b="1" dirty="0" smtClean="0"/>
+              <a:rPr lang="en-IN" b="1" dirty="0"/>
               <a:t>The CSS Border</a:t>
             </a:r>
             <a:endParaRPr lang="en-US" dirty="0"/>
@@ -9382,10 +8955,9 @@
               <a:buNone/>
             </a:pPr>
             <a:r>
-              <a:rPr lang="en-IN" sz="2000" dirty="0" smtClean="0"/>
+              <a:rPr lang="en-IN" sz="2000" dirty="0"/>
               <a:t>The border-style property specifies what kind of border to display.</a:t>
             </a:r>
-            <a:endParaRPr lang="en-IN" sz="2000" dirty="0" smtClean="0"/>
           </a:p>
           <a:p>
             <a:pPr algn="just">
@@ -9394,10 +8966,9 @@
               </a:lnSpc>
             </a:pPr>
             <a:r>
-              <a:rPr lang="en-IN" sz="2000" b="1" dirty="0" smtClean="0"/>
+              <a:rPr lang="en-IN" sz="2000" b="1" dirty="0"/>
               <a:t>border-style values:</a:t>
             </a:r>
-            <a:endParaRPr lang="en-IN" sz="2000" b="1" dirty="0" smtClean="0"/>
           </a:p>
           <a:p>
             <a:pPr algn="just">
@@ -9407,10 +8978,17 @@
               <a:buNone/>
             </a:pPr>
             <a:r>
-              <a:rPr lang="en-IN" sz="2000" dirty="0" smtClean="0"/>
-              <a:t>	None ,dotted , dashed , solid , double , groove , ridge</a:t>
-            </a:r>
-            <a:endParaRPr lang="en-IN" sz="2000" dirty="0" smtClean="0"/>
+              <a:rPr lang="en-IN" sz="2000" dirty="0"/>
+              <a:t>	</a:t>
+            </a:r>
+            <a:r>
+              <a:rPr lang="en-IN" sz="2000" dirty="0">
+                <a:highlight>
+                  <a:srgbClr val="00FFFF"/>
+                </a:highlight>
+              </a:rPr>
+              <a:t>None ,dotted , dashed , solid , double , groove , ridge</a:t>
+            </a:r>
           </a:p>
           <a:p>
             <a:pPr algn="just">
@@ -9420,10 +8998,13 @@
               <a:buNone/>
             </a:pPr>
             <a:r>
-              <a:rPr lang="en-IN" sz="2000" dirty="0" smtClean="0"/>
+              <a:rPr lang="en-IN" sz="2000" dirty="0">
+                <a:highlight>
+                  <a:srgbClr val="00FFFF"/>
+                </a:highlight>
+              </a:rPr>
               <a:t>	inset ,outset</a:t>
             </a:r>
-            <a:endParaRPr lang="en-IN" sz="2000" dirty="0" smtClean="0"/>
           </a:p>
           <a:p>
             <a:pPr>
@@ -9432,18 +9013,17 @@
               </a:lnSpc>
             </a:pPr>
             <a:r>
-              <a:rPr lang="en-IN" sz="2000" dirty="0" smtClean="0"/>
+              <a:rPr lang="en-IN" sz="2000" dirty="0"/>
               <a:t>border-</a:t>
             </a:r>
             <a:r>
-              <a:rPr lang="en-IN" sz="2000" dirty="0" err="1" smtClean="0"/>
+              <a:rPr lang="en-IN" sz="2000" dirty="0" err="1"/>
               <a:t>style:solid</a:t>
             </a:r>
             <a:r>
-              <a:rPr lang="en-IN" sz="2000" dirty="0" smtClean="0"/>
+              <a:rPr lang="en-IN" sz="2000" dirty="0"/>
               <a:t>;</a:t>
             </a:r>
-            <a:endParaRPr lang="en-IN" sz="2000" dirty="0" smtClean="0"/>
           </a:p>
           <a:p>
             <a:pPr>
@@ -9452,18 +9032,17 @@
               </a:lnSpc>
             </a:pPr>
             <a:r>
-              <a:rPr lang="en-IN" sz="2000" dirty="0" smtClean="0"/>
+              <a:rPr lang="en-IN" sz="2000" dirty="0"/>
               <a:t>border-top-</a:t>
             </a:r>
             <a:r>
-              <a:rPr lang="en-IN" sz="2000" dirty="0" err="1" smtClean="0"/>
+              <a:rPr lang="en-IN" sz="2000" dirty="0" err="1"/>
               <a:t>style:dotted</a:t>
             </a:r>
             <a:r>
-              <a:rPr lang="en-IN" sz="2000" dirty="0" smtClean="0"/>
+              <a:rPr lang="en-IN" sz="2000" dirty="0"/>
               <a:t>;</a:t>
             </a:r>
-            <a:endParaRPr lang="en-IN" sz="2000" dirty="0" smtClean="0"/>
           </a:p>
           <a:p>
             <a:pPr>
@@ -9472,18 +9051,17 @@
               </a:lnSpc>
             </a:pPr>
             <a:r>
-              <a:rPr lang="en-IN" sz="2000" dirty="0" smtClean="0"/>
+              <a:rPr lang="en-IN" sz="2000" dirty="0"/>
               <a:t>border-</a:t>
             </a:r>
             <a:r>
-              <a:rPr lang="en-IN" sz="2000" dirty="0" err="1" smtClean="0"/>
+              <a:rPr lang="en-IN" sz="2000" dirty="0" err="1"/>
               <a:t>style:dotted</a:t>
             </a:r>
             <a:r>
-              <a:rPr lang="en-IN" sz="2000" dirty="0" smtClean="0"/>
+              <a:rPr lang="en-IN" sz="2000" dirty="0"/>
               <a:t> solid double dashed; </a:t>
             </a:r>
-            <a:endParaRPr lang="en-IN" sz="2000" dirty="0" smtClean="0"/>
           </a:p>
           <a:p>
             <a:pPr>
@@ -9492,18 +9070,17 @@
               </a:lnSpc>
             </a:pPr>
             <a:r>
-              <a:rPr lang="en-IN" sz="2000" dirty="0" smtClean="0"/>
+              <a:rPr lang="en-IN" sz="2000" dirty="0"/>
               <a:t>border-</a:t>
             </a:r>
             <a:r>
-              <a:rPr lang="en-IN" sz="2000" dirty="0" err="1" smtClean="0"/>
+              <a:rPr lang="en-IN" sz="2000" dirty="0" err="1"/>
               <a:t>style:dotted</a:t>
             </a:r>
             <a:r>
-              <a:rPr lang="en-IN" sz="2000" dirty="0" smtClean="0"/>
+              <a:rPr lang="en-IN" sz="2000" dirty="0"/>
               <a:t> solid double; </a:t>
             </a:r>
-            <a:endParaRPr lang="en-IN" sz="2000" dirty="0" smtClean="0"/>
           </a:p>
           <a:p>
             <a:pPr>
@@ -9512,18 +9089,17 @@
               </a:lnSpc>
             </a:pPr>
             <a:r>
-              <a:rPr lang="en-IN" sz="2000" dirty="0" smtClean="0"/>
+              <a:rPr lang="en-IN" sz="2000" dirty="0"/>
               <a:t>border-</a:t>
             </a:r>
             <a:r>
-              <a:rPr lang="en-IN" sz="2000" dirty="0" err="1" smtClean="0"/>
+              <a:rPr lang="en-IN" sz="2000" dirty="0" err="1"/>
               <a:t>style:dotted</a:t>
             </a:r>
             <a:r>
-              <a:rPr lang="en-IN" sz="2000" dirty="0" smtClean="0"/>
+              <a:rPr lang="en-IN" sz="2000" dirty="0"/>
               <a:t> solid;</a:t>
             </a:r>
-            <a:endParaRPr lang="en-IN" sz="2000" dirty="0" smtClean="0"/>
           </a:p>
           <a:p>
             <a:pPr algn="just">
@@ -9533,16 +9109,12 @@
               <a:buNone/>
             </a:pPr>
             <a:r>
-              <a:rPr lang="en-US" sz="2000" dirty="0" smtClean="0">
+              <a:rPr lang="en-US" sz="2000" dirty="0">
                 <a:latin typeface="Calibri" charset="0"/>
                 <a:cs typeface="Calibri" charset="0"/>
               </a:rPr>
               <a:t>	</a:t>
             </a:r>
-            <a:endParaRPr lang="en-US" sz="2000" dirty="0" smtClean="0">
-              <a:latin typeface="Calibri" charset="0"/>
-              <a:cs typeface="Calibri" charset="0"/>
-            </a:endParaRPr>
           </a:p>
           <a:p>
             <a:pPr algn="just">
@@ -9552,16 +9124,12 @@
               <a:buNone/>
             </a:pPr>
             <a:r>
-              <a:rPr lang="en-US" sz="2000" dirty="0" smtClean="0">
+              <a:rPr lang="en-US" sz="2000" dirty="0">
                 <a:latin typeface="Calibri" charset="0"/>
                 <a:cs typeface="Calibri" charset="0"/>
               </a:rPr>
               <a:t>	margin:100px 50px;</a:t>
             </a:r>
-            <a:endParaRPr lang="en-US" sz="2000" dirty="0" smtClean="0">
-              <a:latin typeface="Calibri" charset="0"/>
-              <a:cs typeface="Calibri" charset="0"/>
-            </a:endParaRPr>
           </a:p>
           <a:p>
             <a:pPr>
@@ -9571,7 +9139,7 @@
               <a:buNone/>
             </a:pPr>
             <a:r>
-              <a:rPr lang="en-IN" sz="2000" dirty="0" smtClean="0"/>
+              <a:rPr lang="en-IN" sz="2000" dirty="0"/>
               <a:t>	margin-left:50px;</a:t>
             </a:r>
             <a:endParaRPr lang="en-US" sz="2000" dirty="0"/>
@@ -9614,7 +9182,7 @@
           </p:nvPr>
         </p:nvPicPr>
         <p:blipFill>
-          <a:blip r:embed="rId1" cstate="print"/>
+          <a:blip r:embed="rId2" cstate="print"/>
           <a:srcRect/>
           <a:stretch>
             <a:fillRect/>
@@ -9662,74 +9230,71 @@
               <a:buNone/>
             </a:pPr>
             <a:r>
-              <a:rPr lang="en-US" dirty="0" smtClean="0"/>
+              <a:rPr lang="en-US" dirty="0"/>
               <a:t>Example:</a:t>
             </a:r>
-            <a:endParaRPr lang="en-US" dirty="0" smtClean="0"/>
           </a:p>
           <a:p>
             <a:pPr lvl="2">
               <a:buNone/>
             </a:pPr>
             <a:r>
-              <a:rPr lang="en-US" dirty="0" smtClean="0"/>
+              <a:rPr lang="en-US" dirty="0"/>
               <a:t>p</a:t>
             </a:r>
             <a:br>
-              <a:rPr lang="en-US" dirty="0" smtClean="0"/>
-            </a:br>
-            <a:r>
-              <a:rPr lang="en-US" dirty="0" smtClean="0"/>
+              <a:rPr lang="en-US" dirty="0"/>
+            </a:br>
+            <a:r>
+              <a:rPr lang="en-US" dirty="0"/>
               <a:t>{</a:t>
             </a:r>
             <a:br>
-              <a:rPr lang="en-US" dirty="0" smtClean="0"/>
-            </a:br>
-            <a:r>
-              <a:rPr lang="en-US" dirty="0" smtClean="0"/>
+              <a:rPr lang="en-US" dirty="0"/>
+            </a:br>
+            <a:r>
+              <a:rPr lang="en-US" dirty="0"/>
               <a:t>	</a:t>
             </a:r>
             <a:r>
-              <a:rPr lang="en-US" dirty="0" err="1" smtClean="0"/>
+              <a:rPr lang="en-US" dirty="0" err="1"/>
               <a:t>color:red</a:t>
             </a:r>
             <a:r>
-              <a:rPr lang="en-US" dirty="0" smtClean="0"/>
+              <a:rPr lang="en-US" dirty="0"/>
               <a:t>;</a:t>
             </a:r>
             <a:br>
-              <a:rPr lang="en-US" dirty="0" smtClean="0"/>
-            </a:br>
-            <a:r>
-              <a:rPr lang="en-US" dirty="0" smtClean="0"/>
+              <a:rPr lang="en-US" dirty="0"/>
+            </a:br>
+            <a:r>
+              <a:rPr lang="en-US" dirty="0"/>
               <a:t>	text-</a:t>
             </a:r>
             <a:r>
-              <a:rPr lang="en-US" dirty="0" err="1" smtClean="0"/>
+              <a:rPr lang="en-US" dirty="0" err="1"/>
               <a:t>align:center</a:t>
             </a:r>
             <a:r>
-              <a:rPr lang="en-US" dirty="0" smtClean="0"/>
+              <a:rPr lang="en-US" dirty="0"/>
               <a:t>;</a:t>
             </a:r>
             <a:br>
-              <a:rPr lang="en-US" dirty="0" smtClean="0"/>
-            </a:br>
-            <a:r>
-              <a:rPr lang="en-US" dirty="0" smtClean="0"/>
+              <a:rPr lang="en-US" dirty="0"/>
+            </a:br>
+            <a:r>
+              <a:rPr lang="en-US" dirty="0"/>
               <a:t>}</a:t>
             </a:r>
-            <a:endParaRPr lang="en-US" dirty="0" smtClean="0"/>
-          </a:p>
-          <a:p>
-            <a:pPr>
-              <a:buNone/>
-            </a:pPr>
-            <a:r>
-              <a:rPr lang="en-US" dirty="0" smtClean="0"/>
+          </a:p>
+          <a:p>
+            <a:pPr>
+              <a:buNone/>
+            </a:pPr>
+            <a:r>
+              <a:rPr lang="en-US" dirty="0"/>
               <a:t>	</a:t>
             </a:r>
-            <a:endParaRPr lang="en-US" dirty="0"/>
           </a:p>
         </p:txBody>
       </p:sp>
@@ -9738,13 +9303,6 @@
   <p:clrMapOvr>
     <a:masterClrMapping/>
   </p:clrMapOvr>
-  <p:timing>
-    <p:tnLst>
-      <p:par>
-        <p:cTn id="1" dur="indefinite" restart="never" nodeType="tmRoot"/>
-      </p:par>
-    </p:tnLst>
-  </p:timing>
 </p:sld>
 </file>
 
@@ -9788,7 +9346,7 @@
           <a:lstStyle/>
           <a:p>
             <a:r>
-              <a:rPr lang="en-IN" b="1" dirty="0" smtClean="0"/>
+              <a:rPr lang="en-IN" b="1" dirty="0"/>
               <a:t>CSS Positioning</a:t>
             </a:r>
             <a:endParaRPr lang="en-US" dirty="0"/>
@@ -9824,10 +9382,9 @@
               <a:buNone/>
             </a:pPr>
             <a:r>
-              <a:rPr lang="en-IN" sz="2400" dirty="0" smtClean="0"/>
+              <a:rPr lang="en-IN" sz="2400" dirty="0"/>
               <a:t> The CSS positioning properties allow you to position an element. It can also place an element behind another, and specify what should happen when an element's content is too big.</a:t>
             </a:r>
-            <a:endParaRPr lang="en-IN" sz="2400" dirty="0" smtClean="0"/>
           </a:p>
           <a:p>
             <a:pPr>
@@ -9837,10 +9394,9 @@
               <a:buNone/>
             </a:pPr>
             <a:r>
-              <a:rPr lang="en-IN" sz="2400" b="1" dirty="0" smtClean="0"/>
+              <a:rPr lang="en-IN" sz="2400" b="1" dirty="0"/>
               <a:t>Static Positioning</a:t>
             </a:r>
-            <a:endParaRPr lang="en-IN" sz="2400" b="1" dirty="0" smtClean="0"/>
           </a:p>
           <a:p>
             <a:pPr>
@@ -9850,10 +9406,9 @@
               <a:buNone/>
             </a:pPr>
             <a:r>
-              <a:rPr lang="en-IN" sz="2400" dirty="0" smtClean="0"/>
+              <a:rPr lang="en-IN" sz="2400" dirty="0"/>
               <a:t>	HTML elements are positioned static by default. A static positioned element is always positioned according to the normal flow of the page.</a:t>
             </a:r>
-            <a:endParaRPr lang="en-IN" sz="2400" dirty="0" smtClean="0"/>
           </a:p>
           <a:p>
             <a:pPr>
@@ -9863,10 +9418,9 @@
               <a:buNone/>
             </a:pPr>
             <a:r>
-              <a:rPr lang="en-IN" sz="2400" b="1" dirty="0" smtClean="0"/>
+              <a:rPr lang="en-IN" sz="2400" b="1" dirty="0"/>
               <a:t>Fixed Positioning</a:t>
             </a:r>
-            <a:endParaRPr lang="en-IN" sz="2400" b="1" dirty="0" smtClean="0"/>
           </a:p>
           <a:p>
             <a:pPr>
@@ -9875,10 +9429,9 @@
               </a:lnSpc>
             </a:pPr>
             <a:r>
-              <a:rPr lang="en-IN" sz="2400" dirty="0" smtClean="0"/>
+              <a:rPr lang="en-IN" sz="2400" dirty="0"/>
               <a:t>An element with fixed position is positioned relative to the browser window.</a:t>
             </a:r>
-            <a:endParaRPr lang="en-IN" sz="2400" dirty="0" smtClean="0"/>
           </a:p>
           <a:p>
             <a:pPr>
@@ -9887,10 +9440,9 @@
               </a:lnSpc>
             </a:pPr>
             <a:r>
-              <a:rPr lang="en-IN" sz="2400" dirty="0" smtClean="0"/>
+              <a:rPr lang="en-IN" sz="2400" dirty="0"/>
               <a:t>It will not move even if the window is scrolled:</a:t>
             </a:r>
-            <a:endParaRPr lang="en-IN" sz="2400" dirty="0" smtClean="0"/>
           </a:p>
           <a:p>
             <a:pPr>
@@ -9899,10 +9451,10 @@
               </a:lnSpc>
             </a:pPr>
             <a:r>
-              <a:rPr lang="en-IN" sz="2400" dirty="0" smtClean="0"/>
+              <a:rPr lang="en-IN" sz="2400" dirty="0"/>
               <a:t>Fixed positioned elements can overlap other elements.</a:t>
             </a:r>
-            <a:endParaRPr lang="en-US" sz="2400" b="1" dirty="0" smtClean="0">
+            <a:endParaRPr lang="en-US" sz="2400" b="1" dirty="0">
               <a:solidFill>
                 <a:srgbClr val="FF0000"/>
               </a:solidFill>
@@ -9960,10 +9512,9 @@
           <a:lstStyle/>
           <a:p>
             <a:r>
-              <a:rPr lang="en-US" b="1" dirty="0" smtClean="0"/>
+              <a:rPr lang="en-US" b="1" dirty="0"/>
               <a:t>CSS Positioning</a:t>
             </a:r>
-            <a:endParaRPr lang="en-US" b="1" dirty="0"/>
           </a:p>
         </p:txBody>
       </p:sp>
@@ -9996,18 +9547,17 @@
               <a:buNone/>
             </a:pPr>
             <a:r>
-              <a:rPr lang="en-IN" sz="2400" dirty="0" smtClean="0"/>
+              <a:rPr lang="en-IN" sz="2400" dirty="0"/>
               <a:t> </a:t>
             </a:r>
             <a:r>
-              <a:rPr lang="en-IN" sz="2400" dirty="0" err="1" smtClean="0"/>
+              <a:rPr lang="en-IN" sz="2400" dirty="0" err="1"/>
               <a:t>p.pos_fixed</a:t>
             </a:r>
             <a:r>
-              <a:rPr lang="en-IN" sz="2400" dirty="0" smtClean="0"/>
+              <a:rPr lang="en-IN" sz="2400" dirty="0"/>
               <a:t>   {</a:t>
             </a:r>
-            <a:endParaRPr lang="en-IN" sz="2400" dirty="0" smtClean="0"/>
           </a:p>
           <a:p>
             <a:pPr>
@@ -10017,14 +9567,13 @@
               <a:buNone/>
             </a:pPr>
             <a:r>
-              <a:rPr lang="en-IN" sz="2400" dirty="0" err="1" smtClean="0"/>
+              <a:rPr lang="en-IN" sz="2400" dirty="0" err="1"/>
               <a:t>position:fixed</a:t>
             </a:r>
             <a:r>
-              <a:rPr lang="en-IN" sz="2400" dirty="0" smtClean="0"/>
+              <a:rPr lang="en-IN" sz="2400" dirty="0"/>
               <a:t>;</a:t>
             </a:r>
-            <a:endParaRPr lang="en-IN" sz="2400" dirty="0" smtClean="0"/>
           </a:p>
           <a:p>
             <a:pPr>
@@ -10034,10 +9583,9 @@
               <a:buNone/>
             </a:pPr>
             <a:r>
-              <a:rPr lang="en-IN" sz="2400" dirty="0" smtClean="0"/>
+              <a:rPr lang="en-IN" sz="2400" dirty="0"/>
               <a:t>top:30px;</a:t>
             </a:r>
-            <a:endParaRPr lang="en-IN" sz="2400" dirty="0" smtClean="0"/>
           </a:p>
           <a:p>
             <a:pPr>
@@ -10047,10 +9595,10 @@
               <a:buNone/>
             </a:pPr>
             <a:r>
-              <a:rPr lang="en-IN" sz="2400" dirty="0" smtClean="0"/>
+              <a:rPr lang="en-IN" sz="2400" dirty="0"/>
               <a:t>right:5px;         }</a:t>
             </a:r>
-            <a:endParaRPr lang="en-US" sz="2400" dirty="0" smtClean="0"/>
+            <a:endParaRPr lang="en-US" sz="2400" dirty="0"/>
           </a:p>
           <a:p>
             <a:pPr>
@@ -10060,10 +9608,9 @@
               <a:buNone/>
             </a:pPr>
             <a:r>
-              <a:rPr lang="en-IN" sz="2400" b="1" dirty="0" smtClean="0"/>
+              <a:rPr lang="en-IN" sz="2400" b="1" dirty="0"/>
               <a:t>Relative Positioning</a:t>
             </a:r>
-            <a:endParaRPr lang="en-IN" sz="2400" b="1" dirty="0" smtClean="0"/>
           </a:p>
           <a:p>
             <a:pPr algn="just">
@@ -10072,10 +9619,9 @@
               </a:lnSpc>
             </a:pPr>
             <a:r>
-              <a:rPr lang="en-IN" sz="2400" dirty="0" smtClean="0"/>
+              <a:rPr lang="en-IN" sz="2400" dirty="0"/>
               <a:t>A relative positioned element is positioned relative to its normal position.</a:t>
             </a:r>
-            <a:endParaRPr lang="en-IN" sz="2400" dirty="0" smtClean="0"/>
           </a:p>
           <a:p>
             <a:pPr algn="just">
@@ -10084,10 +9630,9 @@
               </a:lnSpc>
             </a:pPr>
             <a:r>
-              <a:rPr lang="en-IN" sz="2400" dirty="0" smtClean="0"/>
+              <a:rPr lang="en-IN" sz="2400" dirty="0"/>
               <a:t>The content of relatively positioned elements can be moved and overlap other elements</a:t>
             </a:r>
-            <a:endParaRPr lang="en-IN" sz="2400" dirty="0" smtClean="0"/>
           </a:p>
           <a:p>
             <a:pPr>
@@ -10096,25 +9641,25 @@
               </a:lnSpc>
             </a:pPr>
             <a:r>
-              <a:rPr lang="en-IN" sz="2400" dirty="0" smtClean="0"/>
+              <a:rPr lang="en-IN" sz="2400" dirty="0"/>
               <a:t>h2.pos_left      {</a:t>
             </a:r>
             <a:br>
-              <a:rPr lang="en-IN" sz="2400" dirty="0" smtClean="0"/>
-            </a:br>
-            <a:r>
-              <a:rPr lang="en-IN" sz="2400" dirty="0" err="1" smtClean="0"/>
+              <a:rPr lang="en-IN" sz="2400" dirty="0"/>
+            </a:br>
+            <a:r>
+              <a:rPr lang="en-IN" sz="2400" dirty="0" err="1"/>
               <a:t>position:relative</a:t>
             </a:r>
             <a:r>
-              <a:rPr lang="en-IN" sz="2400" dirty="0" smtClean="0"/>
+              <a:rPr lang="en-IN" sz="2400" dirty="0"/>
               <a:t>;</a:t>
             </a:r>
             <a:br>
-              <a:rPr lang="en-IN" sz="2400" dirty="0" smtClean="0"/>
-            </a:br>
-            <a:r>
-              <a:rPr lang="en-IN" sz="2400" dirty="0" smtClean="0"/>
+              <a:rPr lang="en-IN" sz="2400" dirty="0"/>
+            </a:br>
+            <a:r>
+              <a:rPr lang="en-IN" sz="2400" dirty="0"/>
               <a:t>left:-20px;       }</a:t>
             </a:r>
             <a:endParaRPr lang="en-US" sz="2400" dirty="0"/>
@@ -10169,10 +9714,9 @@
           <a:lstStyle/>
           <a:p>
             <a:r>
-              <a:rPr lang="en-US" b="1" dirty="0" smtClean="0"/>
+              <a:rPr lang="en-US" b="1" dirty="0"/>
               <a:t>CSS Positioning</a:t>
             </a:r>
-            <a:endParaRPr lang="en-US" b="1" dirty="0"/>
           </a:p>
         </p:txBody>
       </p:sp>
@@ -10202,74 +9746,68 @@
               <a:buNone/>
             </a:pPr>
             <a:r>
-              <a:rPr lang="en-US" sz="2400" b="1" dirty="0" smtClean="0"/>
+              <a:rPr lang="en-US" sz="2400" b="1" dirty="0"/>
               <a:t>Absolute Positioning	</a:t>
             </a:r>
-            <a:endParaRPr lang="en-US" sz="2400" b="1" dirty="0" smtClean="0"/>
           </a:p>
           <a:p>
             <a:pPr algn="just"/>
             <a:r>
-              <a:rPr lang="en-IN" sz="2400" dirty="0" smtClean="0"/>
+              <a:rPr lang="en-IN" sz="2400" dirty="0"/>
               <a:t>An absolute position element is positioned relative to the first parent element that has a position other than static. If no such element is found, the containing block is &lt;html&gt;:</a:t>
             </a:r>
-            <a:endParaRPr lang="en-IN" sz="2400" dirty="0" smtClean="0"/>
-          </a:p>
-          <a:p>
-            <a:pPr>
-              <a:buNone/>
-            </a:pPr>
-            <a:r>
-              <a:rPr lang="en-IN" sz="2400" dirty="0" smtClean="0"/>
+          </a:p>
+          <a:p>
+            <a:pPr>
+              <a:buNone/>
+            </a:pPr>
+            <a:r>
+              <a:rPr lang="en-IN" sz="2400" dirty="0"/>
               <a:t>	h2 {  </a:t>
             </a:r>
             <a:r>
-              <a:rPr lang="en-IN" sz="2400" dirty="0" err="1" smtClean="0"/>
+              <a:rPr lang="en-IN" sz="2400" dirty="0" err="1"/>
               <a:t>position:absolute</a:t>
             </a:r>
             <a:r>
-              <a:rPr lang="en-IN" sz="2400" dirty="0" smtClean="0"/>
+              <a:rPr lang="en-IN" sz="2400" dirty="0"/>
               <a:t>;</a:t>
             </a:r>
             <a:br>
-              <a:rPr lang="en-IN" sz="2400" dirty="0" smtClean="0"/>
-            </a:br>
-            <a:r>
-              <a:rPr lang="en-IN" sz="2400" dirty="0" smtClean="0"/>
+              <a:rPr lang="en-IN" sz="2400" dirty="0"/>
+            </a:br>
+            <a:r>
+              <a:rPr lang="en-IN" sz="2400" dirty="0"/>
               <a:t>left:100px;</a:t>
             </a:r>
             <a:br>
-              <a:rPr lang="en-IN" sz="2400" dirty="0" smtClean="0"/>
-            </a:br>
-            <a:r>
-              <a:rPr lang="en-IN" sz="2400" dirty="0" smtClean="0"/>
+              <a:rPr lang="en-IN" sz="2400" dirty="0"/>
+            </a:br>
+            <a:r>
+              <a:rPr lang="en-IN" sz="2400" dirty="0"/>
               <a:t>top:150px;   }</a:t>
             </a:r>
-            <a:endParaRPr lang="en-IN" sz="2400" dirty="0" smtClean="0"/>
-          </a:p>
-          <a:p>
-            <a:pPr>
-              <a:buNone/>
-            </a:pPr>
-            <a:r>
-              <a:rPr lang="en-IN" sz="2400" b="1" dirty="0" smtClean="0"/>
+          </a:p>
+          <a:p>
+            <a:pPr>
+              <a:buNone/>
+            </a:pPr>
+            <a:r>
+              <a:rPr lang="en-IN" sz="2400" b="1" dirty="0"/>
               <a:t>Overlapping Elements</a:t>
             </a:r>
-            <a:endParaRPr lang="en-IN" sz="2400" b="1" dirty="0" smtClean="0"/>
-          </a:p>
-          <a:p>
-            <a:r>
-              <a:rPr lang="en-IN" sz="2400" dirty="0" smtClean="0"/>
+          </a:p>
+          <a:p>
+            <a:r>
+              <a:rPr lang="en-IN" sz="2400" dirty="0"/>
               <a:t>When elements are positioned outside the normal flow, they can overlap other elements.</a:t>
             </a:r>
-            <a:endParaRPr lang="en-IN" sz="2400" dirty="0" smtClean="0"/>
-          </a:p>
-          <a:p>
-            <a:r>
-              <a:rPr lang="en-IN" sz="2400" dirty="0" smtClean="0"/>
+          </a:p>
+          <a:p>
+            <a:r>
+              <a:rPr lang="en-IN" sz="2400" dirty="0"/>
               <a:t>The z-index property specifies the stack order of an element which element should be placed in front of, or behind, the others.</a:t>
             </a:r>
-            <a:endParaRPr lang="en-IN" sz="2400" dirty="0" smtClean="0"/>
           </a:p>
         </p:txBody>
       </p:sp>
@@ -10319,10 +9857,9 @@
           <a:lstStyle/>
           <a:p>
             <a:r>
-              <a:rPr lang="en-US" b="1" dirty="0" smtClean="0"/>
+              <a:rPr lang="en-US" b="1" dirty="0"/>
               <a:t>CSS Positioning</a:t>
             </a:r>
-            <a:endParaRPr lang="en-US" b="1" dirty="0"/>
           </a:p>
         </p:txBody>
       </p:sp>
@@ -10352,108 +9889,102 @@
               <a:buNone/>
             </a:pPr>
             <a:r>
-              <a:rPr lang="en-IN" sz="2000" b="1" dirty="0" smtClean="0"/>
+              <a:rPr lang="en-IN" sz="2000" b="1" dirty="0"/>
               <a:t> </a:t>
             </a:r>
             <a:r>
-              <a:rPr lang="en-IN" sz="2000" dirty="0" err="1" smtClean="0"/>
+              <a:rPr lang="en-IN" sz="2000" dirty="0" err="1"/>
               <a:t>img</a:t>
             </a:r>
             <a:br>
-              <a:rPr lang="en-IN" sz="2000" dirty="0" smtClean="0"/>
-            </a:br>
-            <a:r>
-              <a:rPr lang="en-IN" sz="2000" dirty="0" smtClean="0"/>
+              <a:rPr lang="en-IN" sz="2000" dirty="0"/>
+            </a:br>
+            <a:r>
+              <a:rPr lang="en-IN" sz="2000" dirty="0"/>
               <a:t>{</a:t>
             </a:r>
             <a:br>
-              <a:rPr lang="en-IN" sz="2000" dirty="0" smtClean="0"/>
-            </a:br>
-            <a:r>
-              <a:rPr lang="en-IN" sz="2000" dirty="0" err="1" smtClean="0"/>
+              <a:rPr lang="en-IN" sz="2000" dirty="0"/>
+            </a:br>
+            <a:r>
+              <a:rPr lang="en-IN" sz="2000" dirty="0" err="1"/>
               <a:t>position:absolute</a:t>
             </a:r>
             <a:r>
-              <a:rPr lang="en-IN" sz="2000" dirty="0" smtClean="0"/>
+              <a:rPr lang="en-IN" sz="2000" dirty="0"/>
               <a:t>;</a:t>
             </a:r>
             <a:br>
-              <a:rPr lang="en-IN" sz="2000" dirty="0" smtClean="0"/>
-            </a:br>
-            <a:r>
-              <a:rPr lang="en-IN" sz="2000" dirty="0" smtClean="0"/>
+              <a:rPr lang="en-IN" sz="2000" dirty="0"/>
+            </a:br>
+            <a:r>
+              <a:rPr lang="en-IN" sz="2000" dirty="0"/>
               <a:t>left:0px;</a:t>
             </a:r>
             <a:br>
-              <a:rPr lang="en-IN" sz="2000" dirty="0" smtClean="0"/>
-            </a:br>
-            <a:r>
-              <a:rPr lang="en-IN" sz="2000" dirty="0" smtClean="0"/>
+              <a:rPr lang="en-IN" sz="2000" dirty="0"/>
+            </a:br>
+            <a:r>
+              <a:rPr lang="en-IN" sz="2000" dirty="0"/>
               <a:t>top:0px;</a:t>
             </a:r>
             <a:br>
-              <a:rPr lang="en-IN" sz="2000" dirty="0" smtClean="0"/>
-            </a:br>
-            <a:r>
-              <a:rPr lang="en-IN" sz="2000" dirty="0" smtClean="0"/>
+              <a:rPr lang="en-IN" sz="2000" dirty="0"/>
+            </a:br>
+            <a:r>
+              <a:rPr lang="en-IN" sz="2000" dirty="0"/>
               <a:t>z-index:  -1</a:t>
             </a:r>
             <a:br>
-              <a:rPr lang="en-IN" sz="2000" dirty="0" smtClean="0"/>
-            </a:br>
-            <a:r>
-              <a:rPr lang="en-IN" sz="2000" dirty="0" smtClean="0"/>
+              <a:rPr lang="en-IN" sz="2000" dirty="0"/>
+            </a:br>
+            <a:r>
+              <a:rPr lang="en-IN" sz="2000" dirty="0"/>
               <a:t>}</a:t>
             </a:r>
-            <a:endParaRPr lang="en-IN" sz="2000" dirty="0" smtClean="0"/>
-          </a:p>
-          <a:p>
-            <a:pPr>
-              <a:buNone/>
-            </a:pPr>
-            <a:endParaRPr lang="en-IN" sz="2000" dirty="0" smtClean="0"/>
-          </a:p>
-          <a:p>
-            <a:pPr>
-              <a:buNone/>
-            </a:pPr>
-            <a:r>
-              <a:rPr lang="en-IN" sz="2000" b="1" dirty="0" smtClean="0"/>
+          </a:p>
+          <a:p>
+            <a:pPr>
+              <a:buNone/>
+            </a:pPr>
+            <a:endParaRPr lang="en-IN" sz="2000" dirty="0"/>
+          </a:p>
+          <a:p>
+            <a:pPr>
+              <a:buNone/>
+            </a:pPr>
+            <a:r>
+              <a:rPr lang="en-IN" sz="2000" b="1" dirty="0"/>
               <a:t>CSS Float</a:t>
             </a:r>
-            <a:endParaRPr lang="en-IN" sz="2000" b="1" dirty="0" smtClean="0"/>
           </a:p>
           <a:p>
             <a:pPr algn="just"/>
             <a:r>
-              <a:rPr lang="en-IN" sz="2000" dirty="0" smtClean="0"/>
+              <a:rPr lang="en-IN" sz="2000" dirty="0"/>
               <a:t>With CSS float, an element can be pushed to the left or right, allowing other elements to wrap around it.</a:t>
             </a:r>
-            <a:endParaRPr lang="en-IN" sz="2000" dirty="0" smtClean="0"/>
           </a:p>
           <a:p>
             <a:pPr algn="just"/>
             <a:r>
-              <a:rPr lang="en-IN" sz="2000" dirty="0" smtClean="0"/>
+              <a:rPr lang="en-IN" sz="2000" dirty="0"/>
               <a:t>Elements are floated horizontally, this means that an element can only be floated left or right, not up or down.</a:t>
             </a:r>
-            <a:endParaRPr lang="en-IN" sz="2000" dirty="0" smtClean="0"/>
           </a:p>
           <a:p>
             <a:pPr algn="just"/>
             <a:r>
-              <a:rPr lang="en-IN" sz="2000" dirty="0" smtClean="0"/>
+              <a:rPr lang="en-IN" sz="2000" dirty="0"/>
               <a:t>The elements after the floating element will flow around it.</a:t>
             </a:r>
-            <a:endParaRPr lang="en-IN" sz="2000" dirty="0" smtClean="0"/>
           </a:p>
           <a:p>
             <a:pPr algn="just"/>
             <a:r>
-              <a:rPr lang="en-IN" sz="2000" dirty="0" smtClean="0"/>
+              <a:rPr lang="en-IN" sz="2000" dirty="0"/>
               <a:t>If an image is floated to the right, a following text flows around it, to the left:</a:t>
             </a:r>
-            <a:endParaRPr lang="en-IN" sz="2000" dirty="0" smtClean="0"/>
           </a:p>
         </p:txBody>
       </p:sp>
@@ -10505,10 +10036,9 @@
           <a:lstStyle/>
           <a:p>
             <a:r>
-              <a:rPr lang="en-US" b="1" dirty="0" smtClean="0"/>
+              <a:rPr lang="en-US" b="1" dirty="0"/>
               <a:t>CSS Positioning</a:t>
             </a:r>
-            <a:endParaRPr lang="en-US" b="1" dirty="0"/>
           </a:p>
         </p:txBody>
       </p:sp>
@@ -10544,14 +10074,13 @@
               <a:buNone/>
             </a:pPr>
             <a:r>
-              <a:rPr lang="en-IN" sz="8000" dirty="0" err="1" smtClean="0"/>
+              <a:rPr lang="en-IN" sz="8000" dirty="0" err="1"/>
               <a:t>img</a:t>
             </a:r>
             <a:r>
-              <a:rPr lang="en-IN" sz="8000" dirty="0" smtClean="0"/>
+              <a:rPr lang="en-IN" sz="8000" dirty="0"/>
               <a:t> </a:t>
             </a:r>
-            <a:endParaRPr lang="en-IN" sz="8000" dirty="0" smtClean="0"/>
           </a:p>
           <a:p>
             <a:pPr>
@@ -10564,18 +10093,17 @@
               <a:buNone/>
             </a:pPr>
             <a:r>
-              <a:rPr lang="en-IN" sz="8000" dirty="0" smtClean="0"/>
+              <a:rPr lang="en-IN" sz="8000" dirty="0"/>
               <a:t>	{   </a:t>
             </a:r>
             <a:r>
-              <a:rPr lang="en-IN" sz="8000" dirty="0" err="1" smtClean="0"/>
+              <a:rPr lang="en-IN" sz="8000" dirty="0" err="1"/>
               <a:t>float:right</a:t>
             </a:r>
             <a:r>
-              <a:rPr lang="en-IN" sz="8000" dirty="0" smtClean="0"/>
+              <a:rPr lang="en-IN" sz="8000" dirty="0"/>
               <a:t>;  }</a:t>
             </a:r>
-            <a:endParaRPr lang="en-IN" sz="8000" dirty="0" smtClean="0"/>
           </a:p>
           <a:p>
             <a:pPr>
@@ -10587,7 +10115,7 @@
               </a:spcBef>
               <a:buNone/>
             </a:pPr>
-            <a:endParaRPr lang="en-IN" sz="8000" dirty="0" smtClean="0"/>
+            <a:endParaRPr lang="en-IN" sz="8000" dirty="0"/>
           </a:p>
           <a:p>
             <a:pPr>
@@ -10600,10 +10128,9 @@
               <a:buNone/>
             </a:pPr>
             <a:r>
-              <a:rPr lang="en-IN" sz="8000" b="1" dirty="0" smtClean="0"/>
+              <a:rPr lang="en-IN" sz="8000" b="1" dirty="0"/>
               <a:t>Floating Elements Next to Each Other</a:t>
             </a:r>
-            <a:endParaRPr lang="en-IN" sz="8000" b="1" dirty="0" smtClean="0"/>
           </a:p>
           <a:p>
             <a:pPr algn="just">
@@ -10615,10 +10142,9 @@
               </a:spcBef>
             </a:pPr>
             <a:r>
-              <a:rPr lang="en-IN" sz="8000" dirty="0" smtClean="0"/>
+              <a:rPr lang="en-IN" sz="8000" dirty="0"/>
               <a:t>If you place several floating elements after each other, they will float next to each other if there is room.</a:t>
             </a:r>
-            <a:endParaRPr lang="en-IN" sz="8000" dirty="0" smtClean="0"/>
           </a:p>
           <a:p>
             <a:pPr lvl="1">
@@ -10631,10 +10157,9 @@
               <a:buNone/>
             </a:pPr>
             <a:r>
-              <a:rPr lang="en-IN" sz="8000" dirty="0" smtClean="0"/>
+              <a:rPr lang="en-IN" sz="8000" dirty="0"/>
               <a:t>	.thumbnail </a:t>
             </a:r>
-            <a:endParaRPr lang="en-IN" sz="8000" dirty="0" smtClean="0"/>
           </a:p>
           <a:p>
             <a:pPr lvl="1">
@@ -10647,10 +10172,9 @@
               <a:buNone/>
             </a:pPr>
             <a:r>
-              <a:rPr lang="en-IN" sz="8000" dirty="0" smtClean="0"/>
+              <a:rPr lang="en-IN" sz="8000" dirty="0"/>
               <a:t>	{  	</a:t>
             </a:r>
-            <a:endParaRPr lang="en-IN" sz="8000" dirty="0" smtClean="0"/>
           </a:p>
           <a:p>
             <a:pPr lvl="1">
@@ -10663,18 +10187,17 @@
               <a:buNone/>
             </a:pPr>
             <a:r>
-              <a:rPr lang="en-IN" sz="8000" dirty="0" smtClean="0"/>
+              <a:rPr lang="en-IN" sz="8000" dirty="0"/>
               <a:t>		</a:t>
             </a:r>
             <a:r>
-              <a:rPr lang="en-IN" sz="8000" dirty="0" err="1" smtClean="0"/>
+              <a:rPr lang="en-IN" sz="8000" dirty="0" err="1"/>
               <a:t>float:left</a:t>
             </a:r>
             <a:r>
-              <a:rPr lang="en-IN" sz="8000" dirty="0" smtClean="0"/>
+              <a:rPr lang="en-IN" sz="8000" dirty="0"/>
               <a:t>;</a:t>
             </a:r>
-            <a:endParaRPr lang="en-IN" sz="8000" dirty="0" smtClean="0"/>
           </a:p>
           <a:p>
             <a:pPr lvl="1">
@@ -10687,10 +10210,9 @@
               <a:buNone/>
             </a:pPr>
             <a:r>
-              <a:rPr lang="en-IN" sz="8000" dirty="0" smtClean="0"/>
+              <a:rPr lang="en-IN" sz="8000" dirty="0"/>
               <a:t>		width:110px;</a:t>
             </a:r>
-            <a:endParaRPr lang="en-IN" sz="8000" dirty="0" smtClean="0"/>
           </a:p>
           <a:p>
             <a:pPr lvl="1">
@@ -10703,10 +10225,9 @@
               <a:buNone/>
             </a:pPr>
             <a:r>
-              <a:rPr lang="en-IN" sz="8000" dirty="0" smtClean="0"/>
+              <a:rPr lang="en-IN" sz="8000" dirty="0"/>
               <a:t>		height:90px;</a:t>
             </a:r>
-            <a:endParaRPr lang="en-IN" sz="8000" dirty="0" smtClean="0"/>
           </a:p>
           <a:p>
             <a:pPr lvl="1">
@@ -10719,10 +10240,9 @@
               <a:buNone/>
             </a:pPr>
             <a:r>
-              <a:rPr lang="en-IN" sz="8000" dirty="0" smtClean="0"/>
+              <a:rPr lang="en-IN" sz="8000" dirty="0"/>
               <a:t> 		margin:5px;     </a:t>
             </a:r>
-            <a:endParaRPr lang="en-IN" sz="8000" dirty="0" smtClean="0"/>
           </a:p>
           <a:p>
             <a:pPr lvl="1">
@@ -10735,10 +10255,9 @@
               <a:buNone/>
             </a:pPr>
             <a:r>
-              <a:rPr lang="en-IN" sz="8000" dirty="0" smtClean="0"/>
+              <a:rPr lang="en-IN" sz="8000" dirty="0"/>
               <a:t>	}</a:t>
             </a:r>
-            <a:endParaRPr lang="en-IN" sz="8000" dirty="0" smtClean="0"/>
           </a:p>
           <a:p>
             <a:pPr>
@@ -10751,10 +10270,9 @@
               <a:buNone/>
             </a:pPr>
             <a:r>
-              <a:rPr lang="en-US" sz="7200" b="1" dirty="0" smtClean="0"/>
+              <a:rPr lang="en-US" sz="7200" b="1" dirty="0"/>
               <a:t>No Floating</a:t>
             </a:r>
-            <a:endParaRPr lang="en-US" sz="7200" b="1" dirty="0" smtClean="0"/>
           </a:p>
           <a:p>
             <a:pPr algn="just">
@@ -10766,10 +10284,9 @@
               </a:spcBef>
             </a:pPr>
             <a:r>
-              <a:rPr lang="en-IN" sz="7200" dirty="0" smtClean="0"/>
+              <a:rPr lang="en-IN" sz="7200" dirty="0"/>
               <a:t>The clear property specifies which sides of an element other floating elements are not allowed.</a:t>
             </a:r>
-            <a:endParaRPr lang="en-IN" sz="7200" dirty="0" smtClean="0"/>
           </a:p>
           <a:p>
             <a:pPr algn="just">
@@ -10781,10 +10298,9 @@
               </a:spcBef>
             </a:pPr>
             <a:r>
-              <a:rPr lang="en-IN" sz="7200" dirty="0" smtClean="0"/>
+              <a:rPr lang="en-IN" sz="7200" dirty="0"/>
               <a:t>Add a text line into the image gallery, using the clear property:</a:t>
             </a:r>
-            <a:endParaRPr lang="en-IN" sz="7200" dirty="0" smtClean="0"/>
           </a:p>
           <a:p>
             <a:pPr algn="just">
@@ -10797,14 +10313,14 @@
               <a:buNone/>
             </a:pPr>
             <a:r>
-              <a:rPr lang="en-IN" sz="7200" dirty="0" smtClean="0"/>
+              <a:rPr lang="en-IN" sz="7200" dirty="0"/>
               <a:t>	.</a:t>
             </a:r>
             <a:r>
-              <a:rPr lang="en-IN" sz="7200" dirty="0" err="1" smtClean="0"/>
+              <a:rPr lang="en-IN" sz="7200" dirty="0" err="1"/>
               <a:t>text_line</a:t>
             </a:r>
-            <a:endParaRPr lang="en-IN" sz="7200" dirty="0" smtClean="0"/>
+            <a:endParaRPr lang="en-IN" sz="7200" dirty="0"/>
           </a:p>
           <a:p>
             <a:pPr>
@@ -10817,28 +10333,27 @@
               <a:buNone/>
             </a:pPr>
             <a:r>
-              <a:rPr lang="en-IN" sz="7200" dirty="0" smtClean="0"/>
+              <a:rPr lang="en-IN" sz="7200" dirty="0"/>
               <a:t>	{</a:t>
             </a:r>
             <a:br>
-              <a:rPr lang="en-IN" sz="7200" dirty="0" smtClean="0"/>
-            </a:br>
-            <a:r>
-              <a:rPr lang="en-IN" sz="7200" dirty="0" err="1" smtClean="0"/>
+              <a:rPr lang="en-IN" sz="7200" dirty="0"/>
+            </a:br>
+            <a:r>
+              <a:rPr lang="en-IN" sz="7200" dirty="0" err="1"/>
               <a:t>clear:both</a:t>
             </a:r>
             <a:r>
-              <a:rPr lang="en-IN" sz="7200" dirty="0" smtClean="0"/>
+              <a:rPr lang="en-IN" sz="7200" dirty="0"/>
               <a:t>;</a:t>
             </a:r>
             <a:br>
-              <a:rPr lang="en-IN" sz="7200" dirty="0" smtClean="0"/>
-            </a:br>
-            <a:r>
-              <a:rPr lang="en-IN" sz="7200" dirty="0" smtClean="0"/>
+              <a:rPr lang="en-IN" sz="7200" dirty="0"/>
+            </a:br>
+            <a:r>
+              <a:rPr lang="en-IN" sz="7200" dirty="0"/>
               <a:t>}</a:t>
             </a:r>
-            <a:endParaRPr lang="en-IN" sz="7200" dirty="0" smtClean="0"/>
           </a:p>
           <a:p>
             <a:pPr lvl="1">
@@ -10847,7 +10362,7 @@
               </a:lnSpc>
               <a:buNone/>
             </a:pPr>
-            <a:endParaRPr lang="en-IN" sz="8000" dirty="0" smtClean="0"/>
+            <a:endParaRPr lang="en-IN" sz="8000" dirty="0"/>
           </a:p>
           <a:p>
             <a:endParaRPr lang="en-US" dirty="0"/>
@@ -10902,7 +10417,7 @@
           <a:lstStyle/>
           <a:p>
             <a:r>
-              <a:rPr lang="en-IN" b="1" dirty="0" smtClean="0"/>
+              <a:rPr lang="en-IN" b="1" dirty="0"/>
               <a:t>CSS Layout and Structure</a:t>
             </a:r>
             <a:endParaRPr lang="en-US" dirty="0"/>
@@ -10933,78 +10448,71 @@
           <a:p>
             <a:pPr algn="just"/>
             <a:r>
-              <a:rPr lang="en-US" sz="2400" dirty="0" smtClean="0"/>
+              <a:rPr lang="en-US" sz="2400" dirty="0"/>
               <a:t>The idea behind CSS was to separate the formatting and styling rules from the content.</a:t>
             </a:r>
-            <a:endParaRPr lang="en-US" sz="2400" dirty="0" smtClean="0"/>
-          </a:p>
-          <a:p>
-            <a:r>
-              <a:rPr lang="en-US" sz="2400" dirty="0" smtClean="0"/>
+          </a:p>
+          <a:p>
+            <a:r>
+              <a:rPr lang="en-US" sz="2400" dirty="0"/>
               <a:t>Structure of document can be maintain by breaking the page into logical sections with div elements. </a:t>
             </a:r>
-            <a:endParaRPr lang="en-US" sz="2400" dirty="0" smtClean="0"/>
-          </a:p>
-          <a:p>
-            <a:pPr>
-              <a:buNone/>
-            </a:pPr>
-            <a:r>
-              <a:rPr lang="en-US" sz="2400" b="1" dirty="0" smtClean="0"/>
+          </a:p>
+          <a:p>
+            <a:pPr>
+              <a:buNone/>
+            </a:pPr>
+            <a:r>
+              <a:rPr lang="en-US" sz="2400" b="1" dirty="0"/>
               <a:t>	CSS  Navigation  Bars</a:t>
             </a:r>
-            <a:endParaRPr lang="en-US" sz="2400" b="1" dirty="0" smtClean="0"/>
-          </a:p>
-          <a:p>
-            <a:r>
-              <a:rPr lang="en-IN" sz="2400" dirty="0" smtClean="0"/>
+          </a:p>
+          <a:p>
+            <a:r>
+              <a:rPr lang="en-IN" sz="2400" dirty="0"/>
               <a:t>With CSS you can transform boring HTML menus into good-looking navigation bars.</a:t>
             </a:r>
-            <a:endParaRPr lang="en-IN" sz="2400" dirty="0" smtClean="0"/>
-          </a:p>
-          <a:p>
-            <a:pPr>
-              <a:buNone/>
-            </a:pPr>
-            <a:r>
-              <a:rPr lang="en-IN" sz="2400" b="1" dirty="0" smtClean="0"/>
+          </a:p>
+          <a:p>
+            <a:pPr>
+              <a:buNone/>
+            </a:pPr>
+            <a:r>
+              <a:rPr lang="en-IN" sz="2400" b="1" dirty="0"/>
               <a:t>	</a:t>
             </a:r>
             <a:r>
-              <a:rPr lang="en-IN" sz="2400" dirty="0" smtClean="0"/>
+              <a:rPr lang="en-IN" sz="2400" dirty="0"/>
               <a:t>Navigation Bar = List of Links</a:t>
             </a:r>
-            <a:endParaRPr lang="en-IN" sz="2400" dirty="0" smtClean="0"/>
-          </a:p>
-          <a:p>
-            <a:r>
-              <a:rPr lang="en-IN" sz="2400" dirty="0" smtClean="0"/>
+          </a:p>
+          <a:p>
+            <a:r>
+              <a:rPr lang="en-IN" sz="2400" dirty="0"/>
               <a:t>A navigation bar needs standard HTML as a base.</a:t>
             </a:r>
-            <a:endParaRPr lang="en-IN" sz="2400" dirty="0" smtClean="0"/>
-          </a:p>
-          <a:p>
-            <a:r>
-              <a:rPr lang="en-IN" sz="2400" dirty="0" smtClean="0"/>
+          </a:p>
+          <a:p>
+            <a:r>
+              <a:rPr lang="en-IN" sz="2400" dirty="0"/>
               <a:t>A navigation bar is basically a list of links, so using the &lt;</a:t>
             </a:r>
             <a:r>
-              <a:rPr lang="en-IN" sz="2400" dirty="0" err="1" smtClean="0"/>
+              <a:rPr lang="en-IN" sz="2400" dirty="0" err="1"/>
               <a:t>ul</a:t>
             </a:r>
             <a:r>
-              <a:rPr lang="en-IN" sz="2400" dirty="0" smtClean="0"/>
+              <a:rPr lang="en-IN" sz="2400" dirty="0"/>
               <a:t>&gt; and &lt;</a:t>
             </a:r>
             <a:r>
-              <a:rPr lang="en-IN" sz="2400" dirty="0" err="1" smtClean="0"/>
+              <a:rPr lang="en-IN" sz="2400" dirty="0" err="1"/>
               <a:t>li</a:t>
             </a:r>
             <a:r>
-              <a:rPr lang="en-IN" sz="2400" dirty="0" smtClean="0"/>
+              <a:rPr lang="en-IN" sz="2400" dirty="0"/>
               <a:t>&gt; elements makes perfect sense</a:t>
             </a:r>
-            <a:endParaRPr lang="en-IN" sz="2400" dirty="0" smtClean="0"/>
           </a:p>
         </p:txBody>
       </p:sp>
@@ -11056,7 +10564,7 @@
           <a:lstStyle/>
           <a:p>
             <a:r>
-              <a:rPr lang="en-IN" b="1" dirty="0" smtClean="0"/>
+              <a:rPr lang="en-IN" b="1" dirty="0"/>
               <a:t>CSS Layout and Structure</a:t>
             </a:r>
             <a:endParaRPr lang="en-US" dirty="0"/>
@@ -11089,10 +10597,9 @@
               <a:buNone/>
             </a:pPr>
             <a:r>
-              <a:rPr lang="en-IN" sz="1800" b="1" dirty="0" smtClean="0"/>
+              <a:rPr lang="en-IN" sz="1800" b="1" dirty="0"/>
               <a:t>Vertical Navigation Bar</a:t>
             </a:r>
-            <a:endParaRPr lang="en-IN" sz="1800" b="1" dirty="0" smtClean="0"/>
           </a:p>
           <a:p>
             <a:pPr algn="just">
@@ -11101,52 +10608,50 @@
               </a:lnSpc>
             </a:pPr>
             <a:r>
-              <a:rPr lang="en-IN" sz="1800" dirty="0" smtClean="0"/>
+              <a:rPr lang="en-IN" sz="1800" dirty="0"/>
               <a:t>To build a vertical navigation bar we only need to style the &lt;a&gt; elements in addition to the list code.</a:t>
             </a:r>
-            <a:endParaRPr lang="en-IN" sz="1800" dirty="0" smtClean="0"/>
-          </a:p>
-          <a:p>
-            <a:pPr>
-              <a:buNone/>
-            </a:pPr>
-            <a:r>
-              <a:rPr lang="en-IN" sz="1800" dirty="0" smtClean="0"/>
+          </a:p>
+          <a:p>
+            <a:pPr>
+              <a:buNone/>
+            </a:pPr>
+            <a:r>
+              <a:rPr lang="en-IN" sz="1800" dirty="0"/>
               <a:t>	a</a:t>
             </a:r>
             <a:br>
-              <a:rPr lang="en-IN" sz="1800" dirty="0" smtClean="0"/>
-            </a:br>
-            <a:r>
-              <a:rPr lang="en-IN" sz="1800" dirty="0" smtClean="0"/>
+              <a:rPr lang="en-IN" sz="1800" dirty="0"/>
+            </a:br>
+            <a:r>
+              <a:rPr lang="en-IN" sz="1800" dirty="0"/>
               <a:t>{</a:t>
             </a:r>
             <a:br>
-              <a:rPr lang="en-IN" sz="1800" dirty="0" smtClean="0"/>
-            </a:br>
-            <a:r>
-              <a:rPr lang="en-IN" sz="1800" dirty="0" err="1" smtClean="0"/>
+              <a:rPr lang="en-IN" sz="1800" dirty="0"/>
+            </a:br>
+            <a:r>
+              <a:rPr lang="en-IN" sz="1800" dirty="0" err="1"/>
               <a:t>display:block</a:t>
             </a:r>
             <a:r>
-              <a:rPr lang="en-IN" sz="1800" dirty="0" smtClean="0"/>
+              <a:rPr lang="en-IN" sz="1800" dirty="0"/>
               <a:t>;</a:t>
             </a:r>
             <a:br>
-              <a:rPr lang="en-IN" sz="1800" dirty="0" smtClean="0"/>
-            </a:br>
-            <a:r>
-              <a:rPr lang="en-IN" sz="1800" dirty="0" smtClean="0"/>
+              <a:rPr lang="en-IN" sz="1800" dirty="0"/>
+            </a:br>
+            <a:r>
+              <a:rPr lang="en-IN" sz="1800" dirty="0"/>
               <a:t>width:60px;</a:t>
             </a:r>
             <a:br>
-              <a:rPr lang="en-IN" sz="1800" dirty="0" smtClean="0"/>
-            </a:br>
-            <a:r>
-              <a:rPr lang="en-IN" sz="1800" dirty="0" smtClean="0"/>
+              <a:rPr lang="en-IN" sz="1800" dirty="0"/>
+            </a:br>
+            <a:r>
+              <a:rPr lang="en-IN" sz="1800" dirty="0"/>
               <a:t>}</a:t>
             </a:r>
-            <a:endParaRPr lang="en-IN" sz="1800" dirty="0" smtClean="0"/>
           </a:p>
           <a:p>
             <a:pPr algn="just">
@@ -11155,27 +10660,25 @@
               </a:lnSpc>
             </a:pPr>
             <a:r>
-              <a:rPr lang="en-IN" sz="1800" dirty="0" err="1" smtClean="0"/>
+              <a:rPr lang="en-IN" sz="1800" dirty="0" err="1"/>
               <a:t>display:block</a:t>
             </a:r>
             <a:r>
-              <a:rPr lang="en-IN" sz="1800" dirty="0" smtClean="0"/>
+              <a:rPr lang="en-IN" sz="1800" dirty="0"/>
               <a:t> - Displaying the links as block elements makes the whole link area clickable (not just the text), and it allows us to specify the width</a:t>
             </a:r>
-            <a:endParaRPr lang="en-IN" sz="1800" dirty="0" smtClean="0"/>
-          </a:p>
-          <a:p>
-            <a:endParaRPr lang="en-IN" sz="1800" dirty="0" smtClean="0"/>
-          </a:p>
-          <a:p>
-            <a:pPr>
-              <a:buNone/>
-            </a:pPr>
-            <a:r>
-              <a:rPr lang="en-IN" sz="1800" b="1" dirty="0" smtClean="0"/>
+          </a:p>
+          <a:p>
+            <a:endParaRPr lang="en-IN" sz="1800" dirty="0"/>
+          </a:p>
+          <a:p>
+            <a:pPr>
+              <a:buNone/>
+            </a:pPr>
+            <a:r>
+              <a:rPr lang="en-IN" sz="1800" b="1" dirty="0"/>
               <a:t>	Horizontal Navigation Bar</a:t>
             </a:r>
-            <a:endParaRPr lang="en-IN" sz="1800" b="1" dirty="0" smtClean="0"/>
           </a:p>
           <a:p>
             <a:pPr>
@@ -11184,26 +10687,26 @@
               </a:lnSpc>
             </a:pPr>
             <a:r>
-              <a:rPr lang="en-IN" sz="1800" dirty="0" smtClean="0"/>
+              <a:rPr lang="en-IN" sz="1800" dirty="0"/>
               <a:t>There are two ways to create a horizontal navigation bar. Using </a:t>
             </a:r>
             <a:r>
-              <a:rPr lang="en-IN" sz="1800" b="1" dirty="0" smtClean="0"/>
+              <a:rPr lang="en-IN" sz="1800" b="1" dirty="0"/>
               <a:t>inline</a:t>
             </a:r>
             <a:r>
-              <a:rPr lang="en-IN" sz="1800" dirty="0" smtClean="0"/>
+              <a:rPr lang="en-IN" sz="1800" dirty="0"/>
               <a:t> or </a:t>
             </a:r>
             <a:r>
-              <a:rPr lang="en-IN" sz="1800" b="1" dirty="0" smtClean="0"/>
+              <a:rPr lang="en-IN" sz="1800" b="1" dirty="0"/>
               <a:t>floating</a:t>
             </a:r>
             <a:r>
-              <a:rPr lang="en-IN" sz="1800" dirty="0" smtClean="0"/>
+              <a:rPr lang="en-IN" sz="1800" dirty="0"/>
               <a:t> list items.</a:t>
             </a:r>
-            <a:endParaRPr lang="en-IN" sz="1800" b="1" dirty="0" smtClean="0"/>
+            <a:endParaRPr lang="en-IN" sz="1800" b="1" dirty="0"/>
           </a:p>
           <a:p>
             <a:endParaRPr lang="en-US" sz="1800" dirty="0"/>
@@ -11258,10 +10761,9 @@
           <a:lstStyle/>
           <a:p>
             <a:r>
-              <a:rPr lang="en-US" b="1" dirty="0" smtClean="0"/>
+              <a:rPr lang="en-US" b="1" dirty="0"/>
               <a:t>CSS Layout and Structure</a:t>
             </a:r>
-            <a:endParaRPr lang="en-US" b="1" dirty="0"/>
           </a:p>
         </p:txBody>
       </p:sp>
@@ -11293,20 +10795,18 @@
               </a:lnSpc>
             </a:pPr>
             <a:r>
-              <a:rPr lang="en-IN" dirty="0" smtClean="0"/>
+              <a:rPr lang="en-IN" dirty="0"/>
               <a:t>if you want the links to be the same size, you have to use the floating method.</a:t>
             </a:r>
-            <a:endParaRPr lang="en-IN" dirty="0" smtClean="0"/>
-          </a:p>
-          <a:p>
-            <a:pPr>
-              <a:buNone/>
-            </a:pPr>
-            <a:r>
-              <a:rPr lang="en-IN" b="1" dirty="0" smtClean="0"/>
+          </a:p>
+          <a:p>
+            <a:pPr>
+              <a:buNone/>
+            </a:pPr>
+            <a:r>
+              <a:rPr lang="en-IN" b="1" dirty="0"/>
               <a:t>Inline List Items</a:t>
             </a:r>
-            <a:endParaRPr lang="en-IN" b="1" dirty="0" smtClean="0"/>
           </a:p>
           <a:p>
             <a:pPr>
@@ -11315,65 +10815,63 @@
               </a:lnSpc>
             </a:pPr>
             <a:r>
-              <a:rPr lang="en-IN" dirty="0" smtClean="0"/>
+              <a:rPr lang="en-IN" dirty="0"/>
               <a:t>To build a horizontal navigation bar is to specify the &lt;</a:t>
             </a:r>
             <a:r>
-              <a:rPr lang="en-IN" dirty="0" err="1" smtClean="0"/>
+              <a:rPr lang="en-IN" dirty="0" err="1"/>
               <a:t>li</a:t>
             </a:r>
             <a:r>
-              <a:rPr lang="en-IN" dirty="0" smtClean="0"/>
+              <a:rPr lang="en-IN" dirty="0"/>
               <a:t>&gt; elements as inline</a:t>
             </a:r>
-            <a:endParaRPr lang="en-IN" dirty="0" smtClean="0"/>
-          </a:p>
-          <a:p>
-            <a:pPr>
-              <a:buNone/>
-            </a:pPr>
-            <a:r>
-              <a:rPr lang="en-US" b="1" dirty="0" smtClean="0"/>
+          </a:p>
+          <a:p>
+            <a:pPr>
+              <a:buNone/>
+            </a:pPr>
+            <a:r>
+              <a:rPr lang="en-US" b="1" dirty="0"/>
               <a:t>		</a:t>
             </a:r>
             <a:r>
-              <a:rPr lang="en-IN" dirty="0" smtClean="0"/>
+              <a:rPr lang="en-IN" dirty="0"/>
               <a:t> </a:t>
             </a:r>
             <a:r>
-              <a:rPr lang="en-IN" dirty="0" err="1" smtClean="0"/>
+              <a:rPr lang="en-IN" dirty="0" err="1"/>
               <a:t>li</a:t>
             </a:r>
             <a:br>
-              <a:rPr lang="en-IN" dirty="0" smtClean="0"/>
-            </a:br>
-            <a:r>
-              <a:rPr lang="en-IN" dirty="0" smtClean="0"/>
+              <a:rPr lang="en-IN" dirty="0"/>
+            </a:br>
+            <a:r>
+              <a:rPr lang="en-IN" dirty="0"/>
               <a:t>	{</a:t>
             </a:r>
             <a:br>
-              <a:rPr lang="en-IN" dirty="0" smtClean="0"/>
-            </a:br>
-            <a:r>
-              <a:rPr lang="en-IN" dirty="0" smtClean="0"/>
+              <a:rPr lang="en-IN" dirty="0"/>
+            </a:br>
+            <a:r>
+              <a:rPr lang="en-IN" dirty="0"/>
               <a:t>	</a:t>
             </a:r>
             <a:r>
-              <a:rPr lang="en-IN" dirty="0" err="1" smtClean="0"/>
+              <a:rPr lang="en-IN" dirty="0" err="1"/>
               <a:t>display:inline</a:t>
             </a:r>
             <a:r>
-              <a:rPr lang="en-IN" dirty="0" smtClean="0"/>
+              <a:rPr lang="en-IN" dirty="0"/>
               <a:t>;</a:t>
             </a:r>
             <a:br>
-              <a:rPr lang="en-IN" dirty="0" smtClean="0"/>
-            </a:br>
-            <a:r>
-              <a:rPr lang="en-IN" dirty="0" smtClean="0"/>
+              <a:rPr lang="en-IN" dirty="0"/>
+            </a:br>
+            <a:r>
+              <a:rPr lang="en-IN" dirty="0"/>
               <a:t>	}</a:t>
             </a:r>
-            <a:endParaRPr lang="en-IN" dirty="0" smtClean="0"/>
           </a:p>
           <a:p>
             <a:pPr>
@@ -11382,36 +10880,34 @@
               </a:lnSpc>
             </a:pPr>
             <a:r>
-              <a:rPr lang="en-IN" dirty="0" smtClean="0"/>
+              <a:rPr lang="en-IN" dirty="0"/>
               <a:t> </a:t>
             </a:r>
             <a:r>
-              <a:rPr lang="en-IN" dirty="0" err="1" smtClean="0"/>
+              <a:rPr lang="en-IN" dirty="0" err="1"/>
               <a:t>display:inline</a:t>
             </a:r>
             <a:r>
-              <a:rPr lang="en-IN" dirty="0" smtClean="0"/>
+              <a:rPr lang="en-IN" dirty="0"/>
               <a:t>; - By default, &lt;</a:t>
             </a:r>
             <a:r>
-              <a:rPr lang="en-IN" dirty="0" err="1" smtClean="0"/>
+              <a:rPr lang="en-IN" dirty="0" err="1"/>
               <a:t>li</a:t>
             </a:r>
             <a:r>
-              <a:rPr lang="en-IN" dirty="0" smtClean="0"/>
+              <a:rPr lang="en-IN" dirty="0"/>
               <a:t>&gt; elements are block elements. Here, we remove the line breaks before and after each list item, to display them on one line</a:t>
             </a:r>
-            <a:endParaRPr lang="en-IN" dirty="0" smtClean="0"/>
-          </a:p>
-          <a:p>
-            <a:pPr>
-              <a:buNone/>
-            </a:pPr>
-            <a:r>
-              <a:rPr lang="en-IN" b="1" dirty="0" smtClean="0"/>
+          </a:p>
+          <a:p>
+            <a:pPr>
+              <a:buNone/>
+            </a:pPr>
+            <a:r>
+              <a:rPr lang="en-IN" b="1" dirty="0"/>
               <a:t>Floating List Items</a:t>
             </a:r>
-            <a:endParaRPr lang="en-IN" b="1" dirty="0" smtClean="0"/>
           </a:p>
           <a:p>
             <a:pPr>
@@ -11420,18 +10916,17 @@
               </a:lnSpc>
             </a:pPr>
             <a:r>
-              <a:rPr lang="en-IN" dirty="0" smtClean="0"/>
+              <a:rPr lang="en-IN" dirty="0"/>
               <a:t>For all the links to have an equal width, float the &lt;</a:t>
             </a:r>
             <a:r>
-              <a:rPr lang="en-IN" dirty="0" err="1" smtClean="0"/>
+              <a:rPr lang="en-IN" dirty="0" err="1"/>
               <a:t>li</a:t>
             </a:r>
             <a:r>
-              <a:rPr lang="en-IN" dirty="0" smtClean="0"/>
+              <a:rPr lang="en-IN" dirty="0"/>
               <a:t>&gt; elements and specify a width for the &lt;a&gt; elements</a:t>
             </a:r>
-            <a:endParaRPr lang="en-IN" dirty="0" smtClean="0"/>
           </a:p>
           <a:p>
             <a:endParaRPr lang="en-US" dirty="0"/>
@@ -11486,10 +10981,9 @@
           <a:lstStyle/>
           <a:p>
             <a:r>
-              <a:rPr lang="en-US" b="1" dirty="0" smtClean="0"/>
+              <a:rPr lang="en-US" b="1" dirty="0"/>
               <a:t>CSS Layout and Structure</a:t>
             </a:r>
-            <a:endParaRPr lang="en-US" b="1" dirty="0"/>
           </a:p>
         </p:txBody>
       </p:sp>
@@ -11521,54 +11015,53 @@
               </a:lnSpc>
             </a:pPr>
             <a:r>
-              <a:rPr lang="en-IN" dirty="0" err="1" smtClean="0"/>
+              <a:rPr lang="en-IN" dirty="0" err="1"/>
               <a:t>li</a:t>
             </a:r>
             <a:br>
-              <a:rPr lang="en-IN" dirty="0" smtClean="0"/>
-            </a:br>
-            <a:r>
-              <a:rPr lang="en-IN" dirty="0" smtClean="0"/>
+              <a:rPr lang="en-IN" dirty="0"/>
+            </a:br>
+            <a:r>
+              <a:rPr lang="en-IN" dirty="0"/>
               <a:t>{    </a:t>
             </a:r>
             <a:r>
-              <a:rPr lang="en-IN" dirty="0" err="1" smtClean="0"/>
+              <a:rPr lang="en-IN" dirty="0" err="1"/>
               <a:t>float:left</a:t>
             </a:r>
             <a:r>
-              <a:rPr lang="en-IN" dirty="0" smtClean="0"/>
+              <a:rPr lang="en-IN" dirty="0"/>
               <a:t>;   }</a:t>
             </a:r>
             <a:br>
-              <a:rPr lang="en-IN" dirty="0" smtClean="0"/>
-            </a:br>
-            <a:r>
-              <a:rPr lang="en-IN" dirty="0" smtClean="0"/>
+              <a:rPr lang="en-IN" dirty="0"/>
+            </a:br>
+            <a:r>
+              <a:rPr lang="en-IN" dirty="0"/>
               <a:t>a</a:t>
             </a:r>
             <a:br>
-              <a:rPr lang="en-IN" dirty="0" smtClean="0"/>
-            </a:br>
-            <a:r>
-              <a:rPr lang="en-IN" dirty="0" smtClean="0"/>
+              <a:rPr lang="en-IN" dirty="0"/>
+            </a:br>
+            <a:r>
+              <a:rPr lang="en-IN" dirty="0"/>
               <a:t>{    </a:t>
             </a:r>
             <a:r>
-              <a:rPr lang="en-IN" dirty="0" err="1" smtClean="0"/>
+              <a:rPr lang="en-IN" dirty="0" err="1"/>
               <a:t>display:block</a:t>
             </a:r>
             <a:r>
-              <a:rPr lang="en-IN" dirty="0" smtClean="0"/>
+              <a:rPr lang="en-IN" dirty="0"/>
               <a:t>;   </a:t>
             </a:r>
             <a:br>
-              <a:rPr lang="en-IN" dirty="0" smtClean="0"/>
-            </a:br>
-            <a:r>
-              <a:rPr lang="en-IN" dirty="0" smtClean="0"/>
+              <a:rPr lang="en-IN" dirty="0"/>
+            </a:br>
+            <a:r>
+              <a:rPr lang="en-IN" dirty="0"/>
               <a:t>width:60px;        }</a:t>
             </a:r>
-            <a:endParaRPr lang="en-IN" dirty="0" smtClean="0"/>
           </a:p>
           <a:p>
             <a:pPr>
@@ -11577,14 +11070,13 @@
               </a:lnSpc>
             </a:pPr>
             <a:r>
-              <a:rPr lang="en-IN" dirty="0" err="1" smtClean="0"/>
+              <a:rPr lang="en-IN" dirty="0" err="1"/>
               <a:t>float:left</a:t>
             </a:r>
             <a:r>
-              <a:rPr lang="en-IN" dirty="0" smtClean="0"/>
+              <a:rPr lang="en-IN" dirty="0"/>
               <a:t> - use float to get block elements to slide next to each other</a:t>
             </a:r>
-            <a:endParaRPr lang="en-IN" dirty="0" smtClean="0"/>
           </a:p>
           <a:p>
             <a:pPr>
@@ -11593,14 +11085,13 @@
               </a:lnSpc>
             </a:pPr>
             <a:r>
-              <a:rPr lang="en-IN" dirty="0" err="1" smtClean="0"/>
+              <a:rPr lang="en-IN" dirty="0" err="1"/>
               <a:t>display:block</a:t>
             </a:r>
             <a:r>
-              <a:rPr lang="en-IN" dirty="0" smtClean="0"/>
+              <a:rPr lang="en-IN" dirty="0"/>
               <a:t> - Displaying the links as block elements makes the whole link area clickable (not just the text), and it allows us to specify the width</a:t>
             </a:r>
-            <a:endParaRPr lang="en-IN" dirty="0" smtClean="0"/>
           </a:p>
           <a:p>
             <a:pPr>
@@ -11661,116 +11152,111 @@
               <a:buNone/>
             </a:pPr>
             <a:r>
-              <a:rPr lang="en-US" b="1" dirty="0" smtClean="0"/>
+              <a:rPr lang="en-US" b="1" dirty="0"/>
               <a:t>CSS Comments</a:t>
             </a:r>
-            <a:endParaRPr lang="en-US" b="1" dirty="0" smtClean="0"/>
-          </a:p>
-          <a:p>
-            <a:r>
-              <a:rPr lang="en-US" dirty="0" smtClean="0"/>
+          </a:p>
+          <a:p>
+            <a:r>
+              <a:rPr lang="en-US" dirty="0"/>
               <a:t>Comments are used to explain your code, and may help you when you edit the source code at a later date. Comments are ignored by browsers.</a:t>
             </a:r>
-            <a:endParaRPr lang="en-US" dirty="0" smtClean="0"/>
-          </a:p>
-          <a:p>
-            <a:r>
-              <a:rPr lang="en-US" dirty="0" smtClean="0"/>
+          </a:p>
+          <a:p>
+            <a:r>
+              <a:rPr lang="en-US" dirty="0"/>
               <a:t>A CSS comment begins with "/*", and ends with "*/", like this:</a:t>
             </a:r>
-            <a:endParaRPr lang="en-US" dirty="0" smtClean="0"/>
-          </a:p>
-          <a:p>
-            <a:endParaRPr lang="en-US" dirty="0" smtClean="0"/>
-          </a:p>
-          <a:p>
-            <a:pPr>
-              <a:buNone/>
-            </a:pPr>
-            <a:r>
-              <a:rPr lang="en-US" dirty="0" smtClean="0"/>
+          </a:p>
+          <a:p>
+            <a:endParaRPr lang="en-US" dirty="0"/>
+          </a:p>
+          <a:p>
+            <a:pPr>
+              <a:buNone/>
+            </a:pPr>
+            <a:r>
+              <a:rPr lang="en-US" dirty="0"/>
               <a:t>Example:</a:t>
             </a:r>
-            <a:endParaRPr lang="en-US" dirty="0"/>
-          </a:p>
-          <a:p>
-            <a:pPr>
-              <a:buNone/>
-            </a:pPr>
-            <a:r>
-              <a:rPr lang="en-US" dirty="0" smtClean="0"/>
+          </a:p>
+          <a:p>
+            <a:pPr>
+              <a:buNone/>
+            </a:pPr>
+            <a:r>
+              <a:rPr lang="en-US" dirty="0"/>
               <a:t>/*This is a comment*/</a:t>
             </a:r>
             <a:br>
-              <a:rPr lang="en-US" dirty="0" smtClean="0"/>
-            </a:br>
-            <a:r>
-              <a:rPr lang="en-US" dirty="0" smtClean="0"/>
+              <a:rPr lang="en-US" dirty="0"/>
+            </a:br>
+            <a:r>
+              <a:rPr lang="en-US" dirty="0"/>
               <a:t>p</a:t>
             </a:r>
             <a:br>
-              <a:rPr lang="en-US" dirty="0" smtClean="0"/>
-            </a:br>
-            <a:r>
-              <a:rPr lang="en-US" dirty="0" smtClean="0"/>
+              <a:rPr lang="en-US" dirty="0"/>
+            </a:br>
+            <a:r>
+              <a:rPr lang="en-US" dirty="0"/>
               <a:t>{</a:t>
             </a:r>
             <a:br>
-              <a:rPr lang="en-US" dirty="0" smtClean="0"/>
-            </a:br>
-            <a:r>
-              <a:rPr lang="en-US" dirty="0" smtClean="0"/>
+              <a:rPr lang="en-US" dirty="0"/>
+            </a:br>
+            <a:r>
+              <a:rPr lang="en-US" dirty="0"/>
               <a:t>text-</a:t>
             </a:r>
             <a:r>
-              <a:rPr lang="en-US" dirty="0" err="1" smtClean="0"/>
+              <a:rPr lang="en-US" dirty="0" err="1"/>
               <a:t>align:center</a:t>
             </a:r>
             <a:r>
-              <a:rPr lang="en-US" dirty="0" smtClean="0"/>
+              <a:rPr lang="en-US" dirty="0"/>
               <a:t>;</a:t>
             </a:r>
             <a:br>
-              <a:rPr lang="en-US" dirty="0" smtClean="0"/>
-            </a:br>
-            <a:r>
-              <a:rPr lang="en-US" dirty="0" smtClean="0"/>
+              <a:rPr lang="en-US" dirty="0"/>
+            </a:br>
+            <a:r>
+              <a:rPr lang="en-US" dirty="0"/>
               <a:t>/*This is another comment*/</a:t>
             </a:r>
             <a:br>
-              <a:rPr lang="en-US" dirty="0" smtClean="0"/>
-            </a:br>
-            <a:r>
-              <a:rPr lang="en-US" dirty="0" err="1" smtClean="0"/>
+              <a:rPr lang="en-US" dirty="0"/>
+            </a:br>
+            <a:r>
+              <a:rPr lang="en-US" dirty="0" err="1"/>
               <a:t>color:black</a:t>
             </a:r>
             <a:r>
-              <a:rPr lang="en-US" dirty="0" smtClean="0"/>
+              <a:rPr lang="en-US" dirty="0"/>
               <a:t>;</a:t>
             </a:r>
             <a:br>
-              <a:rPr lang="en-US" dirty="0" smtClean="0"/>
-            </a:br>
-            <a:r>
-              <a:rPr lang="en-US" dirty="0" smtClean="0"/>
+              <a:rPr lang="en-US" dirty="0"/>
+            </a:br>
+            <a:r>
+              <a:rPr lang="en-US" dirty="0"/>
               <a:t>font-</a:t>
             </a:r>
             <a:r>
-              <a:rPr lang="en-US" dirty="0" err="1" smtClean="0"/>
+              <a:rPr lang="en-US" dirty="0" err="1"/>
               <a:t>family:arial</a:t>
             </a:r>
             <a:r>
-              <a:rPr lang="en-US" dirty="0" smtClean="0"/>
+              <a:rPr lang="en-US" dirty="0"/>
               <a:t>;</a:t>
             </a:r>
             <a:br>
-              <a:rPr lang="en-US" dirty="0" smtClean="0"/>
-            </a:br>
-            <a:r>
-              <a:rPr lang="en-US" dirty="0" smtClean="0"/>
+              <a:rPr lang="en-US" dirty="0"/>
+            </a:br>
+            <a:r>
+              <a:rPr lang="en-US" dirty="0"/>
               <a:t>} </a:t>
             </a:r>
-            <a:endParaRPr lang="en-US" dirty="0"/>
           </a:p>
         </p:txBody>
       </p:sp>
@@ -11779,13 +11265,6 @@
   <p:clrMapOvr>
     <a:masterClrMapping/>
   </p:clrMapOvr>
-  <p:timing>
-    <p:tnLst>
-      <p:par>
-        <p:cTn id="1" dur="indefinite" restart="never" nodeType="tmRoot"/>
-      </p:par>
-    </p:tnLst>
-  </p:timing>
 </p:sld>
 </file>
 
@@ -11827,49 +11306,43 @@
           <a:lstStyle/>
           <a:p>
             <a:r>
-              <a:rPr lang="en-US" dirty="0" smtClean="0"/>
+              <a:rPr lang="en-US" dirty="0"/>
               <a:t>When a browser reads a style sheet, it will format the document according to it.</a:t>
             </a:r>
-            <a:endParaRPr lang="en-US" dirty="0" smtClean="0"/>
-          </a:p>
-          <a:p>
-            <a:r>
-              <a:rPr lang="en-US" b="1" dirty="0" smtClean="0"/>
+          </a:p>
+          <a:p>
+            <a:r>
+              <a:rPr lang="en-US" b="1" dirty="0"/>
               <a:t>Three Ways to Insert CSS	</a:t>
             </a:r>
-            <a:endParaRPr lang="en-US" b="1" dirty="0" smtClean="0"/>
           </a:p>
           <a:p>
             <a:pPr lvl="1"/>
             <a:r>
-              <a:rPr lang="en-US" dirty="0" smtClean="0"/>
+              <a:rPr lang="en-US" dirty="0"/>
               <a:t>There are three ways of inserting a style sheet:</a:t>
             </a:r>
-            <a:endParaRPr lang="en-US" dirty="0" smtClean="0"/>
           </a:p>
           <a:p>
             <a:pPr lvl="3"/>
             <a:r>
-              <a:rPr lang="en-US" dirty="0" smtClean="0"/>
+              <a:rPr lang="en-US" dirty="0"/>
               <a:t>External style sheet</a:t>
             </a:r>
-            <a:endParaRPr lang="en-US" dirty="0" smtClean="0"/>
           </a:p>
           <a:p>
             <a:pPr lvl="3"/>
             <a:r>
-              <a:rPr lang="en-US" dirty="0" smtClean="0"/>
+              <a:rPr lang="en-US" dirty="0"/>
               <a:t>Internal style sheet</a:t>
             </a:r>
-            <a:endParaRPr lang="en-US" dirty="0" smtClean="0"/>
           </a:p>
           <a:p>
             <a:pPr lvl="3"/>
             <a:r>
-              <a:rPr lang="en-US" dirty="0" smtClean="0"/>
+              <a:rPr lang="en-US" dirty="0"/>
               <a:t>Inline style</a:t>
             </a:r>
-            <a:endParaRPr lang="en-US" dirty="0"/>
           </a:p>
         </p:txBody>
       </p:sp>
@@ -11878,13 +11351,6 @@
   <p:clrMapOvr>
     <a:masterClrMapping/>
   </p:clrMapOvr>
-  <p:timing>
-    <p:tnLst>
-      <p:par>
-        <p:cTn id="1" dur="indefinite" restart="never" nodeType="tmRoot"/>
-      </p:par>
-    </p:tnLst>
-  </p:timing>
 </p:sld>
 </file>
 
@@ -11923,11 +11389,11 @@
           <a:lstStyle/>
           <a:p>
             <a:r>
-              <a:rPr lang="en-US" b="1" dirty="0" smtClean="0"/>
+              <a:rPr lang="en-US" b="1" dirty="0"/>
               <a:t>External Style Sheet</a:t>
             </a:r>
             <a:br>
-              <a:rPr lang="en-US" b="1" dirty="0" smtClean="0"/>
+              <a:rPr lang="en-US" b="1" dirty="0"/>
             </a:br>
             <a:endParaRPr lang="en-US" dirty="0"/>
           </a:p>
@@ -11956,101 +11422,131 @@
           <a:lstStyle/>
           <a:p>
             <a:r>
-              <a:rPr lang="en-US" sz="2400" dirty="0" smtClean="0"/>
+              <a:rPr lang="en-US" sz="2400" dirty="0"/>
               <a:t>An external style sheet is ideal when the style is applied to many pages.</a:t>
             </a:r>
-            <a:endParaRPr lang="en-US" sz="2400" dirty="0" smtClean="0"/>
-          </a:p>
-          <a:p>
-            <a:r>
-              <a:rPr lang="en-US" sz="2400" dirty="0" smtClean="0"/>
+          </a:p>
+          <a:p>
+            <a:r>
+              <a:rPr lang="en-US" sz="2400" dirty="0"/>
               <a:t> With an external style sheet, you can change the look of an entire Web site by changing one file.</a:t>
             </a:r>
-            <a:endParaRPr lang="en-US" sz="2400" dirty="0" smtClean="0"/>
-          </a:p>
-          <a:p>
-            <a:r>
-              <a:rPr lang="en-US" sz="2400" dirty="0" smtClean="0"/>
+          </a:p>
+          <a:p>
+            <a:r>
+              <a:rPr lang="en-US" sz="2400" dirty="0"/>
               <a:t> Each page must link to the style sheet using the &lt;link&gt; tag. </a:t>
             </a:r>
-            <a:endParaRPr lang="en-US" sz="2400" dirty="0" smtClean="0"/>
-          </a:p>
-          <a:p>
-            <a:r>
-              <a:rPr lang="en-US" sz="2400" dirty="0" smtClean="0"/>
+          </a:p>
+          <a:p>
+            <a:r>
+              <a:rPr lang="en-US" sz="2400" dirty="0"/>
               <a:t>The &lt;link&gt; tag goes inside the head section:</a:t>
             </a:r>
-            <a:endParaRPr lang="en-US" sz="2400" dirty="0" smtClean="0"/>
           </a:p>
           <a:p>
             <a:pPr lvl="3">
               <a:buNone/>
             </a:pPr>
             <a:r>
-              <a:rPr lang="en-US" sz="1900" dirty="0" smtClean="0"/>
+              <a:rPr lang="en-US" sz="1900" dirty="0"/>
               <a:t>&lt;head&gt;</a:t>
             </a:r>
             <a:br>
-              <a:rPr lang="en-US" sz="1900" dirty="0" smtClean="0"/>
-            </a:br>
-            <a:r>
-              <a:rPr lang="en-US" sz="1900" dirty="0" smtClean="0"/>
+              <a:rPr lang="en-US" sz="1900" dirty="0"/>
+            </a:br>
+            <a:r>
+              <a:rPr lang="en-US" sz="1900" dirty="0">
+                <a:highlight>
+                  <a:srgbClr val="00FFFF"/>
+                </a:highlight>
+              </a:rPr>
               <a:t>&lt;link </a:t>
             </a:r>
             <a:r>
-              <a:rPr lang="en-US" sz="1900" dirty="0" err="1" smtClean="0"/>
+              <a:rPr lang="en-US" sz="1900" dirty="0" err="1">
+                <a:highlight>
+                  <a:srgbClr val="00FFFF"/>
+                </a:highlight>
+              </a:rPr>
               <a:t>rel</a:t>
             </a:r>
             <a:r>
-              <a:rPr lang="en-US" sz="1900" dirty="0" smtClean="0"/>
+              <a:rPr lang="en-US" sz="1900" dirty="0">
+                <a:highlight>
+                  <a:srgbClr val="00FFFF"/>
+                </a:highlight>
+              </a:rPr>
               <a:t>="</a:t>
             </a:r>
             <a:r>
-              <a:rPr lang="en-US" sz="1900" dirty="0" err="1" smtClean="0"/>
+              <a:rPr lang="en-US" sz="1900" dirty="0" err="1">
+                <a:highlight>
+                  <a:srgbClr val="00FFFF"/>
+                </a:highlight>
+              </a:rPr>
               <a:t>stylesheet</a:t>
             </a:r>
             <a:r>
-              <a:rPr lang="en-US" sz="1900" dirty="0" smtClean="0"/>
+              <a:rPr lang="en-US" sz="1900" dirty="0">
+                <a:highlight>
+                  <a:srgbClr val="00FFFF"/>
+                </a:highlight>
+              </a:rPr>
               <a:t>" type="text/</a:t>
             </a:r>
             <a:r>
-              <a:rPr lang="en-US" sz="1900" dirty="0" err="1" smtClean="0"/>
+              <a:rPr lang="en-US" sz="1900" dirty="0" err="1">
+                <a:highlight>
+                  <a:srgbClr val="00FFFF"/>
+                </a:highlight>
+              </a:rPr>
               <a:t>css</a:t>
             </a:r>
             <a:r>
-              <a:rPr lang="en-US" sz="1900" dirty="0" smtClean="0"/>
+              <a:rPr lang="en-US" sz="1900" dirty="0">
+                <a:highlight>
+                  <a:srgbClr val="00FFFF"/>
+                </a:highlight>
+              </a:rPr>
               <a:t>" </a:t>
             </a:r>
             <a:r>
-              <a:rPr lang="en-US" sz="1900" dirty="0" err="1" smtClean="0"/>
+              <a:rPr lang="en-US" sz="1900" dirty="0" err="1">
+                <a:highlight>
+                  <a:srgbClr val="00FFFF"/>
+                </a:highlight>
+              </a:rPr>
               <a:t>href</a:t>
             </a:r>
             <a:r>
-              <a:rPr lang="en-US" sz="1900" dirty="0" smtClean="0"/>
+              <a:rPr lang="en-US" sz="1900" dirty="0">
+                <a:highlight>
+                  <a:srgbClr val="00FFFF"/>
+                </a:highlight>
+              </a:rPr>
               <a:t>="mystyle.css" /&gt;</a:t>
             </a:r>
-            <a:endParaRPr lang="en-US" sz="1900" dirty="0" smtClean="0"/>
           </a:p>
           <a:p>
             <a:pPr lvl="3">
               <a:buNone/>
             </a:pPr>
             <a:r>
-              <a:rPr lang="en-US" sz="1900" dirty="0" smtClean="0"/>
+              <a:rPr lang="en-US" sz="1900" dirty="0"/>
               <a:t>&lt;/head&gt; </a:t>
             </a:r>
-            <a:endParaRPr lang="en-US" sz="1900" dirty="0" smtClean="0"/>
-          </a:p>
-          <a:p>
-            <a:pPr>
-              <a:buNone/>
-            </a:pPr>
-            <a:r>
-              <a:rPr lang="en-US" sz="2400" dirty="0" smtClean="0"/>
+          </a:p>
+          <a:p>
+            <a:pPr>
+              <a:buNone/>
+            </a:pPr>
+            <a:r>
+              <a:rPr lang="en-US" sz="2400" dirty="0"/>
               <a:t>An external style sheet can be written in any text editor. The file should not contain any html tags</a:t>
             </a:r>
             <a:r>
-              <a:rPr lang="en-US" sz="2400" dirty="0" smtClean="0">
+              <a:rPr lang="en-US" sz="2400" dirty="0">
                 <a:solidFill>
                   <a:srgbClr val="FF0000"/>
                 </a:solidFill>
@@ -12058,7 +11554,7 @@
               <a:t>. Your style sheet should be saved with a .</a:t>
             </a:r>
             <a:r>
-              <a:rPr lang="en-US" sz="2400" dirty="0" err="1" smtClean="0">
+              <a:rPr lang="en-US" sz="2400" dirty="0" err="1">
                 <a:solidFill>
                   <a:srgbClr val="FF0000"/>
                 </a:solidFill>
@@ -12066,7 +11562,7 @@
               <a:t>css</a:t>
             </a:r>
             <a:r>
-              <a:rPr lang="en-US" sz="2400" dirty="0" smtClean="0">
+              <a:rPr lang="en-US" sz="2400" dirty="0">
                 <a:solidFill>
                   <a:srgbClr val="FF0000"/>
                 </a:solidFill>
@@ -12074,57 +11570,54 @@
               <a:t> extension</a:t>
             </a:r>
             <a:r>
-              <a:rPr lang="en-US" sz="2400" dirty="0" smtClean="0"/>
+              <a:rPr lang="en-US" sz="2400" dirty="0"/>
               <a:t>.</a:t>
             </a:r>
-            <a:endParaRPr lang="en-US" sz="2400" dirty="0" smtClean="0"/>
-          </a:p>
-          <a:p>
-            <a:pPr>
-              <a:buNone/>
-            </a:pPr>
-            <a:r>
-              <a:rPr lang="en-US" sz="2400" dirty="0" smtClean="0"/>
+          </a:p>
+          <a:p>
+            <a:pPr>
+              <a:buNone/>
+            </a:pPr>
+            <a:r>
+              <a:rPr lang="en-US" sz="2400" dirty="0"/>
               <a:t> An example of a style sheet file is shown below:</a:t>
             </a:r>
-            <a:endParaRPr lang="en-US" sz="2400" dirty="0" smtClean="0"/>
-          </a:p>
-          <a:p>
-            <a:r>
-              <a:rPr lang="en-US" sz="2400" dirty="0" smtClean="0"/>
+          </a:p>
+          <a:p>
+            <a:r>
+              <a:rPr lang="en-US" sz="2400" dirty="0"/>
               <a:t>hr {</a:t>
             </a:r>
             <a:r>
-              <a:rPr lang="en-US" sz="2400" dirty="0" err="1" smtClean="0"/>
+              <a:rPr lang="en-US" sz="2400" dirty="0" err="1"/>
               <a:t>color:red</a:t>
             </a:r>
             <a:r>
-              <a:rPr lang="en-US" sz="2400" dirty="0" smtClean="0"/>
+              <a:rPr lang="en-US" sz="2400" dirty="0"/>
               <a:t>;}</a:t>
             </a:r>
             <a:br>
-              <a:rPr lang="en-US" sz="2400" dirty="0" smtClean="0"/>
-            </a:br>
-            <a:r>
-              <a:rPr lang="en-US" sz="2400" dirty="0" smtClean="0"/>
+              <a:rPr lang="en-US" sz="2400" dirty="0"/>
+            </a:br>
+            <a:r>
+              <a:rPr lang="en-US" sz="2400" dirty="0"/>
               <a:t>p {margin-left:20px;}</a:t>
             </a:r>
             <a:br>
-              <a:rPr lang="en-US" sz="2400" dirty="0" smtClean="0"/>
-            </a:br>
-            <a:r>
-              <a:rPr lang="en-US" sz="2400" dirty="0" smtClean="0"/>
+              <a:rPr lang="en-US" sz="2400" dirty="0"/>
+            </a:br>
+            <a:r>
+              <a:rPr lang="en-US" sz="2400" dirty="0"/>
               <a:t>body {background-</a:t>
             </a:r>
             <a:r>
-              <a:rPr lang="en-US" sz="2400" dirty="0" err="1" smtClean="0"/>
+              <a:rPr lang="en-US" sz="2400" dirty="0" err="1"/>
               <a:t>image:url</a:t>
             </a:r>
             <a:r>
-              <a:rPr lang="en-US" sz="2400" dirty="0" smtClean="0"/>
+              <a:rPr lang="en-US" sz="2400" dirty="0"/>
               <a:t>("images/back40.gif");}</a:t>
             </a:r>
-            <a:endParaRPr lang="en-US" sz="2400" dirty="0"/>
           </a:p>
         </p:txBody>
       </p:sp>
@@ -12133,13 +11626,6 @@
   <p:clrMapOvr>
     <a:masterClrMapping/>
   </p:clrMapOvr>
-  <p:timing>
-    <p:tnLst>
-      <p:par>
-        <p:cTn id="1" dur="indefinite" restart="never" nodeType="tmRoot"/>
-      </p:par>
-    </p:tnLst>
-  </p:timing>
 </p:sld>
 </file>
 
@@ -12186,98 +11672,94 @@
               <a:buNone/>
             </a:pPr>
             <a:r>
-              <a:rPr lang="en-US" b="1" dirty="0" smtClean="0"/>
+              <a:rPr lang="en-US" b="1" dirty="0"/>
               <a:t>Internal Style Sheet</a:t>
             </a:r>
-            <a:endParaRPr lang="en-US" b="1" dirty="0" smtClean="0"/>
-          </a:p>
-          <a:p>
-            <a:r>
-              <a:rPr lang="en-US" dirty="0" smtClean="0"/>
+          </a:p>
+          <a:p>
+            <a:r>
+              <a:rPr lang="en-US" dirty="0"/>
               <a:t>An internal style sheet should be used when a single document has a unique style. </a:t>
             </a:r>
-            <a:endParaRPr lang="en-US" dirty="0"/>
-          </a:p>
-          <a:p>
-            <a:r>
-              <a:rPr lang="en-US" dirty="0" smtClean="0"/>
+          </a:p>
+          <a:p>
+            <a:r>
+              <a:rPr lang="en-US" dirty="0"/>
               <a:t>You define internal styles in the head section of an HTML page, by using the &lt;style&gt; tag, like this:</a:t>
             </a:r>
-            <a:endParaRPr lang="en-US" dirty="0" smtClean="0"/>
           </a:p>
           <a:p>
             <a:pPr lvl="2"/>
             <a:r>
-              <a:rPr lang="en-US" dirty="0" smtClean="0"/>
+              <a:rPr lang="en-US" dirty="0"/>
               <a:t>&lt;head&gt;</a:t>
             </a:r>
             <a:br>
-              <a:rPr lang="en-US" dirty="0" smtClean="0"/>
-            </a:br>
-            <a:r>
-              <a:rPr lang="en-US" dirty="0" smtClean="0"/>
+              <a:rPr lang="en-US" dirty="0"/>
+            </a:br>
+            <a:r>
+              <a:rPr lang="en-US" dirty="0"/>
               <a:t>      &lt;style type="text/</a:t>
             </a:r>
             <a:r>
-              <a:rPr lang="en-US" dirty="0" err="1" smtClean="0"/>
+              <a:rPr lang="en-US" dirty="0" err="1"/>
               <a:t>css</a:t>
             </a:r>
             <a:r>
-              <a:rPr lang="en-US" dirty="0" smtClean="0"/>
+              <a:rPr lang="en-US" dirty="0"/>
               <a:t>"&gt;</a:t>
             </a:r>
             <a:br>
-              <a:rPr lang="en-US" dirty="0" smtClean="0"/>
-            </a:br>
-            <a:r>
-              <a:rPr lang="en-US" dirty="0" smtClean="0"/>
+              <a:rPr lang="en-US" dirty="0"/>
+            </a:br>
+            <a:r>
+              <a:rPr lang="en-US" dirty="0"/>
               <a:t>           hr {</a:t>
             </a:r>
             <a:r>
-              <a:rPr lang="en-US" dirty="0" err="1" smtClean="0"/>
+              <a:rPr lang="en-US" dirty="0" err="1"/>
               <a:t>color:sienna</a:t>
             </a:r>
             <a:r>
-              <a:rPr lang="en-US" dirty="0" smtClean="0"/>
+              <a:rPr lang="en-US" dirty="0"/>
               <a:t>;}</a:t>
             </a:r>
             <a:br>
-              <a:rPr lang="en-US" dirty="0" smtClean="0"/>
-            </a:br>
-            <a:r>
-              <a:rPr lang="en-US" dirty="0" smtClean="0"/>
+              <a:rPr lang="en-US" dirty="0"/>
+            </a:br>
+            <a:r>
+              <a:rPr lang="en-US" dirty="0"/>
               <a:t>           p {margin-left:20px;}</a:t>
             </a:r>
             <a:br>
-              <a:rPr lang="en-US" dirty="0" smtClean="0"/>
-            </a:br>
-            <a:r>
-              <a:rPr lang="en-US" dirty="0" smtClean="0"/>
+              <a:rPr lang="en-US" dirty="0"/>
+            </a:br>
+            <a:r>
+              <a:rPr lang="en-US" dirty="0"/>
               <a:t>           body {background-</a:t>
             </a:r>
             <a:r>
-              <a:rPr lang="en-US" dirty="0" err="1" smtClean="0"/>
+              <a:rPr lang="en-US" dirty="0" err="1"/>
               <a:t>image:url</a:t>
             </a:r>
             <a:r>
-              <a:rPr lang="en-US" dirty="0" smtClean="0"/>
+              <a:rPr lang="en-US" dirty="0"/>
               <a:t>("images/back40.gif");}</a:t>
             </a:r>
             <a:br>
-              <a:rPr lang="en-US" dirty="0" smtClean="0"/>
-            </a:br>
-            <a:r>
-              <a:rPr lang="en-US" dirty="0" smtClean="0"/>
+              <a:rPr lang="en-US" dirty="0"/>
+            </a:br>
+            <a:r>
+              <a:rPr lang="en-US" dirty="0"/>
               <a:t>     &lt;/style&gt;</a:t>
             </a:r>
             <a:br>
-              <a:rPr lang="en-US" dirty="0" smtClean="0"/>
-            </a:br>
-            <a:r>
-              <a:rPr lang="en-US" dirty="0" smtClean="0"/>
+              <a:rPr lang="en-US" dirty="0"/>
+            </a:br>
+            <a:r>
+              <a:rPr lang="en-US" dirty="0"/>
               <a:t>&lt;/head&gt;</a:t>
             </a:r>
-            <a:endParaRPr lang="en-US" dirty="0"/>
           </a:p>
         </p:txBody>
       </p:sp>
@@ -12286,13 +11768,6 @@
   <p:clrMapOvr>
     <a:masterClrMapping/>
   </p:clrMapOvr>
-  <p:timing>
-    <p:tnLst>
-      <p:par>
-        <p:cTn id="1" dur="indefinite" restart="never" nodeType="tmRoot"/>
-      </p:par>
-    </p:tnLst>
-  </p:timing>
 </p:sld>
 </file>
 
@@ -12339,48 +11814,42 @@
               <a:buNone/>
             </a:pPr>
             <a:r>
-              <a:rPr lang="en-US" b="1" dirty="0" smtClean="0"/>
+              <a:rPr lang="en-US" b="1" dirty="0"/>
               <a:t>Inline Styles</a:t>
             </a:r>
-            <a:endParaRPr lang="en-US" b="1" dirty="0" smtClean="0"/>
-          </a:p>
-          <a:p>
-            <a:r>
-              <a:rPr lang="en-US" dirty="0" smtClean="0"/>
+          </a:p>
+          <a:p>
+            <a:r>
+              <a:rPr lang="en-US" dirty="0"/>
               <a:t>An inline style loses many of the advantages of style sheets by mixing content with presentation. Use this method sparingly!</a:t>
             </a:r>
-            <a:endParaRPr lang="en-US" dirty="0" smtClean="0"/>
-          </a:p>
-          <a:p>
-            <a:r>
-              <a:rPr lang="en-US" dirty="0" smtClean="0"/>
+          </a:p>
+          <a:p>
+            <a:r>
+              <a:rPr lang="en-US" dirty="0"/>
               <a:t>To use inline styles you use the style attribute in the relevant tag. </a:t>
             </a:r>
-            <a:endParaRPr lang="en-US" dirty="0" smtClean="0"/>
-          </a:p>
-          <a:p>
-            <a:r>
-              <a:rPr lang="en-US" dirty="0" smtClean="0"/>
+          </a:p>
+          <a:p>
+            <a:r>
+              <a:rPr lang="en-US" dirty="0"/>
               <a:t>The style attribute can contain any CSS property. </a:t>
             </a:r>
-            <a:endParaRPr lang="en-US" dirty="0" smtClean="0"/>
-          </a:p>
-          <a:p>
-            <a:r>
-              <a:rPr lang="en-US" dirty="0" smtClean="0"/>
+          </a:p>
+          <a:p>
+            <a:r>
+              <a:rPr lang="en-US" dirty="0"/>
               <a:t>The example shows how to change the color and the left margin of a paragraph:</a:t>
             </a:r>
-            <a:endParaRPr lang="en-US" dirty="0" smtClean="0"/>
-          </a:p>
-          <a:p>
-            <a:pPr>
-              <a:buNone/>
-            </a:pPr>
-            <a:r>
-              <a:rPr lang="en-US" dirty="0" smtClean="0"/>
+          </a:p>
+          <a:p>
+            <a:pPr>
+              <a:buNone/>
+            </a:pPr>
+            <a:r>
+              <a:rPr lang="en-US" dirty="0"/>
               <a:t>		&lt;p style="color:red;margin-left:20px"&gt;This is a paragraph.&lt;/p&gt;</a:t>
             </a:r>
-            <a:endParaRPr lang="en-US" dirty="0"/>
           </a:p>
         </p:txBody>
       </p:sp>
@@ -12389,13 +11858,6 @@
   <p:clrMapOvr>
     <a:masterClrMapping/>
   </p:clrMapOvr>
-  <p:timing>
-    <p:tnLst>
-      <p:par>
-        <p:cTn id="1" dur="indefinite" restart="never" nodeType="tmRoot"/>
-      </p:par>
-    </p:tnLst>
-  </p:timing>
 </p:sld>
 </file>
 
@@ -12677,6 +12139,8 @@
       </a:bgFillStyleLst>
     </a:fmtScheme>
   </a:themeElements>
+  <a:objectDefaults/>
+  <a:extraClrSchemeLst/>
   <a:extLst>
     <a:ext uri="{05A4C25C-085E-4340-85A3-A5531E510DB2}">
       <thm15:themeFamily xmlns:thm15="http://schemas.microsoft.com/office/thememl/2012/main" name="Office Theme" id="{62F939B6-93AF-4DB8-9C6B-D6C7DFDC589F}" vid="{4A3C46E8-61CC-4603-A589-7422A47A8E4A}"/>
